--- a/docs/ACIU S3 UI_V1.0.pptx
+++ b/docs/ACIU S3 UI_V1.0.pptx
@@ -11,6 +11,9 @@
     <p:sldId id="297" r:id="rId5"/>
     <p:sldId id="298" r:id="rId6"/>
     <p:sldId id="299" r:id="rId7"/>
+    <p:sldId id="300" r:id="rId8"/>
+    <p:sldId id="301" r:id="rId9"/>
+    <p:sldId id="302" r:id="rId10"/>
   </p:sldIdLst>
   <p:sldSz cx="12192000" cy="6858000"/>
   <p:notesSz cx="6858000" cy="9144000"/>
@@ -264,7 +267,7 @@
           <a:p>
             <a:fld id="{B77B2311-1626-4E05-A8FF-87BADECA9658}" type="datetimeFigureOut">
               <a:rPr lang="ko-KR" altLang="en-US" smtClean="0"/>
-              <a:t>2025-08-25</a:t>
+              <a:t>2025-08-26</a:t>
             </a:fld>
             <a:endParaRPr lang="ko-KR" altLang="en-US"/>
           </a:p>
@@ -462,7 +465,7 @@
           <a:p>
             <a:fld id="{B77B2311-1626-4E05-A8FF-87BADECA9658}" type="datetimeFigureOut">
               <a:rPr lang="ko-KR" altLang="en-US" smtClean="0"/>
-              <a:t>2025-08-25</a:t>
+              <a:t>2025-08-26</a:t>
             </a:fld>
             <a:endParaRPr lang="ko-KR" altLang="en-US"/>
           </a:p>
@@ -670,7 +673,7 @@
           <a:p>
             <a:fld id="{B77B2311-1626-4E05-A8FF-87BADECA9658}" type="datetimeFigureOut">
               <a:rPr lang="ko-KR" altLang="en-US" smtClean="0"/>
-              <a:t>2025-08-25</a:t>
+              <a:t>2025-08-26</a:t>
             </a:fld>
             <a:endParaRPr lang="ko-KR" altLang="en-US"/>
           </a:p>
@@ -868,7 +871,7 @@
           <a:p>
             <a:fld id="{B77B2311-1626-4E05-A8FF-87BADECA9658}" type="datetimeFigureOut">
               <a:rPr lang="ko-KR" altLang="en-US" smtClean="0"/>
-              <a:t>2025-08-25</a:t>
+              <a:t>2025-08-26</a:t>
             </a:fld>
             <a:endParaRPr lang="ko-KR" altLang="en-US"/>
           </a:p>
@@ -1143,7 +1146,7 @@
           <a:p>
             <a:fld id="{B77B2311-1626-4E05-A8FF-87BADECA9658}" type="datetimeFigureOut">
               <a:rPr lang="ko-KR" altLang="en-US" smtClean="0"/>
-              <a:t>2025-08-25</a:t>
+              <a:t>2025-08-26</a:t>
             </a:fld>
             <a:endParaRPr lang="ko-KR" altLang="en-US"/>
           </a:p>
@@ -1408,7 +1411,7 @@
           <a:p>
             <a:fld id="{B77B2311-1626-4E05-A8FF-87BADECA9658}" type="datetimeFigureOut">
               <a:rPr lang="ko-KR" altLang="en-US" smtClean="0"/>
-              <a:t>2025-08-25</a:t>
+              <a:t>2025-08-26</a:t>
             </a:fld>
             <a:endParaRPr lang="ko-KR" altLang="en-US"/>
           </a:p>
@@ -1820,7 +1823,7 @@
           <a:p>
             <a:fld id="{B77B2311-1626-4E05-A8FF-87BADECA9658}" type="datetimeFigureOut">
               <a:rPr lang="ko-KR" altLang="en-US" smtClean="0"/>
-              <a:t>2025-08-25</a:t>
+              <a:t>2025-08-26</a:t>
             </a:fld>
             <a:endParaRPr lang="ko-KR" altLang="en-US"/>
           </a:p>
@@ -1961,7 +1964,7 @@
           <a:p>
             <a:fld id="{B77B2311-1626-4E05-A8FF-87BADECA9658}" type="datetimeFigureOut">
               <a:rPr lang="ko-KR" altLang="en-US" smtClean="0"/>
-              <a:t>2025-08-25</a:t>
+              <a:t>2025-08-26</a:t>
             </a:fld>
             <a:endParaRPr lang="ko-KR" altLang="en-US"/>
           </a:p>
@@ -2074,7 +2077,7 @@
           <a:p>
             <a:fld id="{B77B2311-1626-4E05-A8FF-87BADECA9658}" type="datetimeFigureOut">
               <a:rPr lang="ko-KR" altLang="en-US" smtClean="0"/>
-              <a:t>2025-08-25</a:t>
+              <a:t>2025-08-26</a:t>
             </a:fld>
             <a:endParaRPr lang="ko-KR" altLang="en-US"/>
           </a:p>
@@ -2385,7 +2388,7 @@
           <a:p>
             <a:fld id="{B77B2311-1626-4E05-A8FF-87BADECA9658}" type="datetimeFigureOut">
               <a:rPr lang="ko-KR" altLang="en-US" smtClean="0"/>
-              <a:t>2025-08-25</a:t>
+              <a:t>2025-08-26</a:t>
             </a:fld>
             <a:endParaRPr lang="ko-KR" altLang="en-US"/>
           </a:p>
@@ -2673,7 +2676,7 @@
           <a:p>
             <a:fld id="{B77B2311-1626-4E05-A8FF-87BADECA9658}" type="datetimeFigureOut">
               <a:rPr lang="ko-KR" altLang="en-US" smtClean="0"/>
-              <a:t>2025-08-25</a:t>
+              <a:t>2025-08-26</a:t>
             </a:fld>
             <a:endParaRPr lang="ko-KR" altLang="en-US"/>
           </a:p>
@@ -2914,7 +2917,7 @@
           <a:p>
             <a:fld id="{B77B2311-1626-4E05-A8FF-87BADECA9658}" type="datetimeFigureOut">
               <a:rPr lang="ko-KR" altLang="en-US" smtClean="0"/>
-              <a:t>2025-08-25</a:t>
+              <a:t>2025-08-26</a:t>
             </a:fld>
             <a:endParaRPr lang="ko-KR" altLang="en-US"/>
           </a:p>
@@ -8494,6 +8497,3299 @@
     <p:extLst>
       <p:ext uri="{BB962C8B-B14F-4D97-AF65-F5344CB8AC3E}">
         <p14:creationId xmlns:p14="http://schemas.microsoft.com/office/powerpoint/2010/main" val="2181205240"/>
+      </p:ext>
+    </p:extLst>
+  </p:cSld>
+  <p:clrMapOvr>
+    <a:masterClrMapping/>
+  </p:clrMapOvr>
+</p:sld>
+</file>
+
+<file path=ppt/slides/slide7.xml><?xml version="1.0" encoding="utf-8"?>
+<p:sld xmlns:a="http://schemas.openxmlformats.org/drawingml/2006/main" xmlns:r="http://schemas.openxmlformats.org/officeDocument/2006/relationships" xmlns:p="http://schemas.openxmlformats.org/presentationml/2006/main">
+  <p:cSld>
+    <p:spTree>
+      <p:nvGrpSpPr>
+        <p:cNvPr id="1" name="">
+          <a:extLst>
+            <a:ext uri="{FF2B5EF4-FFF2-40B4-BE49-F238E27FC236}">
+              <a16:creationId xmlns:a16="http://schemas.microsoft.com/office/drawing/2014/main" id="{ACCBEA5F-1A97-58B5-7021-979E7DA556AE}"/>
+            </a:ext>
+          </a:extLst>
+        </p:cNvPr>
+        <p:cNvGrpSpPr/>
+        <p:nvPr/>
+      </p:nvGrpSpPr>
+      <p:grpSpPr>
+        <a:xfrm>
+          <a:off x="0" y="0"/>
+          <a:ext cx="0" cy="0"/>
+          <a:chOff x="0" y="0"/>
+          <a:chExt cx="0" cy="0"/>
+        </a:xfrm>
+      </p:grpSpPr>
+      <p:sp>
+        <p:nvSpPr>
+          <p:cNvPr id="2" name="직사각형 1">
+            <a:extLst>
+              <a:ext uri="{FF2B5EF4-FFF2-40B4-BE49-F238E27FC236}">
+                <a16:creationId xmlns:a16="http://schemas.microsoft.com/office/drawing/2014/main" id="{876622B0-9A3F-2518-57B5-C9DC21750CCA}"/>
+              </a:ext>
+            </a:extLst>
+          </p:cNvPr>
+          <p:cNvSpPr/>
+          <p:nvPr/>
+        </p:nvSpPr>
+        <p:spPr>
+          <a:xfrm>
+            <a:off x="1036320" y="833120"/>
+            <a:ext cx="1920240" cy="1168400"/>
+          </a:xfrm>
+          <a:prstGeom prst="rect">
+            <a:avLst/>
+          </a:prstGeom>
+        </p:spPr>
+        <p:style>
+          <a:lnRef idx="2">
+            <a:schemeClr val="accent1">
+              <a:shade val="15000"/>
+            </a:schemeClr>
+          </a:lnRef>
+          <a:fillRef idx="1">
+            <a:schemeClr val="accent1"/>
+          </a:fillRef>
+          <a:effectRef idx="0">
+            <a:schemeClr val="accent1"/>
+          </a:effectRef>
+          <a:fontRef idx="minor">
+            <a:schemeClr val="lt1"/>
+          </a:fontRef>
+        </p:style>
+        <p:txBody>
+          <a:bodyPr rtlCol="0" anchor="ctr"/>
+          <a:lstStyle/>
+          <a:p>
+            <a:pPr algn="ctr"/>
+            <a:r>
+              <a:rPr lang="ko-KR" altLang="en-US" dirty="0"/>
+              <a:t>무료서비스</a:t>
+            </a:r>
+            <a:endParaRPr lang="en-US" altLang="ko-KR" dirty="0"/>
+          </a:p>
+          <a:p>
+            <a:pPr algn="ctr"/>
+            <a:r>
+              <a:rPr lang="ko-KR" altLang="en-US" dirty="0"/>
+              <a:t>기출문제풀이</a:t>
+            </a:r>
+          </a:p>
+        </p:txBody>
+      </p:sp>
+      <p:sp>
+        <p:nvSpPr>
+          <p:cNvPr id="6" name="직사각형 5">
+            <a:extLst>
+              <a:ext uri="{FF2B5EF4-FFF2-40B4-BE49-F238E27FC236}">
+                <a16:creationId xmlns:a16="http://schemas.microsoft.com/office/drawing/2014/main" id="{CCBB3F1B-5BBA-F704-3A2A-7CAD647AFECA}"/>
+              </a:ext>
+            </a:extLst>
+          </p:cNvPr>
+          <p:cNvSpPr/>
+          <p:nvPr/>
+        </p:nvSpPr>
+        <p:spPr>
+          <a:xfrm>
+            <a:off x="4739640" y="853440"/>
+            <a:ext cx="1920240" cy="1168400"/>
+          </a:xfrm>
+          <a:prstGeom prst="rect">
+            <a:avLst/>
+          </a:prstGeom>
+        </p:spPr>
+        <p:style>
+          <a:lnRef idx="2">
+            <a:schemeClr val="accent1">
+              <a:shade val="15000"/>
+            </a:schemeClr>
+          </a:lnRef>
+          <a:fillRef idx="1">
+            <a:schemeClr val="accent1"/>
+          </a:fillRef>
+          <a:effectRef idx="0">
+            <a:schemeClr val="accent1"/>
+          </a:effectRef>
+          <a:fontRef idx="minor">
+            <a:schemeClr val="lt1"/>
+          </a:fontRef>
+        </p:style>
+        <p:txBody>
+          <a:bodyPr rtlCol="0" anchor="ctr"/>
+          <a:lstStyle/>
+          <a:p>
+            <a:pPr algn="ctr"/>
+            <a:r>
+              <a:rPr lang="ko-KR" altLang="en-US" dirty="0"/>
+              <a:t>기본서비스</a:t>
+            </a:r>
+            <a:endParaRPr lang="en-US" altLang="ko-KR" dirty="0"/>
+          </a:p>
+          <a:p>
+            <a:pPr algn="ctr"/>
+            <a:r>
+              <a:rPr lang="ko-KR" altLang="en-US" dirty="0"/>
+              <a:t>과목별 문제풀이</a:t>
+            </a:r>
+          </a:p>
+        </p:txBody>
+      </p:sp>
+      <p:sp>
+        <p:nvSpPr>
+          <p:cNvPr id="8" name="직사각형 7">
+            <a:extLst>
+              <a:ext uri="{FF2B5EF4-FFF2-40B4-BE49-F238E27FC236}">
+                <a16:creationId xmlns:a16="http://schemas.microsoft.com/office/drawing/2014/main" id="{793A6102-7C21-CCF8-E8C3-32CA8A3CE6C0}"/>
+              </a:ext>
+            </a:extLst>
+          </p:cNvPr>
+          <p:cNvSpPr/>
+          <p:nvPr/>
+        </p:nvSpPr>
+        <p:spPr>
+          <a:xfrm>
+            <a:off x="8183880" y="853440"/>
+            <a:ext cx="2230120" cy="1168400"/>
+          </a:xfrm>
+          <a:prstGeom prst="rect">
+            <a:avLst/>
+          </a:prstGeom>
+        </p:spPr>
+        <p:style>
+          <a:lnRef idx="2">
+            <a:schemeClr val="accent1">
+              <a:shade val="15000"/>
+            </a:schemeClr>
+          </a:lnRef>
+          <a:fillRef idx="1">
+            <a:schemeClr val="accent1"/>
+          </a:fillRef>
+          <a:effectRef idx="0">
+            <a:schemeClr val="accent1"/>
+          </a:effectRef>
+          <a:fontRef idx="minor">
+            <a:schemeClr val="lt1"/>
+          </a:fontRef>
+        </p:style>
+        <p:txBody>
+          <a:bodyPr rtlCol="0" anchor="ctr"/>
+          <a:lstStyle/>
+          <a:p>
+            <a:pPr algn="ctr"/>
+            <a:r>
+              <a:rPr lang="ko-KR" altLang="en-US" dirty="0"/>
+              <a:t>고급서비스</a:t>
+            </a:r>
+            <a:endParaRPr lang="en-US" altLang="ko-KR" dirty="0"/>
+          </a:p>
+          <a:p>
+            <a:pPr algn="ctr"/>
+            <a:r>
+              <a:rPr lang="ko-KR" altLang="en-US" dirty="0"/>
+              <a:t>다양한서비스</a:t>
+            </a:r>
+            <a:endParaRPr lang="en-US" altLang="ko-KR" dirty="0"/>
+          </a:p>
+          <a:p>
+            <a:pPr algn="ctr"/>
+            <a:r>
+              <a:rPr lang="ko-KR" altLang="en-US" dirty="0"/>
+              <a:t>진위형</a:t>
+            </a:r>
+            <a:r>
+              <a:rPr lang="en-US" altLang="ko-KR" dirty="0"/>
+              <a:t>,</a:t>
+            </a:r>
+            <a:r>
+              <a:rPr lang="ko-KR" altLang="en-US" dirty="0"/>
+              <a:t>모의고사</a:t>
+            </a:r>
+            <a:endParaRPr lang="en-US" altLang="ko-KR" dirty="0"/>
+          </a:p>
+        </p:txBody>
+      </p:sp>
+      <p:sp>
+        <p:nvSpPr>
+          <p:cNvPr id="9" name="직사각형 8">
+            <a:extLst>
+              <a:ext uri="{FF2B5EF4-FFF2-40B4-BE49-F238E27FC236}">
+                <a16:creationId xmlns:a16="http://schemas.microsoft.com/office/drawing/2014/main" id="{44D74F30-DAA2-EDA7-E0B0-4A8EB7C9C599}"/>
+              </a:ext>
+            </a:extLst>
+          </p:cNvPr>
+          <p:cNvSpPr/>
+          <p:nvPr/>
+        </p:nvSpPr>
+        <p:spPr>
+          <a:xfrm>
+            <a:off x="943834" y="2921000"/>
+            <a:ext cx="792480" cy="492760"/>
+          </a:xfrm>
+          <a:prstGeom prst="rect">
+            <a:avLst/>
+          </a:prstGeom>
+        </p:spPr>
+        <p:style>
+          <a:lnRef idx="2">
+            <a:schemeClr val="accent1">
+              <a:shade val="15000"/>
+            </a:schemeClr>
+          </a:lnRef>
+          <a:fillRef idx="1">
+            <a:schemeClr val="accent1"/>
+          </a:fillRef>
+          <a:effectRef idx="0">
+            <a:schemeClr val="accent1"/>
+          </a:effectRef>
+          <a:fontRef idx="minor">
+            <a:schemeClr val="lt1"/>
+          </a:fontRef>
+        </p:style>
+        <p:txBody>
+          <a:bodyPr rtlCol="0" anchor="ctr"/>
+          <a:lstStyle/>
+          <a:p>
+            <a:pPr algn="ctr"/>
+            <a:r>
+              <a:rPr lang="en-US" altLang="ko-KR" dirty="0"/>
+              <a:t>1</a:t>
+            </a:r>
+            <a:endParaRPr lang="ko-KR" altLang="en-US" dirty="0"/>
+          </a:p>
+        </p:txBody>
+      </p:sp>
+      <p:sp>
+        <p:nvSpPr>
+          <p:cNvPr id="10" name="직사각형 9">
+            <a:extLst>
+              <a:ext uri="{FF2B5EF4-FFF2-40B4-BE49-F238E27FC236}">
+                <a16:creationId xmlns:a16="http://schemas.microsoft.com/office/drawing/2014/main" id="{892D5E9C-0D2C-8562-3142-052B2106A6E4}"/>
+              </a:ext>
+            </a:extLst>
+          </p:cNvPr>
+          <p:cNvSpPr/>
+          <p:nvPr/>
+        </p:nvSpPr>
+        <p:spPr>
+          <a:xfrm>
+            <a:off x="2082800" y="2951480"/>
+            <a:ext cx="792480" cy="492760"/>
+          </a:xfrm>
+          <a:prstGeom prst="rect">
+            <a:avLst/>
+          </a:prstGeom>
+        </p:spPr>
+        <p:style>
+          <a:lnRef idx="2">
+            <a:schemeClr val="accent1">
+              <a:shade val="15000"/>
+            </a:schemeClr>
+          </a:lnRef>
+          <a:fillRef idx="1">
+            <a:schemeClr val="accent1"/>
+          </a:fillRef>
+          <a:effectRef idx="0">
+            <a:schemeClr val="accent1"/>
+          </a:effectRef>
+          <a:fontRef idx="minor">
+            <a:schemeClr val="lt1"/>
+          </a:fontRef>
+        </p:style>
+        <p:txBody>
+          <a:bodyPr rtlCol="0" anchor="ctr"/>
+          <a:lstStyle/>
+          <a:p>
+            <a:pPr algn="ctr"/>
+            <a:r>
+              <a:rPr lang="en-US" altLang="ko-KR" dirty="0"/>
+              <a:t>2</a:t>
+            </a:r>
+            <a:endParaRPr lang="ko-KR" altLang="en-US" dirty="0"/>
+          </a:p>
+        </p:txBody>
+      </p:sp>
+      <p:sp>
+        <p:nvSpPr>
+          <p:cNvPr id="11" name="직사각형 10">
+            <a:extLst>
+              <a:ext uri="{FF2B5EF4-FFF2-40B4-BE49-F238E27FC236}">
+                <a16:creationId xmlns:a16="http://schemas.microsoft.com/office/drawing/2014/main" id="{5B188B93-CA03-30DE-4914-580C7E4D5A4D}"/>
+              </a:ext>
+            </a:extLst>
+          </p:cNvPr>
+          <p:cNvSpPr/>
+          <p:nvPr/>
+        </p:nvSpPr>
+        <p:spPr>
+          <a:xfrm>
+            <a:off x="9712960" y="2936240"/>
+            <a:ext cx="792480" cy="492760"/>
+          </a:xfrm>
+          <a:prstGeom prst="rect">
+            <a:avLst/>
+          </a:prstGeom>
+        </p:spPr>
+        <p:style>
+          <a:lnRef idx="2">
+            <a:schemeClr val="accent1">
+              <a:shade val="15000"/>
+            </a:schemeClr>
+          </a:lnRef>
+          <a:fillRef idx="1">
+            <a:schemeClr val="accent1"/>
+          </a:fillRef>
+          <a:effectRef idx="0">
+            <a:schemeClr val="accent1"/>
+          </a:effectRef>
+          <a:fontRef idx="minor">
+            <a:schemeClr val="lt1"/>
+          </a:fontRef>
+        </p:style>
+        <p:txBody>
+          <a:bodyPr rtlCol="0" anchor="ctr"/>
+          <a:lstStyle/>
+          <a:p>
+            <a:pPr algn="ctr"/>
+            <a:r>
+              <a:rPr lang="en-US" altLang="ko-KR" dirty="0"/>
+              <a:t>20</a:t>
+            </a:r>
+            <a:endParaRPr lang="ko-KR" altLang="en-US" dirty="0"/>
+          </a:p>
+        </p:txBody>
+      </p:sp>
+      <p:sp>
+        <p:nvSpPr>
+          <p:cNvPr id="12" name="직사각형 11">
+            <a:extLst>
+              <a:ext uri="{FF2B5EF4-FFF2-40B4-BE49-F238E27FC236}">
+                <a16:creationId xmlns:a16="http://schemas.microsoft.com/office/drawing/2014/main" id="{FAAC7442-255A-9C1C-EE4E-B084F3F448D8}"/>
+              </a:ext>
+            </a:extLst>
+          </p:cNvPr>
+          <p:cNvSpPr/>
+          <p:nvPr/>
+        </p:nvSpPr>
+        <p:spPr>
+          <a:xfrm>
+            <a:off x="1158240" y="4175760"/>
+            <a:ext cx="9977120" cy="1493520"/>
+          </a:xfrm>
+          <a:prstGeom prst="rect">
+            <a:avLst/>
+          </a:prstGeom>
+          <a:noFill/>
+        </p:spPr>
+        <p:style>
+          <a:lnRef idx="2">
+            <a:schemeClr val="accent1">
+              <a:shade val="15000"/>
+            </a:schemeClr>
+          </a:lnRef>
+          <a:fillRef idx="1">
+            <a:schemeClr val="accent1"/>
+          </a:fillRef>
+          <a:effectRef idx="0">
+            <a:schemeClr val="accent1"/>
+          </a:effectRef>
+          <a:fontRef idx="minor">
+            <a:schemeClr val="lt1"/>
+          </a:fontRef>
+        </p:style>
+        <p:txBody>
+          <a:bodyPr rtlCol="0" anchor="ctr"/>
+          <a:lstStyle/>
+          <a:p>
+            <a:pPr algn="ctr"/>
+            <a:r>
+              <a:rPr lang="ko-KR" altLang="en-US" err="1">
+                <a:solidFill>
+                  <a:srgbClr val="FF0000"/>
+                </a:solidFill>
+              </a:rPr>
+              <a:t>회차별</a:t>
+            </a:r>
+            <a:r>
+              <a:rPr lang="ko-KR" altLang="en-US" dirty="0">
+                <a:solidFill>
+                  <a:srgbClr val="FF0000"/>
+                </a:solidFill>
+              </a:rPr>
+              <a:t> 문제 제공</a:t>
+            </a:r>
+          </a:p>
+        </p:txBody>
+      </p:sp>
+      <p:sp>
+        <p:nvSpPr>
+          <p:cNvPr id="13" name="TextBox 12">
+            <a:extLst>
+              <a:ext uri="{FF2B5EF4-FFF2-40B4-BE49-F238E27FC236}">
+                <a16:creationId xmlns:a16="http://schemas.microsoft.com/office/drawing/2014/main" id="{DF245026-1D0F-FE99-8415-62E5D4654BA9}"/>
+              </a:ext>
+            </a:extLst>
+          </p:cNvPr>
+          <p:cNvSpPr txBox="1"/>
+          <p:nvPr/>
+        </p:nvSpPr>
+        <p:spPr>
+          <a:xfrm>
+            <a:off x="0" y="367824"/>
+            <a:ext cx="2552302" cy="369332"/>
+          </a:xfrm>
+          <a:prstGeom prst="rect">
+            <a:avLst/>
+          </a:prstGeom>
+          <a:noFill/>
+        </p:spPr>
+        <p:txBody>
+          <a:bodyPr wrap="none" rtlCol="0">
+            <a:spAutoFit/>
+          </a:bodyPr>
+          <a:lstStyle/>
+          <a:p>
+            <a:r>
+              <a:rPr lang="en-US" altLang="ko-KR" dirty="0"/>
+              <a:t>1</a:t>
+            </a:r>
+            <a:r>
+              <a:rPr lang="ko-KR" altLang="en-US" dirty="0"/>
+              <a:t>단계 무료서비스 선택</a:t>
+            </a:r>
+          </a:p>
+        </p:txBody>
+      </p:sp>
+      <p:sp>
+        <p:nvSpPr>
+          <p:cNvPr id="14" name="TextBox 13">
+            <a:extLst>
+              <a:ext uri="{FF2B5EF4-FFF2-40B4-BE49-F238E27FC236}">
+                <a16:creationId xmlns:a16="http://schemas.microsoft.com/office/drawing/2014/main" id="{787EDE69-CA21-C0A8-2532-100DD679424C}"/>
+              </a:ext>
+            </a:extLst>
+          </p:cNvPr>
+          <p:cNvSpPr txBox="1"/>
+          <p:nvPr/>
+        </p:nvSpPr>
+        <p:spPr>
+          <a:xfrm>
+            <a:off x="54809" y="2241034"/>
+            <a:ext cx="1778051" cy="369332"/>
+          </a:xfrm>
+          <a:prstGeom prst="rect">
+            <a:avLst/>
+          </a:prstGeom>
+          <a:noFill/>
+        </p:spPr>
+        <p:txBody>
+          <a:bodyPr wrap="none" rtlCol="0">
+            <a:spAutoFit/>
+          </a:bodyPr>
+          <a:lstStyle/>
+          <a:p>
+            <a:r>
+              <a:rPr lang="en-US" altLang="ko-KR" dirty="0"/>
+              <a:t>2</a:t>
+            </a:r>
+            <a:r>
+              <a:rPr lang="ko-KR" altLang="en-US" dirty="0"/>
+              <a:t>단계 </a:t>
+            </a:r>
+            <a:r>
+              <a:rPr lang="ko-KR" altLang="en-US" dirty="0" err="1"/>
+              <a:t>회차선택</a:t>
+            </a:r>
+            <a:endParaRPr lang="ko-KR" altLang="en-US" dirty="0"/>
+          </a:p>
+        </p:txBody>
+      </p:sp>
+      <p:sp>
+        <p:nvSpPr>
+          <p:cNvPr id="15" name="TextBox 14">
+            <a:extLst>
+              <a:ext uri="{FF2B5EF4-FFF2-40B4-BE49-F238E27FC236}">
+                <a16:creationId xmlns:a16="http://schemas.microsoft.com/office/drawing/2014/main" id="{93F6803F-EE27-BFAC-8F8B-2ED263B194D6}"/>
+              </a:ext>
+            </a:extLst>
+          </p:cNvPr>
+          <p:cNvSpPr txBox="1"/>
+          <p:nvPr/>
+        </p:nvSpPr>
+        <p:spPr>
+          <a:xfrm>
+            <a:off x="176729" y="3612634"/>
+            <a:ext cx="2634054" cy="369332"/>
+          </a:xfrm>
+          <a:prstGeom prst="rect">
+            <a:avLst/>
+          </a:prstGeom>
+          <a:noFill/>
+        </p:spPr>
+        <p:txBody>
+          <a:bodyPr wrap="none" rtlCol="0">
+            <a:spAutoFit/>
+          </a:bodyPr>
+          <a:lstStyle/>
+          <a:p>
+            <a:r>
+              <a:rPr lang="en-US" altLang="ko-KR" dirty="0"/>
+              <a:t>3</a:t>
+            </a:r>
+            <a:r>
+              <a:rPr lang="ko-KR" altLang="en-US" dirty="0"/>
+              <a:t>단계 </a:t>
+            </a:r>
+            <a:r>
+              <a:rPr lang="ko-KR" altLang="en-US" dirty="0" err="1"/>
+              <a:t>회차별</a:t>
+            </a:r>
+            <a:r>
+              <a:rPr lang="ko-KR" altLang="en-US" dirty="0"/>
+              <a:t> 문제 제공</a:t>
+            </a:r>
+          </a:p>
+        </p:txBody>
+      </p:sp>
+    </p:spTree>
+    <p:extLst>
+      <p:ext uri="{BB962C8B-B14F-4D97-AF65-F5344CB8AC3E}">
+        <p14:creationId xmlns:p14="http://schemas.microsoft.com/office/powerpoint/2010/main" val="1646381285"/>
+      </p:ext>
+    </p:extLst>
+  </p:cSld>
+  <p:clrMapOvr>
+    <a:masterClrMapping/>
+  </p:clrMapOvr>
+</p:sld>
+</file>
+
+<file path=ppt/slides/slide8.xml><?xml version="1.0" encoding="utf-8"?>
+<p:sld xmlns:a="http://schemas.openxmlformats.org/drawingml/2006/main" xmlns:r="http://schemas.openxmlformats.org/officeDocument/2006/relationships" xmlns:p="http://schemas.openxmlformats.org/presentationml/2006/main">
+  <p:cSld>
+    <p:spTree>
+      <p:nvGrpSpPr>
+        <p:cNvPr id="1" name="">
+          <a:extLst>
+            <a:ext uri="{FF2B5EF4-FFF2-40B4-BE49-F238E27FC236}">
+              <a16:creationId xmlns:a16="http://schemas.microsoft.com/office/drawing/2014/main" id="{DF07395A-86E7-B099-45D4-1CFAF8E4EAE3}"/>
+            </a:ext>
+          </a:extLst>
+        </p:cNvPr>
+        <p:cNvGrpSpPr/>
+        <p:nvPr/>
+      </p:nvGrpSpPr>
+      <p:grpSpPr>
+        <a:xfrm>
+          <a:off x="0" y="0"/>
+          <a:ext cx="0" cy="0"/>
+          <a:chOff x="0" y="0"/>
+          <a:chExt cx="0" cy="0"/>
+        </a:xfrm>
+      </p:grpSpPr>
+      <p:pic>
+        <p:nvPicPr>
+          <p:cNvPr id="4" name="그림 3">
+            <a:extLst>
+              <a:ext uri="{FF2B5EF4-FFF2-40B4-BE49-F238E27FC236}">
+                <a16:creationId xmlns:a16="http://schemas.microsoft.com/office/drawing/2014/main" id="{A6E9E8D0-4DC3-4436-AC78-37857E4700D2}"/>
+              </a:ext>
+            </a:extLst>
+          </p:cNvPr>
+          <p:cNvPicPr>
+            <a:picLocks noChangeAspect="1"/>
+          </p:cNvPicPr>
+          <p:nvPr/>
+        </p:nvPicPr>
+        <p:blipFill>
+          <a:blip r:embed="rId2"/>
+          <a:stretch>
+            <a:fillRect/>
+          </a:stretch>
+        </p:blipFill>
+        <p:spPr>
+          <a:xfrm>
+            <a:off x="609600" y="1068092"/>
+            <a:ext cx="6065520" cy="4905987"/>
+          </a:xfrm>
+          <a:prstGeom prst="rect">
+            <a:avLst/>
+          </a:prstGeom>
+        </p:spPr>
+      </p:pic>
+      <p:cxnSp>
+        <p:nvCxnSpPr>
+          <p:cNvPr id="7" name="직선 화살표 연결선 6">
+            <a:extLst>
+              <a:ext uri="{FF2B5EF4-FFF2-40B4-BE49-F238E27FC236}">
+                <a16:creationId xmlns:a16="http://schemas.microsoft.com/office/drawing/2014/main" id="{15A9F899-CEC0-7D61-5097-A2C0992B72A9}"/>
+              </a:ext>
+            </a:extLst>
+          </p:cNvPr>
+          <p:cNvCxnSpPr/>
+          <p:nvPr/>
+        </p:nvCxnSpPr>
+        <p:spPr>
+          <a:xfrm>
+            <a:off x="304800" y="1158240"/>
+            <a:ext cx="0" cy="4805680"/>
+          </a:xfrm>
+          <a:prstGeom prst="straightConnector1">
+            <a:avLst/>
+          </a:prstGeom>
+          <a:ln>
+            <a:headEnd type="triangle"/>
+            <a:tailEnd type="triangle"/>
+          </a:ln>
+        </p:spPr>
+        <p:style>
+          <a:lnRef idx="2">
+            <a:schemeClr val="accent1"/>
+          </a:lnRef>
+          <a:fillRef idx="0">
+            <a:schemeClr val="accent1"/>
+          </a:fillRef>
+          <a:effectRef idx="1">
+            <a:schemeClr val="accent1"/>
+          </a:effectRef>
+          <a:fontRef idx="minor">
+            <a:schemeClr val="tx1"/>
+          </a:fontRef>
+        </p:style>
+      </p:cxnSp>
+      <p:sp>
+        <p:nvSpPr>
+          <p:cNvPr id="16" name="TextBox 15">
+            <a:extLst>
+              <a:ext uri="{FF2B5EF4-FFF2-40B4-BE49-F238E27FC236}">
+                <a16:creationId xmlns:a16="http://schemas.microsoft.com/office/drawing/2014/main" id="{7E401A64-2A18-47A8-38F2-3C6635DFCF46}"/>
+              </a:ext>
+            </a:extLst>
+          </p:cNvPr>
+          <p:cNvSpPr txBox="1"/>
+          <p:nvPr/>
+        </p:nvSpPr>
+        <p:spPr>
+          <a:xfrm>
+            <a:off x="487680" y="6278880"/>
+            <a:ext cx="5701754" cy="369332"/>
+          </a:xfrm>
+          <a:prstGeom prst="rect">
+            <a:avLst/>
+          </a:prstGeom>
+          <a:noFill/>
+        </p:spPr>
+        <p:txBody>
+          <a:bodyPr wrap="none" rtlCol="0">
+            <a:spAutoFit/>
+          </a:bodyPr>
+          <a:lstStyle/>
+          <a:p>
+            <a:r>
+              <a:rPr lang="ko-KR" altLang="en-US" dirty="0"/>
+              <a:t>기출 문제를 </a:t>
+            </a:r>
+            <a:r>
+              <a:rPr lang="ko-KR" altLang="en-US" dirty="0" err="1"/>
+              <a:t>회차별</a:t>
+            </a:r>
+            <a:r>
+              <a:rPr lang="ko-KR" altLang="en-US" dirty="0"/>
+              <a:t> </a:t>
+            </a:r>
+            <a:r>
+              <a:rPr lang="en-US" altLang="ko-KR" dirty="0"/>
+              <a:t>LAYER</a:t>
+            </a:r>
+            <a:r>
+              <a:rPr lang="ko-KR" altLang="en-US" dirty="0"/>
+              <a:t>별  번호순으로 스크롤한다</a:t>
+            </a:r>
+          </a:p>
+        </p:txBody>
+      </p:sp>
+      <p:sp>
+        <p:nvSpPr>
+          <p:cNvPr id="17" name="직사각형 16">
+            <a:extLst>
+              <a:ext uri="{FF2B5EF4-FFF2-40B4-BE49-F238E27FC236}">
+                <a16:creationId xmlns:a16="http://schemas.microsoft.com/office/drawing/2014/main" id="{1DAC3DD5-7DC8-7585-2535-C0E6D26E54EC}"/>
+              </a:ext>
+            </a:extLst>
+          </p:cNvPr>
+          <p:cNvSpPr/>
+          <p:nvPr/>
+        </p:nvSpPr>
+        <p:spPr>
+          <a:xfrm>
+            <a:off x="6979919" y="2377440"/>
+            <a:ext cx="599440" cy="508000"/>
+          </a:xfrm>
+          <a:prstGeom prst="rect">
+            <a:avLst/>
+          </a:prstGeom>
+        </p:spPr>
+        <p:style>
+          <a:lnRef idx="2">
+            <a:schemeClr val="accent1">
+              <a:shade val="15000"/>
+            </a:schemeClr>
+          </a:lnRef>
+          <a:fillRef idx="1">
+            <a:schemeClr val="accent1"/>
+          </a:fillRef>
+          <a:effectRef idx="0">
+            <a:schemeClr val="accent1"/>
+          </a:effectRef>
+          <a:fontRef idx="minor">
+            <a:schemeClr val="lt1"/>
+          </a:fontRef>
+        </p:style>
+        <p:txBody>
+          <a:bodyPr rtlCol="0" anchor="ctr"/>
+          <a:lstStyle/>
+          <a:p>
+            <a:pPr algn="ctr"/>
+            <a:r>
+              <a:rPr lang="ko-KR" altLang="en-US" sz="1400" dirty="0"/>
+              <a:t>생성</a:t>
+            </a:r>
+          </a:p>
+        </p:txBody>
+      </p:sp>
+      <p:sp>
+        <p:nvSpPr>
+          <p:cNvPr id="18" name="직사각형 17">
+            <a:extLst>
+              <a:ext uri="{FF2B5EF4-FFF2-40B4-BE49-F238E27FC236}">
+                <a16:creationId xmlns:a16="http://schemas.microsoft.com/office/drawing/2014/main" id="{F68C8061-4CF4-EEB5-2822-99536C8D38B3}"/>
+              </a:ext>
+            </a:extLst>
+          </p:cNvPr>
+          <p:cNvSpPr/>
+          <p:nvPr/>
+        </p:nvSpPr>
+        <p:spPr>
+          <a:xfrm>
+            <a:off x="7741920" y="1625600"/>
+            <a:ext cx="2590800" cy="436880"/>
+          </a:xfrm>
+          <a:prstGeom prst="rect">
+            <a:avLst/>
+          </a:prstGeom>
+          <a:noFill/>
+        </p:spPr>
+        <p:style>
+          <a:lnRef idx="2">
+            <a:schemeClr val="accent1">
+              <a:shade val="15000"/>
+            </a:schemeClr>
+          </a:lnRef>
+          <a:fillRef idx="1">
+            <a:schemeClr val="accent1"/>
+          </a:fillRef>
+          <a:effectRef idx="0">
+            <a:schemeClr val="accent1"/>
+          </a:effectRef>
+          <a:fontRef idx="minor">
+            <a:schemeClr val="lt1"/>
+          </a:fontRef>
+        </p:style>
+        <p:txBody>
+          <a:bodyPr rtlCol="0" anchor="ctr"/>
+          <a:lstStyle/>
+          <a:p>
+            <a:r>
+              <a:rPr lang="en-US" altLang="ko-KR" sz="1100" dirty="0">
+                <a:solidFill>
+                  <a:schemeClr val="tx1"/>
+                </a:solidFill>
+              </a:rPr>
+              <a:t>1  </a:t>
+            </a:r>
+            <a:r>
+              <a:rPr lang="ko-KR" altLang="en-US" sz="1100" dirty="0">
+                <a:solidFill>
+                  <a:schemeClr val="tx1"/>
+                </a:solidFill>
+              </a:rPr>
+              <a:t>날씨보험음</a:t>
+            </a:r>
+          </a:p>
+        </p:txBody>
+      </p:sp>
+      <p:sp>
+        <p:nvSpPr>
+          <p:cNvPr id="19" name="직사각형 18">
+            <a:extLst>
+              <a:ext uri="{FF2B5EF4-FFF2-40B4-BE49-F238E27FC236}">
+                <a16:creationId xmlns:a16="http://schemas.microsoft.com/office/drawing/2014/main" id="{1E1153E7-7D8D-2703-513B-B0A99AA433DE}"/>
+              </a:ext>
+            </a:extLst>
+          </p:cNvPr>
+          <p:cNvSpPr/>
+          <p:nvPr/>
+        </p:nvSpPr>
+        <p:spPr>
+          <a:xfrm>
+            <a:off x="7772400" y="2225040"/>
+            <a:ext cx="2590800" cy="436880"/>
+          </a:xfrm>
+          <a:prstGeom prst="rect">
+            <a:avLst/>
+          </a:prstGeom>
+          <a:noFill/>
+        </p:spPr>
+        <p:style>
+          <a:lnRef idx="2">
+            <a:schemeClr val="accent1">
+              <a:shade val="15000"/>
+            </a:schemeClr>
+          </a:lnRef>
+          <a:fillRef idx="1">
+            <a:schemeClr val="accent1"/>
+          </a:fillRef>
+          <a:effectRef idx="0">
+            <a:schemeClr val="accent1"/>
+          </a:effectRef>
+          <a:fontRef idx="minor">
+            <a:schemeClr val="lt1"/>
+          </a:fontRef>
+        </p:style>
+        <p:txBody>
+          <a:bodyPr rtlCol="0" anchor="ctr"/>
+          <a:lstStyle/>
+          <a:p>
+            <a:r>
+              <a:rPr lang="en-US" altLang="ko-KR" sz="1100" dirty="0">
+                <a:solidFill>
+                  <a:schemeClr val="tx1"/>
+                </a:solidFill>
+              </a:rPr>
+              <a:t>2 </a:t>
+            </a:r>
+            <a:r>
+              <a:rPr lang="ko-KR" altLang="en-US" sz="1100" dirty="0">
+                <a:solidFill>
+                  <a:schemeClr val="tx1"/>
+                </a:solidFill>
+              </a:rPr>
+              <a:t>비용보험은 보험이다 정답 </a:t>
+            </a:r>
+            <a:r>
+              <a:rPr lang="en-US" altLang="ko-KR" sz="1100" dirty="0">
+                <a:solidFill>
+                  <a:schemeClr val="tx1"/>
+                </a:solidFill>
+              </a:rPr>
+              <a:t>O</a:t>
+            </a:r>
+            <a:endParaRPr lang="ko-KR" altLang="en-US" sz="1100" dirty="0">
+              <a:solidFill>
+                <a:schemeClr val="tx1"/>
+              </a:solidFill>
+            </a:endParaRPr>
+          </a:p>
+        </p:txBody>
+      </p:sp>
+      <p:sp>
+        <p:nvSpPr>
+          <p:cNvPr id="20" name="직사각형 19">
+            <a:extLst>
+              <a:ext uri="{FF2B5EF4-FFF2-40B4-BE49-F238E27FC236}">
+                <a16:creationId xmlns:a16="http://schemas.microsoft.com/office/drawing/2014/main" id="{E15D020D-BA3A-4666-1C05-DC67AE9DD607}"/>
+              </a:ext>
+            </a:extLst>
+          </p:cNvPr>
+          <p:cNvSpPr/>
+          <p:nvPr/>
+        </p:nvSpPr>
+        <p:spPr>
+          <a:xfrm>
+            <a:off x="7792720" y="2875280"/>
+            <a:ext cx="2590800" cy="436880"/>
+          </a:xfrm>
+          <a:prstGeom prst="rect">
+            <a:avLst/>
+          </a:prstGeom>
+          <a:noFill/>
+        </p:spPr>
+        <p:style>
+          <a:lnRef idx="2">
+            <a:schemeClr val="accent1">
+              <a:shade val="15000"/>
+            </a:schemeClr>
+          </a:lnRef>
+          <a:fillRef idx="1">
+            <a:schemeClr val="accent1"/>
+          </a:fillRef>
+          <a:effectRef idx="0">
+            <a:schemeClr val="accent1"/>
+          </a:effectRef>
+          <a:fontRef idx="minor">
+            <a:schemeClr val="lt1"/>
+          </a:fontRef>
+        </p:style>
+        <p:txBody>
+          <a:bodyPr rtlCol="0" anchor="ctr"/>
+          <a:lstStyle/>
+          <a:p>
+            <a:r>
+              <a:rPr lang="en-US" altLang="ko-KR" sz="1100" dirty="0">
+                <a:solidFill>
+                  <a:schemeClr val="tx1"/>
+                </a:solidFill>
+              </a:rPr>
+              <a:t>3. </a:t>
+            </a:r>
+            <a:r>
+              <a:rPr lang="ko-KR" altLang="en-US" sz="1100" dirty="0" err="1">
+                <a:solidFill>
+                  <a:schemeClr val="tx1"/>
+                </a:solidFill>
+              </a:rPr>
+              <a:t>손배호범을</a:t>
+            </a:r>
+            <a:r>
+              <a:rPr lang="ko-KR" altLang="en-US" sz="1100" dirty="0">
+                <a:solidFill>
+                  <a:schemeClr val="tx1"/>
+                </a:solidFill>
+              </a:rPr>
+              <a:t> 청구한다 정답</a:t>
+            </a:r>
+            <a:r>
+              <a:rPr lang="en-US" altLang="ko-KR" sz="1100" dirty="0">
+                <a:solidFill>
+                  <a:schemeClr val="tx1"/>
+                </a:solidFill>
+              </a:rPr>
+              <a:t>X</a:t>
+            </a:r>
+            <a:endParaRPr lang="ko-KR" altLang="en-US" sz="1100" dirty="0">
+              <a:solidFill>
+                <a:schemeClr val="tx1"/>
+              </a:solidFill>
+            </a:endParaRPr>
+          </a:p>
+        </p:txBody>
+      </p:sp>
+      <p:sp>
+        <p:nvSpPr>
+          <p:cNvPr id="21" name="직사각형 20">
+            <a:extLst>
+              <a:ext uri="{FF2B5EF4-FFF2-40B4-BE49-F238E27FC236}">
+                <a16:creationId xmlns:a16="http://schemas.microsoft.com/office/drawing/2014/main" id="{21E048F5-7343-DA26-2875-8DC546812B42}"/>
+              </a:ext>
+            </a:extLst>
+          </p:cNvPr>
+          <p:cNvSpPr/>
+          <p:nvPr/>
+        </p:nvSpPr>
+        <p:spPr>
+          <a:xfrm>
+            <a:off x="7792720" y="3505200"/>
+            <a:ext cx="2590800" cy="436880"/>
+          </a:xfrm>
+          <a:prstGeom prst="rect">
+            <a:avLst/>
+          </a:prstGeom>
+          <a:noFill/>
+        </p:spPr>
+        <p:style>
+          <a:lnRef idx="2">
+            <a:schemeClr val="accent1">
+              <a:shade val="15000"/>
+            </a:schemeClr>
+          </a:lnRef>
+          <a:fillRef idx="1">
+            <a:schemeClr val="accent1"/>
+          </a:fillRef>
+          <a:effectRef idx="0">
+            <a:schemeClr val="accent1"/>
+          </a:effectRef>
+          <a:fontRef idx="minor">
+            <a:schemeClr val="lt1"/>
+          </a:fontRef>
+        </p:style>
+        <p:txBody>
+          <a:bodyPr rtlCol="0" anchor="ctr"/>
+          <a:lstStyle/>
+          <a:p>
+            <a:r>
+              <a:rPr lang="en-US" altLang="ko-KR" sz="1100" dirty="0">
+                <a:solidFill>
+                  <a:schemeClr val="tx1"/>
+                </a:solidFill>
+              </a:rPr>
+              <a:t>4. </a:t>
+            </a:r>
+            <a:r>
+              <a:rPr lang="ko-KR" altLang="en-US" sz="1100" dirty="0">
+                <a:solidFill>
+                  <a:schemeClr val="tx1"/>
+                </a:solidFill>
+              </a:rPr>
+              <a:t>배상보험은 법률상하자다 정답 </a:t>
+            </a:r>
+            <a:r>
+              <a:rPr lang="en-US" altLang="ko-KR" sz="1100" dirty="0">
+                <a:solidFill>
+                  <a:schemeClr val="tx1"/>
+                </a:solidFill>
+              </a:rPr>
+              <a:t>0</a:t>
+            </a:r>
+            <a:endParaRPr lang="ko-KR" altLang="en-US" sz="1100" dirty="0">
+              <a:solidFill>
+                <a:schemeClr val="tx1"/>
+              </a:solidFill>
+            </a:endParaRPr>
+          </a:p>
+        </p:txBody>
+      </p:sp>
+      <p:sp>
+        <p:nvSpPr>
+          <p:cNvPr id="22" name="직사각형 21">
+            <a:extLst>
+              <a:ext uri="{FF2B5EF4-FFF2-40B4-BE49-F238E27FC236}">
+                <a16:creationId xmlns:a16="http://schemas.microsoft.com/office/drawing/2014/main" id="{572ACD75-374B-58FA-5603-74CFEF67631C}"/>
+              </a:ext>
+            </a:extLst>
+          </p:cNvPr>
+          <p:cNvSpPr/>
+          <p:nvPr/>
+        </p:nvSpPr>
+        <p:spPr>
+          <a:xfrm>
+            <a:off x="7802880" y="4175760"/>
+            <a:ext cx="2590800" cy="436880"/>
+          </a:xfrm>
+          <a:prstGeom prst="rect">
+            <a:avLst/>
+          </a:prstGeom>
+          <a:noFill/>
+        </p:spPr>
+        <p:style>
+          <a:lnRef idx="2">
+            <a:schemeClr val="accent1">
+              <a:shade val="15000"/>
+            </a:schemeClr>
+          </a:lnRef>
+          <a:fillRef idx="1">
+            <a:schemeClr val="accent1"/>
+          </a:fillRef>
+          <a:effectRef idx="0">
+            <a:schemeClr val="accent1"/>
+          </a:effectRef>
+          <a:fontRef idx="minor">
+            <a:schemeClr val="lt1"/>
+          </a:fontRef>
+        </p:style>
+        <p:txBody>
+          <a:bodyPr rtlCol="0" anchor="ctr"/>
+          <a:lstStyle/>
+          <a:p>
+            <a:r>
+              <a:rPr lang="en-US" altLang="ko-KR" sz="1100" dirty="0">
+                <a:solidFill>
+                  <a:schemeClr val="tx1"/>
+                </a:solidFill>
+              </a:rPr>
+              <a:t>5 </a:t>
+            </a:r>
+            <a:r>
+              <a:rPr lang="ko-KR" altLang="en-US" sz="1100" dirty="0">
+                <a:solidFill>
+                  <a:schemeClr val="tx1"/>
+                </a:solidFill>
+              </a:rPr>
+              <a:t>해상보험은 로이드다  정답 </a:t>
+            </a:r>
+            <a:r>
+              <a:rPr lang="en-US" altLang="ko-KR" sz="1100" dirty="0">
+                <a:solidFill>
+                  <a:schemeClr val="tx1"/>
+                </a:solidFill>
+              </a:rPr>
+              <a:t>X</a:t>
+            </a:r>
+            <a:endParaRPr lang="ko-KR" altLang="en-US" sz="1100" dirty="0">
+              <a:solidFill>
+                <a:schemeClr val="tx1"/>
+              </a:solidFill>
+            </a:endParaRPr>
+          </a:p>
+        </p:txBody>
+      </p:sp>
+      <p:sp>
+        <p:nvSpPr>
+          <p:cNvPr id="23" name="직사각형 22">
+            <a:extLst>
+              <a:ext uri="{FF2B5EF4-FFF2-40B4-BE49-F238E27FC236}">
+                <a16:creationId xmlns:a16="http://schemas.microsoft.com/office/drawing/2014/main" id="{4D77BD9B-3CAA-870B-3A98-08E4D64E20F0}"/>
+              </a:ext>
+            </a:extLst>
+          </p:cNvPr>
+          <p:cNvSpPr/>
+          <p:nvPr/>
+        </p:nvSpPr>
+        <p:spPr>
+          <a:xfrm>
+            <a:off x="7802880" y="4795520"/>
+            <a:ext cx="2590800" cy="436880"/>
+          </a:xfrm>
+          <a:prstGeom prst="rect">
+            <a:avLst/>
+          </a:prstGeom>
+          <a:noFill/>
+        </p:spPr>
+        <p:style>
+          <a:lnRef idx="2">
+            <a:schemeClr val="accent1">
+              <a:shade val="15000"/>
+            </a:schemeClr>
+          </a:lnRef>
+          <a:fillRef idx="1">
+            <a:schemeClr val="accent1"/>
+          </a:fillRef>
+          <a:effectRef idx="0">
+            <a:schemeClr val="accent1"/>
+          </a:effectRef>
+          <a:fontRef idx="minor">
+            <a:schemeClr val="lt1"/>
+          </a:fontRef>
+        </p:style>
+        <p:txBody>
+          <a:bodyPr rtlCol="0" anchor="ctr"/>
+          <a:lstStyle/>
+          <a:p>
+            <a:endParaRPr lang="ko-KR" altLang="en-US" sz="1100">
+              <a:solidFill>
+                <a:schemeClr val="tx1"/>
+              </a:solidFill>
+            </a:endParaRPr>
+          </a:p>
+        </p:txBody>
+      </p:sp>
+      <p:sp>
+        <p:nvSpPr>
+          <p:cNvPr id="24" name="직사각형 23">
+            <a:extLst>
+              <a:ext uri="{FF2B5EF4-FFF2-40B4-BE49-F238E27FC236}">
+                <a16:creationId xmlns:a16="http://schemas.microsoft.com/office/drawing/2014/main" id="{EAEAFD09-7F5E-2835-EB4E-9A70C2EAF7E7}"/>
+              </a:ext>
+            </a:extLst>
+          </p:cNvPr>
+          <p:cNvSpPr/>
+          <p:nvPr/>
+        </p:nvSpPr>
+        <p:spPr>
+          <a:xfrm>
+            <a:off x="7782560" y="5384800"/>
+            <a:ext cx="2590800" cy="436880"/>
+          </a:xfrm>
+          <a:prstGeom prst="rect">
+            <a:avLst/>
+          </a:prstGeom>
+          <a:noFill/>
+        </p:spPr>
+        <p:style>
+          <a:lnRef idx="2">
+            <a:schemeClr val="accent1">
+              <a:shade val="15000"/>
+            </a:schemeClr>
+          </a:lnRef>
+          <a:fillRef idx="1">
+            <a:schemeClr val="accent1"/>
+          </a:fillRef>
+          <a:effectRef idx="0">
+            <a:schemeClr val="accent1"/>
+          </a:effectRef>
+          <a:fontRef idx="minor">
+            <a:schemeClr val="lt1"/>
+          </a:fontRef>
+        </p:style>
+        <p:txBody>
+          <a:bodyPr rtlCol="0" anchor="ctr"/>
+          <a:lstStyle/>
+          <a:p>
+            <a:endParaRPr lang="ko-KR" altLang="en-US" sz="1100">
+              <a:solidFill>
+                <a:schemeClr val="tx1"/>
+              </a:solidFill>
+            </a:endParaRPr>
+          </a:p>
+        </p:txBody>
+      </p:sp>
+      <p:sp>
+        <p:nvSpPr>
+          <p:cNvPr id="25" name="직사각형 24">
+            <a:extLst>
+              <a:ext uri="{FF2B5EF4-FFF2-40B4-BE49-F238E27FC236}">
+                <a16:creationId xmlns:a16="http://schemas.microsoft.com/office/drawing/2014/main" id="{3EC37478-4E34-2721-FD89-260E7A4A3FF6}"/>
+              </a:ext>
+            </a:extLst>
+          </p:cNvPr>
+          <p:cNvSpPr/>
+          <p:nvPr/>
+        </p:nvSpPr>
+        <p:spPr>
+          <a:xfrm>
+            <a:off x="7782560" y="6004560"/>
+            <a:ext cx="2590800" cy="436880"/>
+          </a:xfrm>
+          <a:prstGeom prst="rect">
+            <a:avLst/>
+          </a:prstGeom>
+          <a:noFill/>
+        </p:spPr>
+        <p:style>
+          <a:lnRef idx="2">
+            <a:schemeClr val="accent1">
+              <a:shade val="15000"/>
+            </a:schemeClr>
+          </a:lnRef>
+          <a:fillRef idx="1">
+            <a:schemeClr val="accent1"/>
+          </a:fillRef>
+          <a:effectRef idx="0">
+            <a:schemeClr val="accent1"/>
+          </a:effectRef>
+          <a:fontRef idx="minor">
+            <a:schemeClr val="lt1"/>
+          </a:fontRef>
+        </p:style>
+        <p:txBody>
+          <a:bodyPr rtlCol="0" anchor="ctr"/>
+          <a:lstStyle/>
+          <a:p>
+            <a:endParaRPr lang="ko-KR" altLang="en-US" sz="1100">
+              <a:solidFill>
+                <a:schemeClr val="tx1"/>
+              </a:solidFill>
+            </a:endParaRPr>
+          </a:p>
+        </p:txBody>
+      </p:sp>
+      <p:sp>
+        <p:nvSpPr>
+          <p:cNvPr id="26" name="사각형: 둥근 모서리 25">
+            <a:extLst>
+              <a:ext uri="{FF2B5EF4-FFF2-40B4-BE49-F238E27FC236}">
+                <a16:creationId xmlns:a16="http://schemas.microsoft.com/office/drawing/2014/main" id="{A09C9777-CB28-02FA-502E-DF37D5E84674}"/>
+              </a:ext>
+            </a:extLst>
+          </p:cNvPr>
+          <p:cNvSpPr/>
+          <p:nvPr/>
+        </p:nvSpPr>
+        <p:spPr>
+          <a:xfrm>
+            <a:off x="10607040" y="1625600"/>
+            <a:ext cx="345440" cy="335280"/>
+          </a:xfrm>
+          <a:prstGeom prst="roundRect">
+            <a:avLst/>
+          </a:prstGeom>
+          <a:noFill/>
+        </p:spPr>
+        <p:style>
+          <a:lnRef idx="2">
+            <a:schemeClr val="accent1">
+              <a:shade val="15000"/>
+            </a:schemeClr>
+          </a:lnRef>
+          <a:fillRef idx="1">
+            <a:schemeClr val="accent1"/>
+          </a:fillRef>
+          <a:effectRef idx="0">
+            <a:schemeClr val="accent1"/>
+          </a:effectRef>
+          <a:fontRef idx="minor">
+            <a:schemeClr val="lt1"/>
+          </a:fontRef>
+        </p:style>
+        <p:txBody>
+          <a:bodyPr rtlCol="0" anchor="ctr"/>
+          <a:lstStyle/>
+          <a:p>
+            <a:pPr algn="ctr"/>
+            <a:r>
+              <a:rPr lang="en-US" altLang="ko-KR" dirty="0">
+                <a:solidFill>
+                  <a:srgbClr val="FF0000"/>
+                </a:solidFill>
+              </a:rPr>
+              <a:t>V</a:t>
+            </a:r>
+            <a:endParaRPr lang="ko-KR" altLang="en-US" dirty="0">
+              <a:solidFill>
+                <a:srgbClr val="FF0000"/>
+              </a:solidFill>
+            </a:endParaRPr>
+          </a:p>
+        </p:txBody>
+      </p:sp>
+      <p:sp>
+        <p:nvSpPr>
+          <p:cNvPr id="27" name="직사각형 26">
+            <a:extLst>
+              <a:ext uri="{FF2B5EF4-FFF2-40B4-BE49-F238E27FC236}">
+                <a16:creationId xmlns:a16="http://schemas.microsoft.com/office/drawing/2014/main" id="{4E3E0446-A340-7D3B-2878-CE68A48B02DA}"/>
+              </a:ext>
+            </a:extLst>
+          </p:cNvPr>
+          <p:cNvSpPr/>
+          <p:nvPr/>
+        </p:nvSpPr>
+        <p:spPr>
+          <a:xfrm>
+            <a:off x="0" y="1960880"/>
+            <a:ext cx="6766558" cy="1468120"/>
+          </a:xfrm>
+          <a:prstGeom prst="rect">
+            <a:avLst/>
+          </a:prstGeom>
+          <a:noFill/>
+        </p:spPr>
+        <p:style>
+          <a:lnRef idx="2">
+            <a:schemeClr val="accent1">
+              <a:shade val="15000"/>
+            </a:schemeClr>
+          </a:lnRef>
+          <a:fillRef idx="1">
+            <a:schemeClr val="accent1"/>
+          </a:fillRef>
+          <a:effectRef idx="0">
+            <a:schemeClr val="accent1"/>
+          </a:effectRef>
+          <a:fontRef idx="minor">
+            <a:schemeClr val="lt1"/>
+          </a:fontRef>
+        </p:style>
+        <p:txBody>
+          <a:bodyPr rtlCol="0" anchor="ctr"/>
+          <a:lstStyle/>
+          <a:p>
+            <a:pPr algn="ctr"/>
+            <a:endParaRPr lang="ko-KR" altLang="en-US"/>
+          </a:p>
+        </p:txBody>
+      </p:sp>
+      <p:sp>
+        <p:nvSpPr>
+          <p:cNvPr id="28" name="화살표: 오른쪽 27">
+            <a:extLst>
+              <a:ext uri="{FF2B5EF4-FFF2-40B4-BE49-F238E27FC236}">
+                <a16:creationId xmlns:a16="http://schemas.microsoft.com/office/drawing/2014/main" id="{62F98F1D-E71E-53DC-D799-4294A7888FAD}"/>
+              </a:ext>
+            </a:extLst>
+          </p:cNvPr>
+          <p:cNvSpPr/>
+          <p:nvPr/>
+        </p:nvSpPr>
+        <p:spPr>
+          <a:xfrm>
+            <a:off x="6766558" y="2448560"/>
+            <a:ext cx="213361" cy="345440"/>
+          </a:xfrm>
+          <a:prstGeom prst="rightArrow">
+            <a:avLst/>
+          </a:prstGeom>
+        </p:spPr>
+        <p:style>
+          <a:lnRef idx="2">
+            <a:schemeClr val="accent1">
+              <a:shade val="15000"/>
+            </a:schemeClr>
+          </a:lnRef>
+          <a:fillRef idx="1">
+            <a:schemeClr val="accent1"/>
+          </a:fillRef>
+          <a:effectRef idx="0">
+            <a:schemeClr val="accent1"/>
+          </a:effectRef>
+          <a:fontRef idx="minor">
+            <a:schemeClr val="lt1"/>
+          </a:fontRef>
+        </p:style>
+        <p:txBody>
+          <a:bodyPr rtlCol="0" anchor="ctr"/>
+          <a:lstStyle/>
+          <a:p>
+            <a:pPr algn="ctr"/>
+            <a:endParaRPr lang="ko-KR" altLang="en-US"/>
+          </a:p>
+        </p:txBody>
+      </p:sp>
+      <p:sp>
+        <p:nvSpPr>
+          <p:cNvPr id="29" name="사각형: 둥근 모서리 28">
+            <a:extLst>
+              <a:ext uri="{FF2B5EF4-FFF2-40B4-BE49-F238E27FC236}">
+                <a16:creationId xmlns:a16="http://schemas.microsoft.com/office/drawing/2014/main" id="{EFF1149D-3BA5-524E-54F8-1859621511D5}"/>
+              </a:ext>
+            </a:extLst>
+          </p:cNvPr>
+          <p:cNvSpPr/>
+          <p:nvPr/>
+        </p:nvSpPr>
+        <p:spPr>
+          <a:xfrm>
+            <a:off x="10718800" y="2306320"/>
+            <a:ext cx="345440" cy="335280"/>
+          </a:xfrm>
+          <a:prstGeom prst="roundRect">
+            <a:avLst/>
+          </a:prstGeom>
+          <a:noFill/>
+        </p:spPr>
+        <p:style>
+          <a:lnRef idx="2">
+            <a:schemeClr val="accent1">
+              <a:shade val="15000"/>
+            </a:schemeClr>
+          </a:lnRef>
+          <a:fillRef idx="1">
+            <a:schemeClr val="accent1"/>
+          </a:fillRef>
+          <a:effectRef idx="0">
+            <a:schemeClr val="accent1"/>
+          </a:effectRef>
+          <a:fontRef idx="minor">
+            <a:schemeClr val="lt1"/>
+          </a:fontRef>
+        </p:style>
+        <p:txBody>
+          <a:bodyPr rtlCol="0" anchor="ctr"/>
+          <a:lstStyle/>
+          <a:p>
+            <a:pPr algn="ctr"/>
+            <a:r>
+              <a:rPr lang="en-US" altLang="ko-KR" dirty="0">
+                <a:solidFill>
+                  <a:srgbClr val="FF0000"/>
+                </a:solidFill>
+              </a:rPr>
+              <a:t>V</a:t>
+            </a:r>
+            <a:endParaRPr lang="ko-KR" altLang="en-US" dirty="0">
+              <a:solidFill>
+                <a:srgbClr val="FF0000"/>
+              </a:solidFill>
+            </a:endParaRPr>
+          </a:p>
+        </p:txBody>
+      </p:sp>
+      <p:sp>
+        <p:nvSpPr>
+          <p:cNvPr id="30" name="사각형: 둥근 모서리 29">
+            <a:extLst>
+              <a:ext uri="{FF2B5EF4-FFF2-40B4-BE49-F238E27FC236}">
+                <a16:creationId xmlns:a16="http://schemas.microsoft.com/office/drawing/2014/main" id="{EE464215-9D84-4691-0158-6B3232D129F6}"/>
+              </a:ext>
+            </a:extLst>
+          </p:cNvPr>
+          <p:cNvSpPr/>
+          <p:nvPr/>
+        </p:nvSpPr>
+        <p:spPr>
+          <a:xfrm>
+            <a:off x="10718800" y="2936240"/>
+            <a:ext cx="345440" cy="335280"/>
+          </a:xfrm>
+          <a:prstGeom prst="roundRect">
+            <a:avLst/>
+          </a:prstGeom>
+          <a:noFill/>
+        </p:spPr>
+        <p:style>
+          <a:lnRef idx="2">
+            <a:schemeClr val="accent1">
+              <a:shade val="15000"/>
+            </a:schemeClr>
+          </a:lnRef>
+          <a:fillRef idx="1">
+            <a:schemeClr val="accent1"/>
+          </a:fillRef>
+          <a:effectRef idx="0">
+            <a:schemeClr val="accent1"/>
+          </a:effectRef>
+          <a:fontRef idx="minor">
+            <a:schemeClr val="lt1"/>
+          </a:fontRef>
+        </p:style>
+        <p:txBody>
+          <a:bodyPr rtlCol="0" anchor="ctr"/>
+          <a:lstStyle/>
+          <a:p>
+            <a:pPr algn="ctr"/>
+            <a:r>
+              <a:rPr lang="en-US" altLang="ko-KR" dirty="0">
+                <a:solidFill>
+                  <a:srgbClr val="FF0000"/>
+                </a:solidFill>
+              </a:rPr>
+              <a:t>V</a:t>
+            </a:r>
+            <a:endParaRPr lang="ko-KR" altLang="en-US" dirty="0">
+              <a:solidFill>
+                <a:srgbClr val="FF0000"/>
+              </a:solidFill>
+            </a:endParaRPr>
+          </a:p>
+        </p:txBody>
+      </p:sp>
+      <p:sp>
+        <p:nvSpPr>
+          <p:cNvPr id="31" name="사각형: 둥근 모서리 30">
+            <a:extLst>
+              <a:ext uri="{FF2B5EF4-FFF2-40B4-BE49-F238E27FC236}">
+                <a16:creationId xmlns:a16="http://schemas.microsoft.com/office/drawing/2014/main" id="{79527009-DA8D-BE74-9774-056C93BF972B}"/>
+              </a:ext>
+            </a:extLst>
+          </p:cNvPr>
+          <p:cNvSpPr/>
+          <p:nvPr/>
+        </p:nvSpPr>
+        <p:spPr>
+          <a:xfrm>
+            <a:off x="10739120" y="3586480"/>
+            <a:ext cx="345440" cy="335280"/>
+          </a:xfrm>
+          <a:prstGeom prst="roundRect">
+            <a:avLst/>
+          </a:prstGeom>
+          <a:noFill/>
+        </p:spPr>
+        <p:style>
+          <a:lnRef idx="2">
+            <a:schemeClr val="accent1">
+              <a:shade val="15000"/>
+            </a:schemeClr>
+          </a:lnRef>
+          <a:fillRef idx="1">
+            <a:schemeClr val="accent1"/>
+          </a:fillRef>
+          <a:effectRef idx="0">
+            <a:schemeClr val="accent1"/>
+          </a:effectRef>
+          <a:fontRef idx="minor">
+            <a:schemeClr val="lt1"/>
+          </a:fontRef>
+        </p:style>
+        <p:txBody>
+          <a:bodyPr rtlCol="0" anchor="ctr"/>
+          <a:lstStyle/>
+          <a:p>
+            <a:pPr algn="ctr"/>
+            <a:r>
+              <a:rPr lang="en-US" altLang="ko-KR" dirty="0">
+                <a:solidFill>
+                  <a:srgbClr val="FF0000"/>
+                </a:solidFill>
+              </a:rPr>
+              <a:t>V</a:t>
+            </a:r>
+            <a:endParaRPr lang="ko-KR" altLang="en-US" dirty="0">
+              <a:solidFill>
+                <a:srgbClr val="FF0000"/>
+              </a:solidFill>
+            </a:endParaRPr>
+          </a:p>
+        </p:txBody>
+      </p:sp>
+      <p:sp>
+        <p:nvSpPr>
+          <p:cNvPr id="32" name="사각형: 둥근 모서리 31">
+            <a:extLst>
+              <a:ext uri="{FF2B5EF4-FFF2-40B4-BE49-F238E27FC236}">
+                <a16:creationId xmlns:a16="http://schemas.microsoft.com/office/drawing/2014/main" id="{16CD4F98-C2ED-91B1-A5E1-7E051CA2F3ED}"/>
+              </a:ext>
+            </a:extLst>
+          </p:cNvPr>
+          <p:cNvSpPr/>
+          <p:nvPr/>
+        </p:nvSpPr>
+        <p:spPr>
+          <a:xfrm>
+            <a:off x="10739120" y="4226560"/>
+            <a:ext cx="345440" cy="335280"/>
+          </a:xfrm>
+          <a:prstGeom prst="roundRect">
+            <a:avLst/>
+          </a:prstGeom>
+          <a:noFill/>
+        </p:spPr>
+        <p:style>
+          <a:lnRef idx="2">
+            <a:schemeClr val="accent1">
+              <a:shade val="15000"/>
+            </a:schemeClr>
+          </a:lnRef>
+          <a:fillRef idx="1">
+            <a:schemeClr val="accent1"/>
+          </a:fillRef>
+          <a:effectRef idx="0">
+            <a:schemeClr val="accent1"/>
+          </a:effectRef>
+          <a:fontRef idx="minor">
+            <a:schemeClr val="lt1"/>
+          </a:fontRef>
+        </p:style>
+        <p:txBody>
+          <a:bodyPr rtlCol="0" anchor="ctr"/>
+          <a:lstStyle/>
+          <a:p>
+            <a:pPr algn="ctr"/>
+            <a:r>
+              <a:rPr lang="en-US" altLang="ko-KR" dirty="0">
+                <a:solidFill>
+                  <a:srgbClr val="FF0000"/>
+                </a:solidFill>
+              </a:rPr>
+              <a:t>V</a:t>
+            </a:r>
+            <a:endParaRPr lang="ko-KR" altLang="en-US" dirty="0">
+              <a:solidFill>
+                <a:srgbClr val="FF0000"/>
+              </a:solidFill>
+            </a:endParaRPr>
+          </a:p>
+        </p:txBody>
+      </p:sp>
+      <p:sp>
+        <p:nvSpPr>
+          <p:cNvPr id="33" name="사각형: 둥근 모서리 32">
+            <a:extLst>
+              <a:ext uri="{FF2B5EF4-FFF2-40B4-BE49-F238E27FC236}">
+                <a16:creationId xmlns:a16="http://schemas.microsoft.com/office/drawing/2014/main" id="{A074E87A-37C1-8A99-26FC-9593027D9655}"/>
+              </a:ext>
+            </a:extLst>
+          </p:cNvPr>
+          <p:cNvSpPr/>
+          <p:nvPr/>
+        </p:nvSpPr>
+        <p:spPr>
+          <a:xfrm>
+            <a:off x="10739120" y="4805680"/>
+            <a:ext cx="345440" cy="335280"/>
+          </a:xfrm>
+          <a:prstGeom prst="roundRect">
+            <a:avLst/>
+          </a:prstGeom>
+          <a:noFill/>
+        </p:spPr>
+        <p:style>
+          <a:lnRef idx="2">
+            <a:schemeClr val="accent1">
+              <a:shade val="15000"/>
+            </a:schemeClr>
+          </a:lnRef>
+          <a:fillRef idx="1">
+            <a:schemeClr val="accent1"/>
+          </a:fillRef>
+          <a:effectRef idx="0">
+            <a:schemeClr val="accent1"/>
+          </a:effectRef>
+          <a:fontRef idx="minor">
+            <a:schemeClr val="lt1"/>
+          </a:fontRef>
+        </p:style>
+        <p:txBody>
+          <a:bodyPr rtlCol="0" anchor="ctr"/>
+          <a:lstStyle/>
+          <a:p>
+            <a:pPr algn="ctr"/>
+            <a:endParaRPr lang="ko-KR" altLang="en-US" dirty="0">
+              <a:solidFill>
+                <a:srgbClr val="FF0000"/>
+              </a:solidFill>
+            </a:endParaRPr>
+          </a:p>
+        </p:txBody>
+      </p:sp>
+      <p:sp>
+        <p:nvSpPr>
+          <p:cNvPr id="34" name="사각형: 둥근 모서리 33">
+            <a:extLst>
+              <a:ext uri="{FF2B5EF4-FFF2-40B4-BE49-F238E27FC236}">
+                <a16:creationId xmlns:a16="http://schemas.microsoft.com/office/drawing/2014/main" id="{BC057A5A-FE89-6441-C65C-9F91F098460D}"/>
+              </a:ext>
+            </a:extLst>
+          </p:cNvPr>
+          <p:cNvSpPr/>
+          <p:nvPr/>
+        </p:nvSpPr>
+        <p:spPr>
+          <a:xfrm>
+            <a:off x="10759440" y="5455920"/>
+            <a:ext cx="345440" cy="335280"/>
+          </a:xfrm>
+          <a:prstGeom prst="roundRect">
+            <a:avLst/>
+          </a:prstGeom>
+          <a:noFill/>
+        </p:spPr>
+        <p:style>
+          <a:lnRef idx="2">
+            <a:schemeClr val="accent1">
+              <a:shade val="15000"/>
+            </a:schemeClr>
+          </a:lnRef>
+          <a:fillRef idx="1">
+            <a:schemeClr val="accent1"/>
+          </a:fillRef>
+          <a:effectRef idx="0">
+            <a:schemeClr val="accent1"/>
+          </a:effectRef>
+          <a:fontRef idx="minor">
+            <a:schemeClr val="lt1"/>
+          </a:fontRef>
+        </p:style>
+        <p:txBody>
+          <a:bodyPr rtlCol="0" anchor="ctr"/>
+          <a:lstStyle/>
+          <a:p>
+            <a:pPr algn="ctr"/>
+            <a:endParaRPr lang="ko-KR" altLang="en-US" dirty="0">
+              <a:solidFill>
+                <a:srgbClr val="FF0000"/>
+              </a:solidFill>
+            </a:endParaRPr>
+          </a:p>
+        </p:txBody>
+      </p:sp>
+      <p:sp>
+        <p:nvSpPr>
+          <p:cNvPr id="35" name="사각형: 둥근 모서리 34">
+            <a:extLst>
+              <a:ext uri="{FF2B5EF4-FFF2-40B4-BE49-F238E27FC236}">
+                <a16:creationId xmlns:a16="http://schemas.microsoft.com/office/drawing/2014/main" id="{F04537CA-4A23-73BA-26FA-BD309E99E181}"/>
+              </a:ext>
+            </a:extLst>
+          </p:cNvPr>
+          <p:cNvSpPr/>
+          <p:nvPr/>
+        </p:nvSpPr>
+        <p:spPr>
+          <a:xfrm>
+            <a:off x="10759440" y="6096000"/>
+            <a:ext cx="345440" cy="335280"/>
+          </a:xfrm>
+          <a:prstGeom prst="roundRect">
+            <a:avLst/>
+          </a:prstGeom>
+          <a:noFill/>
+        </p:spPr>
+        <p:style>
+          <a:lnRef idx="2">
+            <a:schemeClr val="accent1">
+              <a:shade val="15000"/>
+            </a:schemeClr>
+          </a:lnRef>
+          <a:fillRef idx="1">
+            <a:schemeClr val="accent1"/>
+          </a:fillRef>
+          <a:effectRef idx="0">
+            <a:schemeClr val="accent1"/>
+          </a:effectRef>
+          <a:fontRef idx="minor">
+            <a:schemeClr val="lt1"/>
+          </a:fontRef>
+        </p:style>
+        <p:txBody>
+          <a:bodyPr rtlCol="0" anchor="ctr"/>
+          <a:lstStyle/>
+          <a:p>
+            <a:pPr algn="ctr"/>
+            <a:endParaRPr lang="ko-KR" altLang="en-US" dirty="0">
+              <a:solidFill>
+                <a:srgbClr val="FF0000"/>
+              </a:solidFill>
+            </a:endParaRPr>
+          </a:p>
+        </p:txBody>
+      </p:sp>
+      <p:sp>
+        <p:nvSpPr>
+          <p:cNvPr id="36" name="TextBox 35">
+            <a:extLst>
+              <a:ext uri="{FF2B5EF4-FFF2-40B4-BE49-F238E27FC236}">
+                <a16:creationId xmlns:a16="http://schemas.microsoft.com/office/drawing/2014/main" id="{E38C0044-BF76-7A1D-0DA8-34E2BAA0E418}"/>
+              </a:ext>
+            </a:extLst>
+          </p:cNvPr>
+          <p:cNvSpPr txBox="1"/>
+          <p:nvPr/>
+        </p:nvSpPr>
+        <p:spPr>
+          <a:xfrm>
+            <a:off x="5130800" y="386080"/>
+            <a:ext cx="1420582" cy="369332"/>
+          </a:xfrm>
+          <a:prstGeom prst="rect">
+            <a:avLst/>
+          </a:prstGeom>
+          <a:noFill/>
+        </p:spPr>
+        <p:txBody>
+          <a:bodyPr wrap="none" rtlCol="0">
+            <a:spAutoFit/>
+          </a:bodyPr>
+          <a:lstStyle/>
+          <a:p>
+            <a:r>
+              <a:rPr lang="ko-KR" altLang="en-US"/>
+              <a:t>문제생성 앱</a:t>
+            </a:r>
+          </a:p>
+        </p:txBody>
+      </p:sp>
+    </p:spTree>
+    <p:extLst>
+      <p:ext uri="{BB962C8B-B14F-4D97-AF65-F5344CB8AC3E}">
+        <p14:creationId xmlns:p14="http://schemas.microsoft.com/office/powerpoint/2010/main" val="94063212"/>
+      </p:ext>
+    </p:extLst>
+  </p:cSld>
+  <p:clrMapOvr>
+    <a:masterClrMapping/>
+  </p:clrMapOvr>
+</p:sld>
+</file>
+
+<file path=ppt/slides/slide9.xml><?xml version="1.0" encoding="utf-8"?>
+<p:sld xmlns:a="http://schemas.openxmlformats.org/drawingml/2006/main" xmlns:r="http://schemas.openxmlformats.org/officeDocument/2006/relationships" xmlns:p="http://schemas.openxmlformats.org/presentationml/2006/main">
+  <p:cSld>
+    <p:spTree>
+      <p:nvGrpSpPr>
+        <p:cNvPr id="1" name="">
+          <a:extLst>
+            <a:ext uri="{FF2B5EF4-FFF2-40B4-BE49-F238E27FC236}">
+              <a16:creationId xmlns:a16="http://schemas.microsoft.com/office/drawing/2014/main" id="{2AFB9A4F-B764-8007-5798-68063D9BAAC6}"/>
+            </a:ext>
+          </a:extLst>
+        </p:cNvPr>
+        <p:cNvGrpSpPr/>
+        <p:nvPr/>
+      </p:nvGrpSpPr>
+      <p:grpSpPr>
+        <a:xfrm>
+          <a:off x="0" y="0"/>
+          <a:ext cx="0" cy="0"/>
+          <a:chOff x="0" y="0"/>
+          <a:chExt cx="0" cy="0"/>
+        </a:xfrm>
+      </p:grpSpPr>
+      <p:sp>
+        <p:nvSpPr>
+          <p:cNvPr id="36" name="TextBox 35">
+            <a:extLst>
+              <a:ext uri="{FF2B5EF4-FFF2-40B4-BE49-F238E27FC236}">
+                <a16:creationId xmlns:a16="http://schemas.microsoft.com/office/drawing/2014/main" id="{1FDBE1DA-889D-C08D-741A-E517C22BB99D}"/>
+              </a:ext>
+            </a:extLst>
+          </p:cNvPr>
+          <p:cNvSpPr txBox="1"/>
+          <p:nvPr/>
+        </p:nvSpPr>
+        <p:spPr>
+          <a:xfrm>
+            <a:off x="1036320" y="213727"/>
+            <a:ext cx="10319719" cy="1200329"/>
+          </a:xfrm>
+          <a:prstGeom prst="rect">
+            <a:avLst/>
+          </a:prstGeom>
+          <a:noFill/>
+        </p:spPr>
+        <p:txBody>
+          <a:bodyPr wrap="square" rtlCol="0">
+            <a:spAutoFit/>
+          </a:bodyPr>
+          <a:lstStyle/>
+          <a:p>
+            <a:pPr algn="ctr"/>
+            <a:r>
+              <a:rPr lang="ko-KR" altLang="en-US" dirty="0"/>
+              <a:t>객관식 문제 열람 및 수정 생성 앱 개념도</a:t>
+            </a:r>
+            <a:endParaRPr lang="en-US" altLang="ko-KR" dirty="0"/>
+          </a:p>
+          <a:p>
+            <a:pPr algn="ctr"/>
+            <a:r>
+              <a:rPr lang="ko-KR" altLang="en-US" dirty="0"/>
+              <a:t>설명  우측박스에서 원본문제가 스크롤 하고 스크롤하던 원본문제를</a:t>
+            </a:r>
+            <a:endParaRPr lang="en-US" altLang="ko-KR" dirty="0"/>
+          </a:p>
+          <a:p>
+            <a:pPr algn="ctr"/>
+            <a:r>
+              <a:rPr lang="ko-KR" altLang="en-US" dirty="0"/>
+              <a:t>클릭하면 해당 원본문제에서 파생된 객관식 문제가 보인다 빈칸에 새로 문제를 생성하거나</a:t>
+            </a:r>
+            <a:endParaRPr lang="en-US" altLang="ko-KR" dirty="0"/>
+          </a:p>
+          <a:p>
+            <a:pPr algn="ctr"/>
+            <a:r>
+              <a:rPr lang="ko-KR" altLang="en-US" dirty="0"/>
+              <a:t>불필요하다고 생각되는 객관식 문제는 체크를 해제 한 후 업데이트를 누르면 반영된다</a:t>
+            </a:r>
+          </a:p>
+        </p:txBody>
+      </p:sp>
+      <p:sp>
+        <p:nvSpPr>
+          <p:cNvPr id="2" name="사각형: 둥근 모서리 1">
+            <a:extLst>
+              <a:ext uri="{FF2B5EF4-FFF2-40B4-BE49-F238E27FC236}">
+                <a16:creationId xmlns:a16="http://schemas.microsoft.com/office/drawing/2014/main" id="{2A672252-4731-5FEE-DC35-E361588BF368}"/>
+              </a:ext>
+            </a:extLst>
+          </p:cNvPr>
+          <p:cNvSpPr/>
+          <p:nvPr/>
+        </p:nvSpPr>
+        <p:spPr>
+          <a:xfrm>
+            <a:off x="772160" y="1452880"/>
+            <a:ext cx="3616960" cy="4582160"/>
+          </a:xfrm>
+          <a:prstGeom prst="roundRect">
+            <a:avLst/>
+          </a:prstGeom>
+          <a:noFill/>
+        </p:spPr>
+        <p:style>
+          <a:lnRef idx="2">
+            <a:schemeClr val="accent1">
+              <a:shade val="15000"/>
+            </a:schemeClr>
+          </a:lnRef>
+          <a:fillRef idx="1">
+            <a:schemeClr val="accent1"/>
+          </a:fillRef>
+          <a:effectRef idx="0">
+            <a:schemeClr val="accent1"/>
+          </a:effectRef>
+          <a:fontRef idx="minor">
+            <a:schemeClr val="lt1"/>
+          </a:fontRef>
+        </p:style>
+        <p:txBody>
+          <a:bodyPr rtlCol="0" anchor="ctr"/>
+          <a:lstStyle/>
+          <a:p>
+            <a:pPr algn="ctr"/>
+            <a:r>
+              <a:rPr lang="ko-KR" altLang="en-US" sz="1400" dirty="0">
+                <a:solidFill>
+                  <a:schemeClr val="tx1"/>
+                </a:solidFill>
+              </a:rPr>
+              <a:t>기출문제 객관식 스크롤</a:t>
+            </a:r>
+            <a:endParaRPr lang="en-US" altLang="ko-KR" sz="1400" dirty="0">
+              <a:solidFill>
+                <a:schemeClr val="tx1"/>
+              </a:solidFill>
+            </a:endParaRPr>
+          </a:p>
+          <a:p>
+            <a:pPr algn="ctr"/>
+            <a:endParaRPr lang="en-US" altLang="ko-KR" sz="1400" dirty="0">
+              <a:solidFill>
+                <a:schemeClr val="tx1"/>
+              </a:solidFill>
+            </a:endParaRPr>
+          </a:p>
+          <a:p>
+            <a:pPr algn="ctr"/>
+            <a:endParaRPr lang="en-US" altLang="ko-KR" sz="1400" dirty="0">
+              <a:solidFill>
+                <a:schemeClr val="tx1"/>
+              </a:solidFill>
+            </a:endParaRPr>
+          </a:p>
+          <a:p>
+            <a:pPr algn="ctr"/>
+            <a:endParaRPr lang="en-US" altLang="ko-KR" sz="1400" dirty="0">
+              <a:solidFill>
+                <a:schemeClr val="tx1"/>
+              </a:solidFill>
+            </a:endParaRPr>
+          </a:p>
+          <a:p>
+            <a:pPr algn="ctr"/>
+            <a:endParaRPr lang="en-US" altLang="ko-KR" sz="1400" dirty="0">
+              <a:solidFill>
+                <a:schemeClr val="tx1"/>
+              </a:solidFill>
+            </a:endParaRPr>
+          </a:p>
+          <a:p>
+            <a:pPr algn="ctr"/>
+            <a:endParaRPr lang="en-US" altLang="ko-KR" sz="1400" dirty="0">
+              <a:solidFill>
+                <a:schemeClr val="tx1"/>
+              </a:solidFill>
+            </a:endParaRPr>
+          </a:p>
+          <a:p>
+            <a:pPr algn="ctr"/>
+            <a:r>
+              <a:rPr lang="ko-KR" altLang="en-US" sz="1400" dirty="0">
+                <a:solidFill>
+                  <a:schemeClr val="tx1"/>
+                </a:solidFill>
+              </a:rPr>
+              <a:t>제</a:t>
+            </a:r>
+            <a:r>
+              <a:rPr lang="en-US" altLang="ko-KR" sz="1400" dirty="0">
+                <a:solidFill>
+                  <a:schemeClr val="tx1"/>
+                </a:solidFill>
+              </a:rPr>
+              <a:t>22</a:t>
+            </a:r>
+            <a:r>
+              <a:rPr lang="ko-KR" altLang="en-US" sz="1400" dirty="0">
+                <a:solidFill>
+                  <a:schemeClr val="tx1"/>
+                </a:solidFill>
+              </a:rPr>
+              <a:t>회 공통 </a:t>
+            </a:r>
+            <a:r>
+              <a:rPr lang="en-US" altLang="ko-KR" sz="1400" dirty="0">
+                <a:solidFill>
+                  <a:schemeClr val="tx1"/>
+                </a:solidFill>
+              </a:rPr>
+              <a:t>13</a:t>
+            </a:r>
+            <a:r>
+              <a:rPr lang="ko-KR" altLang="en-US" sz="1400" dirty="0" err="1">
+                <a:solidFill>
+                  <a:schemeClr val="tx1"/>
+                </a:solidFill>
+              </a:rPr>
+              <a:t>번문제</a:t>
+            </a:r>
+            <a:r>
+              <a:rPr lang="ko-KR" altLang="en-US" sz="1400" dirty="0">
+                <a:solidFill>
+                  <a:schemeClr val="tx1"/>
+                </a:solidFill>
+              </a:rPr>
+              <a:t>  클릭</a:t>
+            </a:r>
+          </a:p>
+        </p:txBody>
+      </p:sp>
+      <p:cxnSp>
+        <p:nvCxnSpPr>
+          <p:cNvPr id="5" name="직선 화살표 연결선 4">
+            <a:extLst>
+              <a:ext uri="{FF2B5EF4-FFF2-40B4-BE49-F238E27FC236}">
+                <a16:creationId xmlns:a16="http://schemas.microsoft.com/office/drawing/2014/main" id="{BB4E8A2C-2D23-2276-55E8-6DC8D5DA96DC}"/>
+              </a:ext>
+            </a:extLst>
+          </p:cNvPr>
+          <p:cNvCxnSpPr/>
+          <p:nvPr/>
+        </p:nvCxnSpPr>
+        <p:spPr>
+          <a:xfrm>
+            <a:off x="1270000" y="2377440"/>
+            <a:ext cx="0" cy="2519680"/>
+          </a:xfrm>
+          <a:prstGeom prst="straightConnector1">
+            <a:avLst/>
+          </a:prstGeom>
+          <a:ln>
+            <a:headEnd type="triangle"/>
+            <a:tailEnd type="triangle"/>
+          </a:ln>
+        </p:spPr>
+        <p:style>
+          <a:lnRef idx="2">
+            <a:schemeClr val="accent1"/>
+          </a:lnRef>
+          <a:fillRef idx="0">
+            <a:schemeClr val="accent1"/>
+          </a:fillRef>
+          <a:effectRef idx="1">
+            <a:schemeClr val="accent1"/>
+          </a:effectRef>
+          <a:fontRef idx="minor">
+            <a:schemeClr val="tx1"/>
+          </a:fontRef>
+        </p:style>
+      </p:cxnSp>
+      <p:sp>
+        <p:nvSpPr>
+          <p:cNvPr id="6" name="사각형: 둥근 모서리 5">
+            <a:extLst>
+              <a:ext uri="{FF2B5EF4-FFF2-40B4-BE49-F238E27FC236}">
+                <a16:creationId xmlns:a16="http://schemas.microsoft.com/office/drawing/2014/main" id="{AFA42449-CE5D-AA3B-E451-A40F96F3C647}"/>
+              </a:ext>
+            </a:extLst>
+          </p:cNvPr>
+          <p:cNvSpPr/>
+          <p:nvPr/>
+        </p:nvSpPr>
+        <p:spPr>
+          <a:xfrm>
+            <a:off x="1351280" y="4267200"/>
+            <a:ext cx="233675" cy="243840"/>
+          </a:xfrm>
+          <a:prstGeom prst="roundRect">
+            <a:avLst/>
+          </a:prstGeom>
+        </p:spPr>
+        <p:style>
+          <a:lnRef idx="2">
+            <a:schemeClr val="accent1">
+              <a:shade val="15000"/>
+            </a:schemeClr>
+          </a:lnRef>
+          <a:fillRef idx="1">
+            <a:schemeClr val="accent1"/>
+          </a:fillRef>
+          <a:effectRef idx="0">
+            <a:schemeClr val="accent1"/>
+          </a:effectRef>
+          <a:fontRef idx="minor">
+            <a:schemeClr val="lt1"/>
+          </a:fontRef>
+        </p:style>
+        <p:txBody>
+          <a:bodyPr rtlCol="0" anchor="ctr"/>
+          <a:lstStyle/>
+          <a:p>
+            <a:pPr algn="ctr"/>
+            <a:endParaRPr lang="ko-KR" altLang="en-US"/>
+          </a:p>
+        </p:txBody>
+      </p:sp>
+      <p:sp>
+        <p:nvSpPr>
+          <p:cNvPr id="8" name="직사각형 7">
+            <a:extLst>
+              <a:ext uri="{FF2B5EF4-FFF2-40B4-BE49-F238E27FC236}">
+                <a16:creationId xmlns:a16="http://schemas.microsoft.com/office/drawing/2014/main" id="{E9B3494A-E4A6-07DB-BCB7-2C67E3F32762}"/>
+              </a:ext>
+            </a:extLst>
+          </p:cNvPr>
+          <p:cNvSpPr/>
+          <p:nvPr/>
+        </p:nvSpPr>
+        <p:spPr>
+          <a:xfrm>
+            <a:off x="5496560" y="1452880"/>
+            <a:ext cx="4104640" cy="4368800"/>
+          </a:xfrm>
+          <a:prstGeom prst="rect">
+            <a:avLst/>
+          </a:prstGeom>
+          <a:noFill/>
+        </p:spPr>
+        <p:style>
+          <a:lnRef idx="2">
+            <a:schemeClr val="accent1">
+              <a:shade val="15000"/>
+            </a:schemeClr>
+          </a:lnRef>
+          <a:fillRef idx="1">
+            <a:schemeClr val="accent1"/>
+          </a:fillRef>
+          <a:effectRef idx="0">
+            <a:schemeClr val="accent1"/>
+          </a:effectRef>
+          <a:fontRef idx="minor">
+            <a:schemeClr val="lt1"/>
+          </a:fontRef>
+        </p:style>
+        <p:txBody>
+          <a:bodyPr rtlCol="0" anchor="ctr"/>
+          <a:lstStyle/>
+          <a:p>
+            <a:pPr algn="ctr"/>
+            <a:endParaRPr lang="ko-KR" altLang="en-US"/>
+          </a:p>
+        </p:txBody>
+      </p:sp>
+      <p:sp>
+        <p:nvSpPr>
+          <p:cNvPr id="9" name="직사각형 8">
+            <a:extLst>
+              <a:ext uri="{FF2B5EF4-FFF2-40B4-BE49-F238E27FC236}">
+                <a16:creationId xmlns:a16="http://schemas.microsoft.com/office/drawing/2014/main" id="{3D5C5A62-C85D-4F43-F9BE-7692A32BA9B8}"/>
+              </a:ext>
+            </a:extLst>
+          </p:cNvPr>
+          <p:cNvSpPr/>
+          <p:nvPr/>
+        </p:nvSpPr>
+        <p:spPr>
+          <a:xfrm>
+            <a:off x="6045200" y="1564640"/>
+            <a:ext cx="2590800" cy="436880"/>
+          </a:xfrm>
+          <a:prstGeom prst="rect">
+            <a:avLst/>
+          </a:prstGeom>
+          <a:noFill/>
+        </p:spPr>
+        <p:style>
+          <a:lnRef idx="2">
+            <a:schemeClr val="accent1">
+              <a:shade val="15000"/>
+            </a:schemeClr>
+          </a:lnRef>
+          <a:fillRef idx="1">
+            <a:schemeClr val="accent1"/>
+          </a:fillRef>
+          <a:effectRef idx="0">
+            <a:schemeClr val="accent1"/>
+          </a:effectRef>
+          <a:fontRef idx="minor">
+            <a:schemeClr val="lt1"/>
+          </a:fontRef>
+        </p:style>
+        <p:txBody>
+          <a:bodyPr rtlCol="0" anchor="ctr"/>
+          <a:lstStyle/>
+          <a:p>
+            <a:r>
+              <a:rPr lang="en-US" altLang="ko-KR" sz="1100" dirty="0">
+                <a:solidFill>
+                  <a:schemeClr val="tx1"/>
+                </a:solidFill>
+              </a:rPr>
+              <a:t>1  </a:t>
+            </a:r>
+            <a:r>
+              <a:rPr lang="ko-KR" altLang="en-US" sz="1100" dirty="0">
+                <a:solidFill>
+                  <a:schemeClr val="tx1"/>
+                </a:solidFill>
+              </a:rPr>
+              <a:t>날씨보험음</a:t>
+            </a:r>
+          </a:p>
+        </p:txBody>
+      </p:sp>
+      <p:sp>
+        <p:nvSpPr>
+          <p:cNvPr id="10" name="직사각형 9">
+            <a:extLst>
+              <a:ext uri="{FF2B5EF4-FFF2-40B4-BE49-F238E27FC236}">
+                <a16:creationId xmlns:a16="http://schemas.microsoft.com/office/drawing/2014/main" id="{2B7A79EA-E10D-193C-49EF-DA3B0B87865D}"/>
+              </a:ext>
+            </a:extLst>
+          </p:cNvPr>
+          <p:cNvSpPr/>
+          <p:nvPr/>
+        </p:nvSpPr>
+        <p:spPr>
+          <a:xfrm>
+            <a:off x="6075680" y="2164080"/>
+            <a:ext cx="2590800" cy="436880"/>
+          </a:xfrm>
+          <a:prstGeom prst="rect">
+            <a:avLst/>
+          </a:prstGeom>
+          <a:noFill/>
+        </p:spPr>
+        <p:style>
+          <a:lnRef idx="2">
+            <a:schemeClr val="accent1">
+              <a:shade val="15000"/>
+            </a:schemeClr>
+          </a:lnRef>
+          <a:fillRef idx="1">
+            <a:schemeClr val="accent1"/>
+          </a:fillRef>
+          <a:effectRef idx="0">
+            <a:schemeClr val="accent1"/>
+          </a:effectRef>
+          <a:fontRef idx="minor">
+            <a:schemeClr val="lt1"/>
+          </a:fontRef>
+        </p:style>
+        <p:txBody>
+          <a:bodyPr rtlCol="0" anchor="ctr"/>
+          <a:lstStyle/>
+          <a:p>
+            <a:r>
+              <a:rPr lang="en-US" altLang="ko-KR" sz="1100" dirty="0">
+                <a:solidFill>
+                  <a:schemeClr val="tx1"/>
+                </a:solidFill>
+              </a:rPr>
+              <a:t>2 </a:t>
+            </a:r>
+            <a:r>
+              <a:rPr lang="ko-KR" altLang="en-US" sz="1100" dirty="0">
+                <a:solidFill>
+                  <a:schemeClr val="tx1"/>
+                </a:solidFill>
+              </a:rPr>
+              <a:t>비용보험은 보험이다 정답 </a:t>
+            </a:r>
+            <a:r>
+              <a:rPr lang="en-US" altLang="ko-KR" sz="1100" dirty="0">
+                <a:solidFill>
+                  <a:schemeClr val="tx1"/>
+                </a:solidFill>
+              </a:rPr>
+              <a:t>O</a:t>
+            </a:r>
+            <a:endParaRPr lang="ko-KR" altLang="en-US" sz="1100" dirty="0">
+              <a:solidFill>
+                <a:schemeClr val="tx1"/>
+              </a:solidFill>
+            </a:endParaRPr>
+          </a:p>
+        </p:txBody>
+      </p:sp>
+      <p:sp>
+        <p:nvSpPr>
+          <p:cNvPr id="11" name="직사각형 10">
+            <a:extLst>
+              <a:ext uri="{FF2B5EF4-FFF2-40B4-BE49-F238E27FC236}">
+                <a16:creationId xmlns:a16="http://schemas.microsoft.com/office/drawing/2014/main" id="{35009906-6F10-5FC8-E93E-125D616BCBB0}"/>
+              </a:ext>
+            </a:extLst>
+          </p:cNvPr>
+          <p:cNvSpPr/>
+          <p:nvPr/>
+        </p:nvSpPr>
+        <p:spPr>
+          <a:xfrm>
+            <a:off x="6075680" y="2682240"/>
+            <a:ext cx="2590800" cy="436880"/>
+          </a:xfrm>
+          <a:prstGeom prst="rect">
+            <a:avLst/>
+          </a:prstGeom>
+          <a:noFill/>
+        </p:spPr>
+        <p:style>
+          <a:lnRef idx="2">
+            <a:schemeClr val="accent1">
+              <a:shade val="15000"/>
+            </a:schemeClr>
+          </a:lnRef>
+          <a:fillRef idx="1">
+            <a:schemeClr val="accent1"/>
+          </a:fillRef>
+          <a:effectRef idx="0">
+            <a:schemeClr val="accent1"/>
+          </a:effectRef>
+          <a:fontRef idx="minor">
+            <a:schemeClr val="lt1"/>
+          </a:fontRef>
+        </p:style>
+        <p:txBody>
+          <a:bodyPr rtlCol="0" anchor="ctr"/>
+          <a:lstStyle/>
+          <a:p>
+            <a:r>
+              <a:rPr lang="en-US" altLang="ko-KR" sz="1100" dirty="0">
+                <a:solidFill>
+                  <a:schemeClr val="tx1"/>
+                </a:solidFill>
+              </a:rPr>
+              <a:t>3. </a:t>
+            </a:r>
+            <a:r>
+              <a:rPr lang="ko-KR" altLang="en-US" sz="1100" dirty="0" err="1">
+                <a:solidFill>
+                  <a:schemeClr val="tx1"/>
+                </a:solidFill>
+              </a:rPr>
+              <a:t>손배호범을</a:t>
+            </a:r>
+            <a:r>
+              <a:rPr lang="ko-KR" altLang="en-US" sz="1100" dirty="0">
+                <a:solidFill>
+                  <a:schemeClr val="tx1"/>
+                </a:solidFill>
+              </a:rPr>
+              <a:t> 청구한다 정답</a:t>
+            </a:r>
+            <a:r>
+              <a:rPr lang="en-US" altLang="ko-KR" sz="1100" dirty="0">
+                <a:solidFill>
+                  <a:schemeClr val="tx1"/>
+                </a:solidFill>
+              </a:rPr>
+              <a:t>X</a:t>
+            </a:r>
+            <a:endParaRPr lang="ko-KR" altLang="en-US" sz="1100" dirty="0">
+              <a:solidFill>
+                <a:schemeClr val="tx1"/>
+              </a:solidFill>
+            </a:endParaRPr>
+          </a:p>
+        </p:txBody>
+      </p:sp>
+      <p:sp>
+        <p:nvSpPr>
+          <p:cNvPr id="12" name="직사각형 11">
+            <a:extLst>
+              <a:ext uri="{FF2B5EF4-FFF2-40B4-BE49-F238E27FC236}">
+                <a16:creationId xmlns:a16="http://schemas.microsoft.com/office/drawing/2014/main" id="{EF0E61FE-4E5C-369F-BCBF-7AEBD317A0E2}"/>
+              </a:ext>
+            </a:extLst>
+          </p:cNvPr>
+          <p:cNvSpPr/>
+          <p:nvPr/>
+        </p:nvSpPr>
+        <p:spPr>
+          <a:xfrm>
+            <a:off x="6106160" y="3225800"/>
+            <a:ext cx="2590800" cy="436880"/>
+          </a:xfrm>
+          <a:prstGeom prst="rect">
+            <a:avLst/>
+          </a:prstGeom>
+          <a:noFill/>
+        </p:spPr>
+        <p:style>
+          <a:lnRef idx="2">
+            <a:schemeClr val="accent1">
+              <a:shade val="15000"/>
+            </a:schemeClr>
+          </a:lnRef>
+          <a:fillRef idx="1">
+            <a:schemeClr val="accent1"/>
+          </a:fillRef>
+          <a:effectRef idx="0">
+            <a:schemeClr val="accent1"/>
+          </a:effectRef>
+          <a:fontRef idx="minor">
+            <a:schemeClr val="lt1"/>
+          </a:fontRef>
+        </p:style>
+        <p:txBody>
+          <a:bodyPr rtlCol="0" anchor="ctr"/>
+          <a:lstStyle/>
+          <a:p>
+            <a:r>
+              <a:rPr lang="en-US" altLang="ko-KR" sz="1100" dirty="0">
+                <a:solidFill>
+                  <a:schemeClr val="tx1"/>
+                </a:solidFill>
+              </a:rPr>
+              <a:t>4. </a:t>
+            </a:r>
+            <a:r>
+              <a:rPr lang="ko-KR" altLang="en-US" sz="1100" dirty="0">
+                <a:solidFill>
+                  <a:schemeClr val="tx1"/>
+                </a:solidFill>
+              </a:rPr>
+              <a:t>배상보험은 법률상하자다 정답 </a:t>
+            </a:r>
+            <a:r>
+              <a:rPr lang="en-US" altLang="ko-KR" sz="1100" dirty="0">
+                <a:solidFill>
+                  <a:schemeClr val="tx1"/>
+                </a:solidFill>
+              </a:rPr>
+              <a:t>0</a:t>
+            </a:r>
+            <a:endParaRPr lang="ko-KR" altLang="en-US" sz="1100" dirty="0">
+              <a:solidFill>
+                <a:schemeClr val="tx1"/>
+              </a:solidFill>
+            </a:endParaRPr>
+          </a:p>
+        </p:txBody>
+      </p:sp>
+      <p:sp>
+        <p:nvSpPr>
+          <p:cNvPr id="13" name="직사각형 12">
+            <a:extLst>
+              <a:ext uri="{FF2B5EF4-FFF2-40B4-BE49-F238E27FC236}">
+                <a16:creationId xmlns:a16="http://schemas.microsoft.com/office/drawing/2014/main" id="{82684A30-B175-C322-D5C6-A8896B330327}"/>
+              </a:ext>
+            </a:extLst>
+          </p:cNvPr>
+          <p:cNvSpPr/>
+          <p:nvPr/>
+        </p:nvSpPr>
+        <p:spPr>
+          <a:xfrm>
+            <a:off x="6106160" y="3799840"/>
+            <a:ext cx="2590800" cy="436880"/>
+          </a:xfrm>
+          <a:prstGeom prst="rect">
+            <a:avLst/>
+          </a:prstGeom>
+          <a:noFill/>
+        </p:spPr>
+        <p:style>
+          <a:lnRef idx="2">
+            <a:schemeClr val="accent1">
+              <a:shade val="15000"/>
+            </a:schemeClr>
+          </a:lnRef>
+          <a:fillRef idx="1">
+            <a:schemeClr val="accent1"/>
+          </a:fillRef>
+          <a:effectRef idx="0">
+            <a:schemeClr val="accent1"/>
+          </a:effectRef>
+          <a:fontRef idx="minor">
+            <a:schemeClr val="lt1"/>
+          </a:fontRef>
+        </p:style>
+        <p:txBody>
+          <a:bodyPr rtlCol="0" anchor="ctr"/>
+          <a:lstStyle/>
+          <a:p>
+            <a:r>
+              <a:rPr lang="en-US" altLang="ko-KR" sz="1100" dirty="0">
+                <a:solidFill>
+                  <a:schemeClr val="tx1"/>
+                </a:solidFill>
+              </a:rPr>
+              <a:t>5 </a:t>
+            </a:r>
+            <a:r>
+              <a:rPr lang="ko-KR" altLang="en-US" sz="1100" dirty="0">
+                <a:solidFill>
+                  <a:schemeClr val="tx1"/>
+                </a:solidFill>
+              </a:rPr>
+              <a:t>해상보험은 로이드다  정답 </a:t>
+            </a:r>
+            <a:r>
+              <a:rPr lang="en-US" altLang="ko-KR" sz="1100" dirty="0">
+                <a:solidFill>
+                  <a:schemeClr val="tx1"/>
+                </a:solidFill>
+              </a:rPr>
+              <a:t>X</a:t>
+            </a:r>
+            <a:endParaRPr lang="ko-KR" altLang="en-US" sz="1100" dirty="0">
+              <a:solidFill>
+                <a:schemeClr val="tx1"/>
+              </a:solidFill>
+            </a:endParaRPr>
+          </a:p>
+        </p:txBody>
+      </p:sp>
+      <p:sp>
+        <p:nvSpPr>
+          <p:cNvPr id="14" name="직사각형 13">
+            <a:extLst>
+              <a:ext uri="{FF2B5EF4-FFF2-40B4-BE49-F238E27FC236}">
+                <a16:creationId xmlns:a16="http://schemas.microsoft.com/office/drawing/2014/main" id="{C4C91ABE-344C-F476-6483-3AFB883D742F}"/>
+              </a:ext>
+            </a:extLst>
+          </p:cNvPr>
+          <p:cNvSpPr/>
+          <p:nvPr/>
+        </p:nvSpPr>
+        <p:spPr>
+          <a:xfrm>
+            <a:off x="6096000" y="4348480"/>
+            <a:ext cx="2590800" cy="436880"/>
+          </a:xfrm>
+          <a:prstGeom prst="rect">
+            <a:avLst/>
+          </a:prstGeom>
+          <a:noFill/>
+        </p:spPr>
+        <p:style>
+          <a:lnRef idx="2">
+            <a:schemeClr val="accent1">
+              <a:shade val="15000"/>
+            </a:schemeClr>
+          </a:lnRef>
+          <a:fillRef idx="1">
+            <a:schemeClr val="accent1"/>
+          </a:fillRef>
+          <a:effectRef idx="0">
+            <a:schemeClr val="accent1"/>
+          </a:effectRef>
+          <a:fontRef idx="minor">
+            <a:schemeClr val="lt1"/>
+          </a:fontRef>
+        </p:style>
+        <p:txBody>
+          <a:bodyPr rtlCol="0" anchor="ctr"/>
+          <a:lstStyle/>
+          <a:p>
+            <a:endParaRPr lang="ko-KR" altLang="en-US" sz="1100">
+              <a:solidFill>
+                <a:schemeClr val="tx1"/>
+              </a:solidFill>
+            </a:endParaRPr>
+          </a:p>
+        </p:txBody>
+      </p:sp>
+      <p:sp>
+        <p:nvSpPr>
+          <p:cNvPr id="15" name="직사각형 14">
+            <a:extLst>
+              <a:ext uri="{FF2B5EF4-FFF2-40B4-BE49-F238E27FC236}">
+                <a16:creationId xmlns:a16="http://schemas.microsoft.com/office/drawing/2014/main" id="{6DB2A214-953A-53E6-4049-12CC1389FB41}"/>
+              </a:ext>
+            </a:extLst>
+          </p:cNvPr>
+          <p:cNvSpPr/>
+          <p:nvPr/>
+        </p:nvSpPr>
+        <p:spPr>
+          <a:xfrm>
+            <a:off x="6106160" y="4907280"/>
+            <a:ext cx="2590800" cy="436880"/>
+          </a:xfrm>
+          <a:prstGeom prst="rect">
+            <a:avLst/>
+          </a:prstGeom>
+          <a:noFill/>
+        </p:spPr>
+        <p:style>
+          <a:lnRef idx="2">
+            <a:schemeClr val="accent1">
+              <a:shade val="15000"/>
+            </a:schemeClr>
+          </a:lnRef>
+          <a:fillRef idx="1">
+            <a:schemeClr val="accent1"/>
+          </a:fillRef>
+          <a:effectRef idx="0">
+            <a:schemeClr val="accent1"/>
+          </a:effectRef>
+          <a:fontRef idx="minor">
+            <a:schemeClr val="lt1"/>
+          </a:fontRef>
+        </p:style>
+        <p:txBody>
+          <a:bodyPr rtlCol="0" anchor="ctr"/>
+          <a:lstStyle/>
+          <a:p>
+            <a:endParaRPr lang="ko-KR" altLang="en-US" sz="1100">
+              <a:solidFill>
+                <a:schemeClr val="tx1"/>
+              </a:solidFill>
+            </a:endParaRPr>
+          </a:p>
+        </p:txBody>
+      </p:sp>
+      <p:sp>
+        <p:nvSpPr>
+          <p:cNvPr id="37" name="직사각형 36">
+            <a:extLst>
+              <a:ext uri="{FF2B5EF4-FFF2-40B4-BE49-F238E27FC236}">
+                <a16:creationId xmlns:a16="http://schemas.microsoft.com/office/drawing/2014/main" id="{A505A51E-5822-969E-EB23-6DA259AC48F8}"/>
+              </a:ext>
+            </a:extLst>
+          </p:cNvPr>
+          <p:cNvSpPr/>
+          <p:nvPr/>
+        </p:nvSpPr>
+        <p:spPr>
+          <a:xfrm>
+            <a:off x="6106160" y="5405120"/>
+            <a:ext cx="2590800" cy="436880"/>
+          </a:xfrm>
+          <a:prstGeom prst="rect">
+            <a:avLst/>
+          </a:prstGeom>
+          <a:noFill/>
+        </p:spPr>
+        <p:style>
+          <a:lnRef idx="2">
+            <a:schemeClr val="accent1">
+              <a:shade val="15000"/>
+            </a:schemeClr>
+          </a:lnRef>
+          <a:fillRef idx="1">
+            <a:schemeClr val="accent1"/>
+          </a:fillRef>
+          <a:effectRef idx="0">
+            <a:schemeClr val="accent1"/>
+          </a:effectRef>
+          <a:fontRef idx="minor">
+            <a:schemeClr val="lt1"/>
+          </a:fontRef>
+        </p:style>
+        <p:txBody>
+          <a:bodyPr rtlCol="0" anchor="ctr"/>
+          <a:lstStyle/>
+          <a:p>
+            <a:endParaRPr lang="ko-KR" altLang="en-US" sz="1100">
+              <a:solidFill>
+                <a:schemeClr val="tx1"/>
+              </a:solidFill>
+            </a:endParaRPr>
+          </a:p>
+        </p:txBody>
+      </p:sp>
+      <p:sp>
+        <p:nvSpPr>
+          <p:cNvPr id="38" name="사각형: 둥근 모서리 37">
+            <a:extLst>
+              <a:ext uri="{FF2B5EF4-FFF2-40B4-BE49-F238E27FC236}">
+                <a16:creationId xmlns:a16="http://schemas.microsoft.com/office/drawing/2014/main" id="{A67227CD-3A00-1395-9B7B-E89308C3B7CB}"/>
+              </a:ext>
+            </a:extLst>
+          </p:cNvPr>
+          <p:cNvSpPr/>
+          <p:nvPr/>
+        </p:nvSpPr>
+        <p:spPr>
+          <a:xfrm>
+            <a:off x="8910320" y="1564640"/>
+            <a:ext cx="345440" cy="335280"/>
+          </a:xfrm>
+          <a:prstGeom prst="roundRect">
+            <a:avLst/>
+          </a:prstGeom>
+          <a:noFill/>
+        </p:spPr>
+        <p:style>
+          <a:lnRef idx="2">
+            <a:schemeClr val="accent1">
+              <a:shade val="15000"/>
+            </a:schemeClr>
+          </a:lnRef>
+          <a:fillRef idx="1">
+            <a:schemeClr val="accent1"/>
+          </a:fillRef>
+          <a:effectRef idx="0">
+            <a:schemeClr val="accent1"/>
+          </a:effectRef>
+          <a:fontRef idx="minor">
+            <a:schemeClr val="lt1"/>
+          </a:fontRef>
+        </p:style>
+        <p:txBody>
+          <a:bodyPr rtlCol="0" anchor="ctr"/>
+          <a:lstStyle/>
+          <a:p>
+            <a:pPr algn="ctr"/>
+            <a:r>
+              <a:rPr lang="en-US" altLang="ko-KR" dirty="0">
+                <a:solidFill>
+                  <a:srgbClr val="FF0000"/>
+                </a:solidFill>
+              </a:rPr>
+              <a:t>V</a:t>
+            </a:r>
+            <a:endParaRPr lang="ko-KR" altLang="en-US" dirty="0">
+              <a:solidFill>
+                <a:srgbClr val="FF0000"/>
+              </a:solidFill>
+            </a:endParaRPr>
+          </a:p>
+        </p:txBody>
+      </p:sp>
+      <p:sp>
+        <p:nvSpPr>
+          <p:cNvPr id="39" name="사각형: 둥근 모서리 38">
+            <a:extLst>
+              <a:ext uri="{FF2B5EF4-FFF2-40B4-BE49-F238E27FC236}">
+                <a16:creationId xmlns:a16="http://schemas.microsoft.com/office/drawing/2014/main" id="{3E5B7E27-E9C4-2810-3604-42B0939D81BE}"/>
+              </a:ext>
+            </a:extLst>
+          </p:cNvPr>
+          <p:cNvSpPr/>
+          <p:nvPr/>
+        </p:nvSpPr>
+        <p:spPr>
+          <a:xfrm>
+            <a:off x="9022080" y="2245360"/>
+            <a:ext cx="345440" cy="335280"/>
+          </a:xfrm>
+          <a:prstGeom prst="roundRect">
+            <a:avLst/>
+          </a:prstGeom>
+          <a:noFill/>
+        </p:spPr>
+        <p:style>
+          <a:lnRef idx="2">
+            <a:schemeClr val="accent1">
+              <a:shade val="15000"/>
+            </a:schemeClr>
+          </a:lnRef>
+          <a:fillRef idx="1">
+            <a:schemeClr val="accent1"/>
+          </a:fillRef>
+          <a:effectRef idx="0">
+            <a:schemeClr val="accent1"/>
+          </a:effectRef>
+          <a:fontRef idx="minor">
+            <a:schemeClr val="lt1"/>
+          </a:fontRef>
+        </p:style>
+        <p:txBody>
+          <a:bodyPr rtlCol="0" anchor="ctr"/>
+          <a:lstStyle/>
+          <a:p>
+            <a:pPr algn="ctr"/>
+            <a:r>
+              <a:rPr lang="en-US" altLang="ko-KR" dirty="0">
+                <a:solidFill>
+                  <a:srgbClr val="FF0000"/>
+                </a:solidFill>
+              </a:rPr>
+              <a:t>V</a:t>
+            </a:r>
+            <a:endParaRPr lang="ko-KR" altLang="en-US" dirty="0">
+              <a:solidFill>
+                <a:srgbClr val="FF0000"/>
+              </a:solidFill>
+            </a:endParaRPr>
+          </a:p>
+        </p:txBody>
+      </p:sp>
+      <p:sp>
+        <p:nvSpPr>
+          <p:cNvPr id="40" name="사각형: 둥근 모서리 39">
+            <a:extLst>
+              <a:ext uri="{FF2B5EF4-FFF2-40B4-BE49-F238E27FC236}">
+                <a16:creationId xmlns:a16="http://schemas.microsoft.com/office/drawing/2014/main" id="{03E760C3-9B16-CD15-5BE7-837CA05AACD6}"/>
+              </a:ext>
+            </a:extLst>
+          </p:cNvPr>
+          <p:cNvSpPr/>
+          <p:nvPr/>
+        </p:nvSpPr>
+        <p:spPr>
+          <a:xfrm>
+            <a:off x="8961120" y="2773680"/>
+            <a:ext cx="345440" cy="335280"/>
+          </a:xfrm>
+          <a:prstGeom prst="roundRect">
+            <a:avLst/>
+          </a:prstGeom>
+          <a:noFill/>
+        </p:spPr>
+        <p:style>
+          <a:lnRef idx="2">
+            <a:schemeClr val="accent1">
+              <a:shade val="15000"/>
+            </a:schemeClr>
+          </a:lnRef>
+          <a:fillRef idx="1">
+            <a:schemeClr val="accent1"/>
+          </a:fillRef>
+          <a:effectRef idx="0">
+            <a:schemeClr val="accent1"/>
+          </a:effectRef>
+          <a:fontRef idx="minor">
+            <a:schemeClr val="lt1"/>
+          </a:fontRef>
+        </p:style>
+        <p:txBody>
+          <a:bodyPr rtlCol="0" anchor="ctr"/>
+          <a:lstStyle/>
+          <a:p>
+            <a:pPr algn="ctr"/>
+            <a:r>
+              <a:rPr lang="en-US" altLang="ko-KR" dirty="0">
+                <a:solidFill>
+                  <a:srgbClr val="FF0000"/>
+                </a:solidFill>
+              </a:rPr>
+              <a:t>V</a:t>
+            </a:r>
+            <a:endParaRPr lang="ko-KR" altLang="en-US" dirty="0">
+              <a:solidFill>
+                <a:srgbClr val="FF0000"/>
+              </a:solidFill>
+            </a:endParaRPr>
+          </a:p>
+        </p:txBody>
+      </p:sp>
+      <p:sp>
+        <p:nvSpPr>
+          <p:cNvPr id="41" name="사각형: 둥근 모서리 40">
+            <a:extLst>
+              <a:ext uri="{FF2B5EF4-FFF2-40B4-BE49-F238E27FC236}">
+                <a16:creationId xmlns:a16="http://schemas.microsoft.com/office/drawing/2014/main" id="{0D7928DF-3003-409D-EB3B-8558E44534A9}"/>
+              </a:ext>
+            </a:extLst>
+          </p:cNvPr>
+          <p:cNvSpPr/>
+          <p:nvPr/>
+        </p:nvSpPr>
+        <p:spPr>
+          <a:xfrm>
+            <a:off x="9022080" y="3337560"/>
+            <a:ext cx="345440" cy="335280"/>
+          </a:xfrm>
+          <a:prstGeom prst="roundRect">
+            <a:avLst/>
+          </a:prstGeom>
+          <a:noFill/>
+        </p:spPr>
+        <p:style>
+          <a:lnRef idx="2">
+            <a:schemeClr val="accent1">
+              <a:shade val="15000"/>
+            </a:schemeClr>
+          </a:lnRef>
+          <a:fillRef idx="1">
+            <a:schemeClr val="accent1"/>
+          </a:fillRef>
+          <a:effectRef idx="0">
+            <a:schemeClr val="accent1"/>
+          </a:effectRef>
+          <a:fontRef idx="minor">
+            <a:schemeClr val="lt1"/>
+          </a:fontRef>
+        </p:style>
+        <p:txBody>
+          <a:bodyPr rtlCol="0" anchor="ctr"/>
+          <a:lstStyle/>
+          <a:p>
+            <a:pPr algn="ctr"/>
+            <a:r>
+              <a:rPr lang="en-US" altLang="ko-KR" dirty="0">
+                <a:solidFill>
+                  <a:srgbClr val="FF0000"/>
+                </a:solidFill>
+              </a:rPr>
+              <a:t>V</a:t>
+            </a:r>
+            <a:endParaRPr lang="ko-KR" altLang="en-US" dirty="0">
+              <a:solidFill>
+                <a:srgbClr val="FF0000"/>
+              </a:solidFill>
+            </a:endParaRPr>
+          </a:p>
+        </p:txBody>
+      </p:sp>
+      <p:sp>
+        <p:nvSpPr>
+          <p:cNvPr id="42" name="사각형: 둥근 모서리 41">
+            <a:extLst>
+              <a:ext uri="{FF2B5EF4-FFF2-40B4-BE49-F238E27FC236}">
+                <a16:creationId xmlns:a16="http://schemas.microsoft.com/office/drawing/2014/main" id="{1F8E259B-D6DF-161F-D9CA-72ABD387C4F6}"/>
+              </a:ext>
+            </a:extLst>
+          </p:cNvPr>
+          <p:cNvSpPr/>
+          <p:nvPr/>
+        </p:nvSpPr>
+        <p:spPr>
+          <a:xfrm>
+            <a:off x="9022080" y="3848100"/>
+            <a:ext cx="345440" cy="335280"/>
+          </a:xfrm>
+          <a:prstGeom prst="roundRect">
+            <a:avLst/>
+          </a:prstGeom>
+          <a:noFill/>
+        </p:spPr>
+        <p:style>
+          <a:lnRef idx="2">
+            <a:schemeClr val="accent1">
+              <a:shade val="15000"/>
+            </a:schemeClr>
+          </a:lnRef>
+          <a:fillRef idx="1">
+            <a:schemeClr val="accent1"/>
+          </a:fillRef>
+          <a:effectRef idx="0">
+            <a:schemeClr val="accent1"/>
+          </a:effectRef>
+          <a:fontRef idx="minor">
+            <a:schemeClr val="lt1"/>
+          </a:fontRef>
+        </p:style>
+        <p:txBody>
+          <a:bodyPr rtlCol="0" anchor="ctr"/>
+          <a:lstStyle/>
+          <a:p>
+            <a:pPr algn="ctr"/>
+            <a:r>
+              <a:rPr lang="en-US" altLang="ko-KR" dirty="0">
+                <a:solidFill>
+                  <a:srgbClr val="FF0000"/>
+                </a:solidFill>
+              </a:rPr>
+              <a:t>V</a:t>
+            </a:r>
+            <a:endParaRPr lang="ko-KR" altLang="en-US" dirty="0">
+              <a:solidFill>
+                <a:srgbClr val="FF0000"/>
+              </a:solidFill>
+            </a:endParaRPr>
+          </a:p>
+        </p:txBody>
+      </p:sp>
+      <p:sp>
+        <p:nvSpPr>
+          <p:cNvPr id="43" name="사각형: 둥근 모서리 42">
+            <a:extLst>
+              <a:ext uri="{FF2B5EF4-FFF2-40B4-BE49-F238E27FC236}">
+                <a16:creationId xmlns:a16="http://schemas.microsoft.com/office/drawing/2014/main" id="{3D6DC267-A846-C9A6-33C1-92BB0BA0A61B}"/>
+              </a:ext>
+            </a:extLst>
+          </p:cNvPr>
+          <p:cNvSpPr/>
+          <p:nvPr/>
+        </p:nvSpPr>
+        <p:spPr>
+          <a:xfrm>
+            <a:off x="9022080" y="4419600"/>
+            <a:ext cx="345440" cy="335280"/>
+          </a:xfrm>
+          <a:prstGeom prst="roundRect">
+            <a:avLst/>
+          </a:prstGeom>
+          <a:noFill/>
+        </p:spPr>
+        <p:style>
+          <a:lnRef idx="2">
+            <a:schemeClr val="accent1">
+              <a:shade val="15000"/>
+            </a:schemeClr>
+          </a:lnRef>
+          <a:fillRef idx="1">
+            <a:schemeClr val="accent1"/>
+          </a:fillRef>
+          <a:effectRef idx="0">
+            <a:schemeClr val="accent1"/>
+          </a:effectRef>
+          <a:fontRef idx="minor">
+            <a:schemeClr val="lt1"/>
+          </a:fontRef>
+        </p:style>
+        <p:txBody>
+          <a:bodyPr rtlCol="0" anchor="ctr"/>
+          <a:lstStyle/>
+          <a:p>
+            <a:pPr algn="ctr"/>
+            <a:endParaRPr lang="ko-KR" altLang="en-US" dirty="0">
+              <a:solidFill>
+                <a:srgbClr val="FF0000"/>
+              </a:solidFill>
+            </a:endParaRPr>
+          </a:p>
+        </p:txBody>
+      </p:sp>
+      <p:sp>
+        <p:nvSpPr>
+          <p:cNvPr id="44" name="사각형: 둥근 모서리 43">
+            <a:extLst>
+              <a:ext uri="{FF2B5EF4-FFF2-40B4-BE49-F238E27FC236}">
+                <a16:creationId xmlns:a16="http://schemas.microsoft.com/office/drawing/2014/main" id="{DF98016B-0323-3DC7-0778-C0C86EF7DEA5}"/>
+              </a:ext>
+            </a:extLst>
+          </p:cNvPr>
+          <p:cNvSpPr/>
+          <p:nvPr/>
+        </p:nvSpPr>
+        <p:spPr>
+          <a:xfrm>
+            <a:off x="9022080" y="4958080"/>
+            <a:ext cx="345440" cy="335280"/>
+          </a:xfrm>
+          <a:prstGeom prst="roundRect">
+            <a:avLst/>
+          </a:prstGeom>
+          <a:noFill/>
+        </p:spPr>
+        <p:style>
+          <a:lnRef idx="2">
+            <a:schemeClr val="accent1">
+              <a:shade val="15000"/>
+            </a:schemeClr>
+          </a:lnRef>
+          <a:fillRef idx="1">
+            <a:schemeClr val="accent1"/>
+          </a:fillRef>
+          <a:effectRef idx="0">
+            <a:schemeClr val="accent1"/>
+          </a:effectRef>
+          <a:fontRef idx="minor">
+            <a:schemeClr val="lt1"/>
+          </a:fontRef>
+        </p:style>
+        <p:txBody>
+          <a:bodyPr rtlCol="0" anchor="ctr"/>
+          <a:lstStyle/>
+          <a:p>
+            <a:pPr algn="ctr"/>
+            <a:endParaRPr lang="ko-KR" altLang="en-US" dirty="0">
+              <a:solidFill>
+                <a:srgbClr val="FF0000"/>
+              </a:solidFill>
+            </a:endParaRPr>
+          </a:p>
+        </p:txBody>
+      </p:sp>
+      <p:sp>
+        <p:nvSpPr>
+          <p:cNvPr id="45" name="사각형: 둥근 모서리 44">
+            <a:extLst>
+              <a:ext uri="{FF2B5EF4-FFF2-40B4-BE49-F238E27FC236}">
+                <a16:creationId xmlns:a16="http://schemas.microsoft.com/office/drawing/2014/main" id="{F96F71A8-A885-B9EF-B6FF-3115F122142C}"/>
+              </a:ext>
+            </a:extLst>
+          </p:cNvPr>
+          <p:cNvSpPr/>
+          <p:nvPr/>
+        </p:nvSpPr>
+        <p:spPr>
+          <a:xfrm>
+            <a:off x="9062720" y="5486400"/>
+            <a:ext cx="345440" cy="335280"/>
+          </a:xfrm>
+          <a:prstGeom prst="roundRect">
+            <a:avLst/>
+          </a:prstGeom>
+          <a:noFill/>
+        </p:spPr>
+        <p:style>
+          <a:lnRef idx="2">
+            <a:schemeClr val="accent1">
+              <a:shade val="15000"/>
+            </a:schemeClr>
+          </a:lnRef>
+          <a:fillRef idx="1">
+            <a:schemeClr val="accent1"/>
+          </a:fillRef>
+          <a:effectRef idx="0">
+            <a:schemeClr val="accent1"/>
+          </a:effectRef>
+          <a:fontRef idx="minor">
+            <a:schemeClr val="lt1"/>
+          </a:fontRef>
+        </p:style>
+        <p:txBody>
+          <a:bodyPr rtlCol="0" anchor="ctr"/>
+          <a:lstStyle/>
+          <a:p>
+            <a:pPr algn="ctr"/>
+            <a:endParaRPr lang="ko-KR" altLang="en-US" dirty="0">
+              <a:solidFill>
+                <a:srgbClr val="FF0000"/>
+              </a:solidFill>
+            </a:endParaRPr>
+          </a:p>
+        </p:txBody>
+      </p:sp>
+      <p:cxnSp>
+        <p:nvCxnSpPr>
+          <p:cNvPr id="47" name="직선 화살표 연결선 46">
+            <a:extLst>
+              <a:ext uri="{FF2B5EF4-FFF2-40B4-BE49-F238E27FC236}">
+                <a16:creationId xmlns:a16="http://schemas.microsoft.com/office/drawing/2014/main" id="{9779D632-F244-1390-B5CC-BC4AE432C1AC}"/>
+              </a:ext>
+            </a:extLst>
+          </p:cNvPr>
+          <p:cNvCxnSpPr/>
+          <p:nvPr/>
+        </p:nvCxnSpPr>
+        <p:spPr>
+          <a:xfrm flipV="1">
+            <a:off x="3779520" y="3505200"/>
+            <a:ext cx="1635760" cy="762000"/>
+          </a:xfrm>
+          <a:prstGeom prst="straightConnector1">
+            <a:avLst/>
+          </a:prstGeom>
+          <a:ln>
+            <a:tailEnd type="triangle"/>
+          </a:ln>
+        </p:spPr>
+        <p:style>
+          <a:lnRef idx="2">
+            <a:schemeClr val="accent1"/>
+          </a:lnRef>
+          <a:fillRef idx="0">
+            <a:schemeClr val="accent1"/>
+          </a:fillRef>
+          <a:effectRef idx="1">
+            <a:schemeClr val="accent1"/>
+          </a:effectRef>
+          <a:fontRef idx="minor">
+            <a:schemeClr val="tx1"/>
+          </a:fontRef>
+        </p:style>
+      </p:cxnSp>
+      <p:sp>
+        <p:nvSpPr>
+          <p:cNvPr id="48" name="직사각형 47">
+            <a:extLst>
+              <a:ext uri="{FF2B5EF4-FFF2-40B4-BE49-F238E27FC236}">
+                <a16:creationId xmlns:a16="http://schemas.microsoft.com/office/drawing/2014/main" id="{07CFAFFC-9FD6-A54C-CD67-2509B525D5A5}"/>
+              </a:ext>
+            </a:extLst>
+          </p:cNvPr>
+          <p:cNvSpPr/>
+          <p:nvPr/>
+        </p:nvSpPr>
+        <p:spPr>
+          <a:xfrm>
+            <a:off x="6319520" y="6004560"/>
+            <a:ext cx="2164080" cy="386080"/>
+          </a:xfrm>
+          <a:prstGeom prst="rect">
+            <a:avLst/>
+          </a:prstGeom>
+        </p:spPr>
+        <p:style>
+          <a:lnRef idx="2">
+            <a:schemeClr val="accent1">
+              <a:shade val="15000"/>
+            </a:schemeClr>
+          </a:lnRef>
+          <a:fillRef idx="1">
+            <a:schemeClr val="accent1"/>
+          </a:fillRef>
+          <a:effectRef idx="0">
+            <a:schemeClr val="accent1"/>
+          </a:effectRef>
+          <a:fontRef idx="minor">
+            <a:schemeClr val="lt1"/>
+          </a:fontRef>
+        </p:style>
+        <p:txBody>
+          <a:bodyPr rtlCol="0" anchor="ctr"/>
+          <a:lstStyle/>
+          <a:p>
+            <a:pPr algn="ctr"/>
+            <a:r>
+              <a:rPr lang="ko-KR" altLang="en-US" dirty="0"/>
+              <a:t>업데이트</a:t>
+            </a:r>
+          </a:p>
+        </p:txBody>
+      </p:sp>
+    </p:spTree>
+    <p:extLst>
+      <p:ext uri="{BB962C8B-B14F-4D97-AF65-F5344CB8AC3E}">
+        <p14:creationId xmlns:p14="http://schemas.microsoft.com/office/powerpoint/2010/main" val="1970934104"/>
       </p:ext>
     </p:extLst>
   </p:cSld>

--- a/docs/ACIU S3 UI_V1.0.pptx
+++ b/docs/ACIU S3 UI_V1.0.pptx
@@ -14,6 +14,12 @@
     <p:sldId id="300" r:id="rId8"/>
     <p:sldId id="301" r:id="rId9"/>
     <p:sldId id="302" r:id="rId10"/>
+    <p:sldId id="303" r:id="rId11"/>
+    <p:sldId id="304" r:id="rId12"/>
+    <p:sldId id="305" r:id="rId13"/>
+    <p:sldId id="306" r:id="rId14"/>
+    <p:sldId id="307" r:id="rId15"/>
+    <p:sldId id="308" r:id="rId16"/>
   </p:sldIdLst>
   <p:sldSz cx="12192000" cy="6858000"/>
   <p:notesSz cx="6858000" cy="9144000"/>
@@ -267,7 +273,7 @@
           <a:p>
             <a:fld id="{B77B2311-1626-4E05-A8FF-87BADECA9658}" type="datetimeFigureOut">
               <a:rPr lang="ko-KR" altLang="en-US" smtClean="0"/>
-              <a:t>2025-08-26</a:t>
+              <a:t>2025-08-28</a:t>
             </a:fld>
             <a:endParaRPr lang="ko-KR" altLang="en-US"/>
           </a:p>
@@ -465,7 +471,7 @@
           <a:p>
             <a:fld id="{B77B2311-1626-4E05-A8FF-87BADECA9658}" type="datetimeFigureOut">
               <a:rPr lang="ko-KR" altLang="en-US" smtClean="0"/>
-              <a:t>2025-08-26</a:t>
+              <a:t>2025-08-28</a:t>
             </a:fld>
             <a:endParaRPr lang="ko-KR" altLang="en-US"/>
           </a:p>
@@ -673,7 +679,7 @@
           <a:p>
             <a:fld id="{B77B2311-1626-4E05-A8FF-87BADECA9658}" type="datetimeFigureOut">
               <a:rPr lang="ko-KR" altLang="en-US" smtClean="0"/>
-              <a:t>2025-08-26</a:t>
+              <a:t>2025-08-28</a:t>
             </a:fld>
             <a:endParaRPr lang="ko-KR" altLang="en-US"/>
           </a:p>
@@ -871,7 +877,7 @@
           <a:p>
             <a:fld id="{B77B2311-1626-4E05-A8FF-87BADECA9658}" type="datetimeFigureOut">
               <a:rPr lang="ko-KR" altLang="en-US" smtClean="0"/>
-              <a:t>2025-08-26</a:t>
+              <a:t>2025-08-28</a:t>
             </a:fld>
             <a:endParaRPr lang="ko-KR" altLang="en-US"/>
           </a:p>
@@ -1146,7 +1152,7 @@
           <a:p>
             <a:fld id="{B77B2311-1626-4E05-A8FF-87BADECA9658}" type="datetimeFigureOut">
               <a:rPr lang="ko-KR" altLang="en-US" smtClean="0"/>
-              <a:t>2025-08-26</a:t>
+              <a:t>2025-08-28</a:t>
             </a:fld>
             <a:endParaRPr lang="ko-KR" altLang="en-US"/>
           </a:p>
@@ -1411,7 +1417,7 @@
           <a:p>
             <a:fld id="{B77B2311-1626-4E05-A8FF-87BADECA9658}" type="datetimeFigureOut">
               <a:rPr lang="ko-KR" altLang="en-US" smtClean="0"/>
-              <a:t>2025-08-26</a:t>
+              <a:t>2025-08-28</a:t>
             </a:fld>
             <a:endParaRPr lang="ko-KR" altLang="en-US"/>
           </a:p>
@@ -1823,7 +1829,7 @@
           <a:p>
             <a:fld id="{B77B2311-1626-4E05-A8FF-87BADECA9658}" type="datetimeFigureOut">
               <a:rPr lang="ko-KR" altLang="en-US" smtClean="0"/>
-              <a:t>2025-08-26</a:t>
+              <a:t>2025-08-28</a:t>
             </a:fld>
             <a:endParaRPr lang="ko-KR" altLang="en-US"/>
           </a:p>
@@ -1964,7 +1970,7 @@
           <a:p>
             <a:fld id="{B77B2311-1626-4E05-A8FF-87BADECA9658}" type="datetimeFigureOut">
               <a:rPr lang="ko-KR" altLang="en-US" smtClean="0"/>
-              <a:t>2025-08-26</a:t>
+              <a:t>2025-08-28</a:t>
             </a:fld>
             <a:endParaRPr lang="ko-KR" altLang="en-US"/>
           </a:p>
@@ -2077,7 +2083,7 @@
           <a:p>
             <a:fld id="{B77B2311-1626-4E05-A8FF-87BADECA9658}" type="datetimeFigureOut">
               <a:rPr lang="ko-KR" altLang="en-US" smtClean="0"/>
-              <a:t>2025-08-26</a:t>
+              <a:t>2025-08-28</a:t>
             </a:fld>
             <a:endParaRPr lang="ko-KR" altLang="en-US"/>
           </a:p>
@@ -2388,7 +2394,7 @@
           <a:p>
             <a:fld id="{B77B2311-1626-4E05-A8FF-87BADECA9658}" type="datetimeFigureOut">
               <a:rPr lang="ko-KR" altLang="en-US" smtClean="0"/>
-              <a:t>2025-08-26</a:t>
+              <a:t>2025-08-28</a:t>
             </a:fld>
             <a:endParaRPr lang="ko-KR" altLang="en-US"/>
           </a:p>
@@ -2676,7 +2682,7 @@
           <a:p>
             <a:fld id="{B77B2311-1626-4E05-A8FF-87BADECA9658}" type="datetimeFigureOut">
               <a:rPr lang="ko-KR" altLang="en-US" smtClean="0"/>
-              <a:t>2025-08-26</a:t>
+              <a:t>2025-08-28</a:t>
             </a:fld>
             <a:endParaRPr lang="ko-KR" altLang="en-US"/>
           </a:p>
@@ -2917,7 +2923,7 @@
           <a:p>
             <a:fld id="{B77B2311-1626-4E05-A8FF-87BADECA9658}" type="datetimeFigureOut">
               <a:rPr lang="ko-KR" altLang="en-US" smtClean="0"/>
-              <a:t>2025-08-26</a:t>
+              <a:t>2025-08-28</a:t>
             </a:fld>
             <a:endParaRPr lang="ko-KR" altLang="en-US"/>
           </a:p>
@@ -3392,6 +3398,500 @@
     <p:extLst>
       <p:ext uri="{BB962C8B-B14F-4D97-AF65-F5344CB8AC3E}">
         <p14:creationId xmlns:p14="http://schemas.microsoft.com/office/powerpoint/2010/main" val="4065836048"/>
+      </p:ext>
+    </p:extLst>
+  </p:cSld>
+  <p:clrMapOvr>
+    <a:masterClrMapping/>
+  </p:clrMapOvr>
+</p:sld>
+</file>
+
+<file path=ppt/slides/slide10.xml><?xml version="1.0" encoding="utf-8"?>
+<p:sld xmlns:a="http://schemas.openxmlformats.org/drawingml/2006/main" xmlns:r="http://schemas.openxmlformats.org/officeDocument/2006/relationships" xmlns:p="http://schemas.openxmlformats.org/presentationml/2006/main">
+  <p:cSld>
+    <p:spTree>
+      <p:nvGrpSpPr>
+        <p:cNvPr id="1" name="">
+          <a:extLst>
+            <a:ext uri="{FF2B5EF4-FFF2-40B4-BE49-F238E27FC236}">
+              <a16:creationId xmlns:a16="http://schemas.microsoft.com/office/drawing/2014/main" id="{1E84A521-B315-9DBD-2FFF-F1E391E406F4}"/>
+            </a:ext>
+          </a:extLst>
+        </p:cNvPr>
+        <p:cNvGrpSpPr/>
+        <p:nvPr/>
+      </p:nvGrpSpPr>
+      <p:grpSpPr>
+        <a:xfrm>
+          <a:off x="0" y="0"/>
+          <a:ext cx="0" cy="0"/>
+          <a:chOff x="0" y="0"/>
+          <a:chExt cx="0" cy="0"/>
+        </a:xfrm>
+      </p:grpSpPr>
+      <p:pic>
+        <p:nvPicPr>
+          <p:cNvPr id="4" name="그림 3">
+            <a:extLst>
+              <a:ext uri="{FF2B5EF4-FFF2-40B4-BE49-F238E27FC236}">
+                <a16:creationId xmlns:a16="http://schemas.microsoft.com/office/drawing/2014/main" id="{6905D601-504E-1F72-B179-7950A80D0EC8}"/>
+              </a:ext>
+            </a:extLst>
+          </p:cNvPr>
+          <p:cNvPicPr>
+            <a:picLocks noChangeAspect="1"/>
+          </p:cNvPicPr>
+          <p:nvPr/>
+        </p:nvPicPr>
+        <p:blipFill>
+          <a:blip r:embed="rId2"/>
+          <a:stretch>
+            <a:fillRect/>
+          </a:stretch>
+        </p:blipFill>
+        <p:spPr>
+          <a:xfrm>
+            <a:off x="1453243" y="447968"/>
+            <a:ext cx="9764486" cy="5962064"/>
+          </a:xfrm>
+          <a:prstGeom prst="rect">
+            <a:avLst/>
+          </a:prstGeom>
+        </p:spPr>
+      </p:pic>
+    </p:spTree>
+    <p:extLst>
+      <p:ext uri="{BB962C8B-B14F-4D97-AF65-F5344CB8AC3E}">
+        <p14:creationId xmlns:p14="http://schemas.microsoft.com/office/powerpoint/2010/main" val="1353632317"/>
+      </p:ext>
+    </p:extLst>
+  </p:cSld>
+  <p:clrMapOvr>
+    <a:masterClrMapping/>
+  </p:clrMapOvr>
+</p:sld>
+</file>
+
+<file path=ppt/slides/slide11.xml><?xml version="1.0" encoding="utf-8"?>
+<p:sld xmlns:a="http://schemas.openxmlformats.org/drawingml/2006/main" xmlns:r="http://schemas.openxmlformats.org/officeDocument/2006/relationships" xmlns:p="http://schemas.openxmlformats.org/presentationml/2006/main">
+  <p:cSld>
+    <p:spTree>
+      <p:nvGrpSpPr>
+        <p:cNvPr id="1" name="">
+          <a:extLst>
+            <a:ext uri="{FF2B5EF4-FFF2-40B4-BE49-F238E27FC236}">
+              <a16:creationId xmlns:a16="http://schemas.microsoft.com/office/drawing/2014/main" id="{E741BFB4-AF1E-8726-756C-8EC8ED062B6D}"/>
+            </a:ext>
+          </a:extLst>
+        </p:cNvPr>
+        <p:cNvGrpSpPr/>
+        <p:nvPr/>
+      </p:nvGrpSpPr>
+      <p:grpSpPr>
+        <a:xfrm>
+          <a:off x="0" y="0"/>
+          <a:ext cx="0" cy="0"/>
+          <a:chOff x="0" y="0"/>
+          <a:chExt cx="0" cy="0"/>
+        </a:xfrm>
+      </p:grpSpPr>
+      <p:pic>
+        <p:nvPicPr>
+          <p:cNvPr id="3" name="그림 2">
+            <a:extLst>
+              <a:ext uri="{FF2B5EF4-FFF2-40B4-BE49-F238E27FC236}">
+                <a16:creationId xmlns:a16="http://schemas.microsoft.com/office/drawing/2014/main" id="{A53F07CC-2133-3062-7CE9-5400AE2E422C}"/>
+              </a:ext>
+            </a:extLst>
+          </p:cNvPr>
+          <p:cNvPicPr>
+            <a:picLocks noChangeAspect="1"/>
+          </p:cNvPicPr>
+          <p:nvPr/>
+        </p:nvPicPr>
+        <p:blipFill>
+          <a:blip r:embed="rId2"/>
+          <a:stretch>
+            <a:fillRect/>
+          </a:stretch>
+        </p:blipFill>
+        <p:spPr>
+          <a:xfrm>
+            <a:off x="2242457" y="558530"/>
+            <a:ext cx="7935686" cy="5243555"/>
+          </a:xfrm>
+          <a:prstGeom prst="rect">
+            <a:avLst/>
+          </a:prstGeom>
+        </p:spPr>
+      </p:pic>
+    </p:spTree>
+    <p:extLst>
+      <p:ext uri="{BB962C8B-B14F-4D97-AF65-F5344CB8AC3E}">
+        <p14:creationId xmlns:p14="http://schemas.microsoft.com/office/powerpoint/2010/main" val="2164944670"/>
+      </p:ext>
+    </p:extLst>
+  </p:cSld>
+  <p:clrMapOvr>
+    <a:masterClrMapping/>
+  </p:clrMapOvr>
+</p:sld>
+</file>
+
+<file path=ppt/slides/slide12.xml><?xml version="1.0" encoding="utf-8"?>
+<p:sld xmlns:a="http://schemas.openxmlformats.org/drawingml/2006/main" xmlns:r="http://schemas.openxmlformats.org/officeDocument/2006/relationships" xmlns:p="http://schemas.openxmlformats.org/presentationml/2006/main">
+  <p:cSld>
+    <p:spTree>
+      <p:nvGrpSpPr>
+        <p:cNvPr id="1" name="">
+          <a:extLst>
+            <a:ext uri="{FF2B5EF4-FFF2-40B4-BE49-F238E27FC236}">
+              <a16:creationId xmlns:a16="http://schemas.microsoft.com/office/drawing/2014/main" id="{9C568FB9-A69E-BF90-8D5E-11509A965088}"/>
+            </a:ext>
+          </a:extLst>
+        </p:cNvPr>
+        <p:cNvGrpSpPr/>
+        <p:nvPr/>
+      </p:nvGrpSpPr>
+      <p:grpSpPr>
+        <a:xfrm>
+          <a:off x="0" y="0"/>
+          <a:ext cx="0" cy="0"/>
+          <a:chOff x="0" y="0"/>
+          <a:chExt cx="0" cy="0"/>
+        </a:xfrm>
+      </p:grpSpPr>
+      <p:pic>
+        <p:nvPicPr>
+          <p:cNvPr id="3" name="그림 2">
+            <a:extLst>
+              <a:ext uri="{FF2B5EF4-FFF2-40B4-BE49-F238E27FC236}">
+                <a16:creationId xmlns:a16="http://schemas.microsoft.com/office/drawing/2014/main" id="{5B9FA572-15DF-1748-3176-0DB307417410}"/>
+              </a:ext>
+            </a:extLst>
+          </p:cNvPr>
+          <p:cNvPicPr>
+            <a:picLocks noChangeAspect="1"/>
+          </p:cNvPicPr>
+          <p:nvPr/>
+        </p:nvPicPr>
+        <p:blipFill>
+          <a:blip r:embed="rId2"/>
+          <a:stretch>
+            <a:fillRect/>
+          </a:stretch>
+        </p:blipFill>
+        <p:spPr>
+          <a:xfrm>
+            <a:off x="382878" y="-278604"/>
+            <a:ext cx="10054645" cy="4295433"/>
+          </a:xfrm>
+          <a:prstGeom prst="rect">
+            <a:avLst/>
+          </a:prstGeom>
+        </p:spPr>
+      </p:pic>
+      <p:pic>
+        <p:nvPicPr>
+          <p:cNvPr id="5" name="그림 4">
+            <a:extLst>
+              <a:ext uri="{FF2B5EF4-FFF2-40B4-BE49-F238E27FC236}">
+                <a16:creationId xmlns:a16="http://schemas.microsoft.com/office/drawing/2014/main" id="{059BF612-ACB7-DF73-2ADC-24C2925FB6E7}"/>
+              </a:ext>
+            </a:extLst>
+          </p:cNvPr>
+          <p:cNvPicPr>
+            <a:picLocks noChangeAspect="1"/>
+          </p:cNvPicPr>
+          <p:nvPr/>
+        </p:nvPicPr>
+        <p:blipFill>
+          <a:blip r:embed="rId3"/>
+          <a:stretch>
+            <a:fillRect/>
+          </a:stretch>
+        </p:blipFill>
+        <p:spPr>
+          <a:xfrm>
+            <a:off x="1268866" y="4902996"/>
+            <a:ext cx="6105525" cy="927326"/>
+          </a:xfrm>
+          <a:prstGeom prst="rect">
+            <a:avLst/>
+          </a:prstGeom>
+        </p:spPr>
+      </p:pic>
+    </p:spTree>
+    <p:extLst>
+      <p:ext uri="{BB962C8B-B14F-4D97-AF65-F5344CB8AC3E}">
+        <p14:creationId xmlns:p14="http://schemas.microsoft.com/office/powerpoint/2010/main" val="1569130227"/>
+      </p:ext>
+    </p:extLst>
+  </p:cSld>
+  <p:clrMapOvr>
+    <a:masterClrMapping/>
+  </p:clrMapOvr>
+</p:sld>
+</file>
+
+<file path=ppt/slides/slide13.xml><?xml version="1.0" encoding="utf-8"?>
+<p:sld xmlns:a="http://schemas.openxmlformats.org/drawingml/2006/main" xmlns:r="http://schemas.openxmlformats.org/officeDocument/2006/relationships" xmlns:p="http://schemas.openxmlformats.org/presentationml/2006/main">
+  <p:cSld>
+    <p:spTree>
+      <p:nvGrpSpPr>
+        <p:cNvPr id="1" name="">
+          <a:extLst>
+            <a:ext uri="{FF2B5EF4-FFF2-40B4-BE49-F238E27FC236}">
+              <a16:creationId xmlns:a16="http://schemas.microsoft.com/office/drawing/2014/main" id="{FCC6B2AC-B202-8B3D-99B1-2C2AAE1EA10B}"/>
+            </a:ext>
+          </a:extLst>
+        </p:cNvPr>
+        <p:cNvGrpSpPr/>
+        <p:nvPr/>
+      </p:nvGrpSpPr>
+      <p:grpSpPr>
+        <a:xfrm>
+          <a:off x="0" y="0"/>
+          <a:ext cx="0" cy="0"/>
+          <a:chOff x="0" y="0"/>
+          <a:chExt cx="0" cy="0"/>
+        </a:xfrm>
+      </p:grpSpPr>
+      <p:pic>
+        <p:nvPicPr>
+          <p:cNvPr id="3" name="그림 2">
+            <a:extLst>
+              <a:ext uri="{FF2B5EF4-FFF2-40B4-BE49-F238E27FC236}">
+                <a16:creationId xmlns:a16="http://schemas.microsoft.com/office/drawing/2014/main" id="{ACD02F9F-44CD-DA31-9DD2-C57265886B60}"/>
+              </a:ext>
+            </a:extLst>
+          </p:cNvPr>
+          <p:cNvPicPr>
+            <a:picLocks noChangeAspect="1"/>
+          </p:cNvPicPr>
+          <p:nvPr/>
+        </p:nvPicPr>
+        <p:blipFill>
+          <a:blip r:embed="rId2"/>
+          <a:stretch>
+            <a:fillRect/>
+          </a:stretch>
+        </p:blipFill>
+        <p:spPr>
+          <a:xfrm>
+            <a:off x="1529057" y="293914"/>
+            <a:ext cx="9133885" cy="5823857"/>
+          </a:xfrm>
+          <a:prstGeom prst="rect">
+            <a:avLst/>
+          </a:prstGeom>
+        </p:spPr>
+      </p:pic>
+    </p:spTree>
+    <p:extLst>
+      <p:ext uri="{BB962C8B-B14F-4D97-AF65-F5344CB8AC3E}">
+        <p14:creationId xmlns:p14="http://schemas.microsoft.com/office/powerpoint/2010/main" val="2941593137"/>
+      </p:ext>
+    </p:extLst>
+  </p:cSld>
+  <p:clrMapOvr>
+    <a:masterClrMapping/>
+  </p:clrMapOvr>
+</p:sld>
+</file>
+
+<file path=ppt/slides/slide14.xml><?xml version="1.0" encoding="utf-8"?>
+<p:sld xmlns:a="http://schemas.openxmlformats.org/drawingml/2006/main" xmlns:r="http://schemas.openxmlformats.org/officeDocument/2006/relationships" xmlns:p="http://schemas.openxmlformats.org/presentationml/2006/main">
+  <p:cSld>
+    <p:spTree>
+      <p:nvGrpSpPr>
+        <p:cNvPr id="1" name="">
+          <a:extLst>
+            <a:ext uri="{FF2B5EF4-FFF2-40B4-BE49-F238E27FC236}">
+              <a16:creationId xmlns:a16="http://schemas.microsoft.com/office/drawing/2014/main" id="{D47EF3A6-3297-4FC3-AB50-F9373221ADCE}"/>
+            </a:ext>
+          </a:extLst>
+        </p:cNvPr>
+        <p:cNvGrpSpPr/>
+        <p:nvPr/>
+      </p:nvGrpSpPr>
+      <p:grpSpPr>
+        <a:xfrm>
+          <a:off x="0" y="0"/>
+          <a:ext cx="0" cy="0"/>
+          <a:chOff x="0" y="0"/>
+          <a:chExt cx="0" cy="0"/>
+        </a:xfrm>
+      </p:grpSpPr>
+      <p:pic>
+        <p:nvPicPr>
+          <p:cNvPr id="3" name="그림 2">
+            <a:extLst>
+              <a:ext uri="{FF2B5EF4-FFF2-40B4-BE49-F238E27FC236}">
+                <a16:creationId xmlns:a16="http://schemas.microsoft.com/office/drawing/2014/main" id="{B9530BC6-DF81-5355-889F-D718A7C96C45}"/>
+              </a:ext>
+            </a:extLst>
+          </p:cNvPr>
+          <p:cNvPicPr>
+            <a:picLocks noChangeAspect="1"/>
+          </p:cNvPicPr>
+          <p:nvPr/>
+        </p:nvPicPr>
+        <p:blipFill>
+          <a:blip r:embed="rId2"/>
+          <a:stretch>
+            <a:fillRect/>
+          </a:stretch>
+        </p:blipFill>
+        <p:spPr>
+          <a:xfrm>
+            <a:off x="400730" y="672192"/>
+            <a:ext cx="4955041" cy="4912179"/>
+          </a:xfrm>
+          <a:prstGeom prst="rect">
+            <a:avLst/>
+          </a:prstGeom>
+        </p:spPr>
+      </p:pic>
+      <p:pic>
+        <p:nvPicPr>
+          <p:cNvPr id="5" name="그림 4">
+            <a:extLst>
+              <a:ext uri="{FF2B5EF4-FFF2-40B4-BE49-F238E27FC236}">
+                <a16:creationId xmlns:a16="http://schemas.microsoft.com/office/drawing/2014/main" id="{9D4F287D-171A-2822-42AF-4AF564868B32}"/>
+              </a:ext>
+            </a:extLst>
+          </p:cNvPr>
+          <p:cNvPicPr>
+            <a:picLocks noChangeAspect="1"/>
+          </p:cNvPicPr>
+          <p:nvPr/>
+        </p:nvPicPr>
+        <p:blipFill>
+          <a:blip r:embed="rId3"/>
+          <a:stretch>
+            <a:fillRect/>
+          </a:stretch>
+        </p:blipFill>
+        <p:spPr>
+          <a:xfrm>
+            <a:off x="6664027" y="530678"/>
+            <a:ext cx="4809518" cy="5796643"/>
+          </a:xfrm>
+          <a:prstGeom prst="rect">
+            <a:avLst/>
+          </a:prstGeom>
+        </p:spPr>
+      </p:pic>
+      <p:sp>
+        <p:nvSpPr>
+          <p:cNvPr id="6" name="TextBox 5">
+            <a:extLst>
+              <a:ext uri="{FF2B5EF4-FFF2-40B4-BE49-F238E27FC236}">
+                <a16:creationId xmlns:a16="http://schemas.microsoft.com/office/drawing/2014/main" id="{1BDC36D0-08E4-59D5-EEE0-4FC429C89491}"/>
+              </a:ext>
+            </a:extLst>
+          </p:cNvPr>
+          <p:cNvSpPr txBox="1"/>
+          <p:nvPr/>
+        </p:nvSpPr>
+        <p:spPr>
+          <a:xfrm>
+            <a:off x="2087293" y="6251121"/>
+            <a:ext cx="9153468" cy="369332"/>
+          </a:xfrm>
+          <a:prstGeom prst="rect">
+            <a:avLst/>
+          </a:prstGeom>
+          <a:noFill/>
+        </p:spPr>
+        <p:txBody>
+          <a:bodyPr wrap="none" rtlCol="0">
+            <a:spAutoFit/>
+          </a:bodyPr>
+          <a:lstStyle/>
+          <a:p>
+            <a:r>
+              <a:rPr lang="ko-KR" altLang="en-US" dirty="0"/>
+              <a:t>현상태에서 생성</a:t>
+            </a:r>
+            <a:r>
+              <a:rPr lang="en-US" altLang="ko-KR" dirty="0"/>
+              <a:t>, </a:t>
+            </a:r>
+            <a:r>
+              <a:rPr lang="ko-KR" altLang="en-US" dirty="0"/>
+              <a:t>수정</a:t>
+            </a:r>
+            <a:r>
+              <a:rPr lang="en-US" altLang="ko-KR" dirty="0"/>
+              <a:t>, </a:t>
+            </a:r>
+            <a:r>
+              <a:rPr lang="ko-KR" altLang="en-US" dirty="0"/>
+              <a:t>삭제 모두가능 업데이트 체크버튼 불필요</a:t>
+            </a:r>
+            <a:r>
+              <a:rPr lang="en-US" altLang="ko-KR" dirty="0"/>
+              <a:t>, </a:t>
+            </a:r>
+            <a:r>
+              <a:rPr lang="ko-KR" altLang="en-US" dirty="0" err="1"/>
+              <a:t>저장후</a:t>
+            </a:r>
+            <a:r>
+              <a:rPr lang="ko-KR" altLang="en-US" dirty="0"/>
+              <a:t> </a:t>
+            </a:r>
+            <a:r>
+              <a:rPr lang="ko-KR" altLang="en-US" dirty="0" err="1"/>
+              <a:t>일괄업데이트</a:t>
+            </a:r>
+            <a:endParaRPr lang="ko-KR" altLang="en-US" dirty="0"/>
+          </a:p>
+        </p:txBody>
+      </p:sp>
+    </p:spTree>
+    <p:extLst>
+      <p:ext uri="{BB962C8B-B14F-4D97-AF65-F5344CB8AC3E}">
+        <p14:creationId xmlns:p14="http://schemas.microsoft.com/office/powerpoint/2010/main" val="658728544"/>
+      </p:ext>
+    </p:extLst>
+  </p:cSld>
+  <p:clrMapOvr>
+    <a:masterClrMapping/>
+  </p:clrMapOvr>
+</p:sld>
+</file>
+
+<file path=ppt/slides/slide15.xml><?xml version="1.0" encoding="utf-8"?>
+<p:sld xmlns:a="http://schemas.openxmlformats.org/drawingml/2006/main" xmlns:r="http://schemas.openxmlformats.org/officeDocument/2006/relationships" xmlns:p="http://schemas.openxmlformats.org/presentationml/2006/main">
+  <p:cSld>
+    <p:spTree>
+      <p:nvGrpSpPr>
+        <p:cNvPr id="1" name="">
+          <a:extLst>
+            <a:ext uri="{FF2B5EF4-FFF2-40B4-BE49-F238E27FC236}">
+              <a16:creationId xmlns:a16="http://schemas.microsoft.com/office/drawing/2014/main" id="{C83991BC-2DCA-EF36-EAD0-E546359DE12A}"/>
+            </a:ext>
+          </a:extLst>
+        </p:cNvPr>
+        <p:cNvGrpSpPr/>
+        <p:nvPr/>
+      </p:nvGrpSpPr>
+      <p:grpSpPr>
+        <a:xfrm>
+          <a:off x="0" y="0"/>
+          <a:ext cx="0" cy="0"/>
+          <a:chOff x="0" y="0"/>
+          <a:chExt cx="0" cy="0"/>
+        </a:xfrm>
+      </p:grpSpPr>
+    </p:spTree>
+    <p:extLst>
+      <p:ext uri="{BB962C8B-B14F-4D97-AF65-F5344CB8AC3E}">
+        <p14:creationId xmlns:p14="http://schemas.microsoft.com/office/powerpoint/2010/main" val="1744166397"/>
       </p:ext>
     </p:extLst>
   </p:cSld>

--- a/docs/ACIU S3 UI_V1.0.pptx
+++ b/docs/ACIU S3 UI_V1.0.pptx
@@ -11,6 +11,15 @@
     <p:sldId id="297" r:id="rId5"/>
     <p:sldId id="298" r:id="rId6"/>
     <p:sldId id="299" r:id="rId7"/>
+    <p:sldId id="300" r:id="rId8"/>
+    <p:sldId id="301" r:id="rId9"/>
+    <p:sldId id="302" r:id="rId10"/>
+    <p:sldId id="303" r:id="rId11"/>
+    <p:sldId id="304" r:id="rId12"/>
+    <p:sldId id="305" r:id="rId13"/>
+    <p:sldId id="306" r:id="rId14"/>
+    <p:sldId id="307" r:id="rId15"/>
+    <p:sldId id="308" r:id="rId16"/>
   </p:sldIdLst>
   <p:sldSz cx="12192000" cy="6858000"/>
   <p:notesSz cx="6858000" cy="9144000"/>
@@ -264,7 +273,7 @@
           <a:p>
             <a:fld id="{B77B2311-1626-4E05-A8FF-87BADECA9658}" type="datetimeFigureOut">
               <a:rPr lang="ko-KR" altLang="en-US" smtClean="0"/>
-              <a:t>2025-08-25</a:t>
+              <a:t>2025-08-28</a:t>
             </a:fld>
             <a:endParaRPr lang="ko-KR" altLang="en-US"/>
           </a:p>
@@ -462,7 +471,7 @@
           <a:p>
             <a:fld id="{B77B2311-1626-4E05-A8FF-87BADECA9658}" type="datetimeFigureOut">
               <a:rPr lang="ko-KR" altLang="en-US" smtClean="0"/>
-              <a:t>2025-08-25</a:t>
+              <a:t>2025-08-28</a:t>
             </a:fld>
             <a:endParaRPr lang="ko-KR" altLang="en-US"/>
           </a:p>
@@ -670,7 +679,7 @@
           <a:p>
             <a:fld id="{B77B2311-1626-4E05-A8FF-87BADECA9658}" type="datetimeFigureOut">
               <a:rPr lang="ko-KR" altLang="en-US" smtClean="0"/>
-              <a:t>2025-08-25</a:t>
+              <a:t>2025-08-28</a:t>
             </a:fld>
             <a:endParaRPr lang="ko-KR" altLang="en-US"/>
           </a:p>
@@ -868,7 +877,7 @@
           <a:p>
             <a:fld id="{B77B2311-1626-4E05-A8FF-87BADECA9658}" type="datetimeFigureOut">
               <a:rPr lang="ko-KR" altLang="en-US" smtClean="0"/>
-              <a:t>2025-08-25</a:t>
+              <a:t>2025-08-28</a:t>
             </a:fld>
             <a:endParaRPr lang="ko-KR" altLang="en-US"/>
           </a:p>
@@ -1143,7 +1152,7 @@
           <a:p>
             <a:fld id="{B77B2311-1626-4E05-A8FF-87BADECA9658}" type="datetimeFigureOut">
               <a:rPr lang="ko-KR" altLang="en-US" smtClean="0"/>
-              <a:t>2025-08-25</a:t>
+              <a:t>2025-08-28</a:t>
             </a:fld>
             <a:endParaRPr lang="ko-KR" altLang="en-US"/>
           </a:p>
@@ -1408,7 +1417,7 @@
           <a:p>
             <a:fld id="{B77B2311-1626-4E05-A8FF-87BADECA9658}" type="datetimeFigureOut">
               <a:rPr lang="ko-KR" altLang="en-US" smtClean="0"/>
-              <a:t>2025-08-25</a:t>
+              <a:t>2025-08-28</a:t>
             </a:fld>
             <a:endParaRPr lang="ko-KR" altLang="en-US"/>
           </a:p>
@@ -1820,7 +1829,7 @@
           <a:p>
             <a:fld id="{B77B2311-1626-4E05-A8FF-87BADECA9658}" type="datetimeFigureOut">
               <a:rPr lang="ko-KR" altLang="en-US" smtClean="0"/>
-              <a:t>2025-08-25</a:t>
+              <a:t>2025-08-28</a:t>
             </a:fld>
             <a:endParaRPr lang="ko-KR" altLang="en-US"/>
           </a:p>
@@ -1961,7 +1970,7 @@
           <a:p>
             <a:fld id="{B77B2311-1626-4E05-A8FF-87BADECA9658}" type="datetimeFigureOut">
               <a:rPr lang="ko-KR" altLang="en-US" smtClean="0"/>
-              <a:t>2025-08-25</a:t>
+              <a:t>2025-08-28</a:t>
             </a:fld>
             <a:endParaRPr lang="ko-KR" altLang="en-US"/>
           </a:p>
@@ -2074,7 +2083,7 @@
           <a:p>
             <a:fld id="{B77B2311-1626-4E05-A8FF-87BADECA9658}" type="datetimeFigureOut">
               <a:rPr lang="ko-KR" altLang="en-US" smtClean="0"/>
-              <a:t>2025-08-25</a:t>
+              <a:t>2025-08-28</a:t>
             </a:fld>
             <a:endParaRPr lang="ko-KR" altLang="en-US"/>
           </a:p>
@@ -2385,7 +2394,7 @@
           <a:p>
             <a:fld id="{B77B2311-1626-4E05-A8FF-87BADECA9658}" type="datetimeFigureOut">
               <a:rPr lang="ko-KR" altLang="en-US" smtClean="0"/>
-              <a:t>2025-08-25</a:t>
+              <a:t>2025-08-28</a:t>
             </a:fld>
             <a:endParaRPr lang="ko-KR" altLang="en-US"/>
           </a:p>
@@ -2673,7 +2682,7 @@
           <a:p>
             <a:fld id="{B77B2311-1626-4E05-A8FF-87BADECA9658}" type="datetimeFigureOut">
               <a:rPr lang="ko-KR" altLang="en-US" smtClean="0"/>
-              <a:t>2025-08-25</a:t>
+              <a:t>2025-08-28</a:t>
             </a:fld>
             <a:endParaRPr lang="ko-KR" altLang="en-US"/>
           </a:p>
@@ -2914,7 +2923,7 @@
           <a:p>
             <a:fld id="{B77B2311-1626-4E05-A8FF-87BADECA9658}" type="datetimeFigureOut">
               <a:rPr lang="ko-KR" altLang="en-US" smtClean="0"/>
-              <a:t>2025-08-25</a:t>
+              <a:t>2025-08-28</a:t>
             </a:fld>
             <a:endParaRPr lang="ko-KR" altLang="en-US"/>
           </a:p>
@@ -3398,6 +3407,500 @@
 </p:sld>
 </file>
 
+<file path=ppt/slides/slide10.xml><?xml version="1.0" encoding="utf-8"?>
+<p:sld xmlns:a="http://schemas.openxmlformats.org/drawingml/2006/main" xmlns:r="http://schemas.openxmlformats.org/officeDocument/2006/relationships" xmlns:p="http://schemas.openxmlformats.org/presentationml/2006/main">
+  <p:cSld>
+    <p:spTree>
+      <p:nvGrpSpPr>
+        <p:cNvPr id="1" name="">
+          <a:extLst>
+            <a:ext uri="{FF2B5EF4-FFF2-40B4-BE49-F238E27FC236}">
+              <a16:creationId xmlns:a16="http://schemas.microsoft.com/office/drawing/2014/main" id="{1E84A521-B315-9DBD-2FFF-F1E391E406F4}"/>
+            </a:ext>
+          </a:extLst>
+        </p:cNvPr>
+        <p:cNvGrpSpPr/>
+        <p:nvPr/>
+      </p:nvGrpSpPr>
+      <p:grpSpPr>
+        <a:xfrm>
+          <a:off x="0" y="0"/>
+          <a:ext cx="0" cy="0"/>
+          <a:chOff x="0" y="0"/>
+          <a:chExt cx="0" cy="0"/>
+        </a:xfrm>
+      </p:grpSpPr>
+      <p:pic>
+        <p:nvPicPr>
+          <p:cNvPr id="4" name="그림 3">
+            <a:extLst>
+              <a:ext uri="{FF2B5EF4-FFF2-40B4-BE49-F238E27FC236}">
+                <a16:creationId xmlns:a16="http://schemas.microsoft.com/office/drawing/2014/main" id="{6905D601-504E-1F72-B179-7950A80D0EC8}"/>
+              </a:ext>
+            </a:extLst>
+          </p:cNvPr>
+          <p:cNvPicPr>
+            <a:picLocks noChangeAspect="1"/>
+          </p:cNvPicPr>
+          <p:nvPr/>
+        </p:nvPicPr>
+        <p:blipFill>
+          <a:blip r:embed="rId2"/>
+          <a:stretch>
+            <a:fillRect/>
+          </a:stretch>
+        </p:blipFill>
+        <p:spPr>
+          <a:xfrm>
+            <a:off x="1453243" y="447968"/>
+            <a:ext cx="9764486" cy="5962064"/>
+          </a:xfrm>
+          <a:prstGeom prst="rect">
+            <a:avLst/>
+          </a:prstGeom>
+        </p:spPr>
+      </p:pic>
+    </p:spTree>
+    <p:extLst>
+      <p:ext uri="{BB962C8B-B14F-4D97-AF65-F5344CB8AC3E}">
+        <p14:creationId xmlns:p14="http://schemas.microsoft.com/office/powerpoint/2010/main" val="1353632317"/>
+      </p:ext>
+    </p:extLst>
+  </p:cSld>
+  <p:clrMapOvr>
+    <a:masterClrMapping/>
+  </p:clrMapOvr>
+</p:sld>
+</file>
+
+<file path=ppt/slides/slide11.xml><?xml version="1.0" encoding="utf-8"?>
+<p:sld xmlns:a="http://schemas.openxmlformats.org/drawingml/2006/main" xmlns:r="http://schemas.openxmlformats.org/officeDocument/2006/relationships" xmlns:p="http://schemas.openxmlformats.org/presentationml/2006/main">
+  <p:cSld>
+    <p:spTree>
+      <p:nvGrpSpPr>
+        <p:cNvPr id="1" name="">
+          <a:extLst>
+            <a:ext uri="{FF2B5EF4-FFF2-40B4-BE49-F238E27FC236}">
+              <a16:creationId xmlns:a16="http://schemas.microsoft.com/office/drawing/2014/main" id="{E741BFB4-AF1E-8726-756C-8EC8ED062B6D}"/>
+            </a:ext>
+          </a:extLst>
+        </p:cNvPr>
+        <p:cNvGrpSpPr/>
+        <p:nvPr/>
+      </p:nvGrpSpPr>
+      <p:grpSpPr>
+        <a:xfrm>
+          <a:off x="0" y="0"/>
+          <a:ext cx="0" cy="0"/>
+          <a:chOff x="0" y="0"/>
+          <a:chExt cx="0" cy="0"/>
+        </a:xfrm>
+      </p:grpSpPr>
+      <p:pic>
+        <p:nvPicPr>
+          <p:cNvPr id="3" name="그림 2">
+            <a:extLst>
+              <a:ext uri="{FF2B5EF4-FFF2-40B4-BE49-F238E27FC236}">
+                <a16:creationId xmlns:a16="http://schemas.microsoft.com/office/drawing/2014/main" id="{A53F07CC-2133-3062-7CE9-5400AE2E422C}"/>
+              </a:ext>
+            </a:extLst>
+          </p:cNvPr>
+          <p:cNvPicPr>
+            <a:picLocks noChangeAspect="1"/>
+          </p:cNvPicPr>
+          <p:nvPr/>
+        </p:nvPicPr>
+        <p:blipFill>
+          <a:blip r:embed="rId2"/>
+          <a:stretch>
+            <a:fillRect/>
+          </a:stretch>
+        </p:blipFill>
+        <p:spPr>
+          <a:xfrm>
+            <a:off x="2242457" y="558530"/>
+            <a:ext cx="7935686" cy="5243555"/>
+          </a:xfrm>
+          <a:prstGeom prst="rect">
+            <a:avLst/>
+          </a:prstGeom>
+        </p:spPr>
+      </p:pic>
+    </p:spTree>
+    <p:extLst>
+      <p:ext uri="{BB962C8B-B14F-4D97-AF65-F5344CB8AC3E}">
+        <p14:creationId xmlns:p14="http://schemas.microsoft.com/office/powerpoint/2010/main" val="2164944670"/>
+      </p:ext>
+    </p:extLst>
+  </p:cSld>
+  <p:clrMapOvr>
+    <a:masterClrMapping/>
+  </p:clrMapOvr>
+</p:sld>
+</file>
+
+<file path=ppt/slides/slide12.xml><?xml version="1.0" encoding="utf-8"?>
+<p:sld xmlns:a="http://schemas.openxmlformats.org/drawingml/2006/main" xmlns:r="http://schemas.openxmlformats.org/officeDocument/2006/relationships" xmlns:p="http://schemas.openxmlformats.org/presentationml/2006/main">
+  <p:cSld>
+    <p:spTree>
+      <p:nvGrpSpPr>
+        <p:cNvPr id="1" name="">
+          <a:extLst>
+            <a:ext uri="{FF2B5EF4-FFF2-40B4-BE49-F238E27FC236}">
+              <a16:creationId xmlns:a16="http://schemas.microsoft.com/office/drawing/2014/main" id="{9C568FB9-A69E-BF90-8D5E-11509A965088}"/>
+            </a:ext>
+          </a:extLst>
+        </p:cNvPr>
+        <p:cNvGrpSpPr/>
+        <p:nvPr/>
+      </p:nvGrpSpPr>
+      <p:grpSpPr>
+        <a:xfrm>
+          <a:off x="0" y="0"/>
+          <a:ext cx="0" cy="0"/>
+          <a:chOff x="0" y="0"/>
+          <a:chExt cx="0" cy="0"/>
+        </a:xfrm>
+      </p:grpSpPr>
+      <p:pic>
+        <p:nvPicPr>
+          <p:cNvPr id="3" name="그림 2">
+            <a:extLst>
+              <a:ext uri="{FF2B5EF4-FFF2-40B4-BE49-F238E27FC236}">
+                <a16:creationId xmlns:a16="http://schemas.microsoft.com/office/drawing/2014/main" id="{5B9FA572-15DF-1748-3176-0DB307417410}"/>
+              </a:ext>
+            </a:extLst>
+          </p:cNvPr>
+          <p:cNvPicPr>
+            <a:picLocks noChangeAspect="1"/>
+          </p:cNvPicPr>
+          <p:nvPr/>
+        </p:nvPicPr>
+        <p:blipFill>
+          <a:blip r:embed="rId2"/>
+          <a:stretch>
+            <a:fillRect/>
+          </a:stretch>
+        </p:blipFill>
+        <p:spPr>
+          <a:xfrm>
+            <a:off x="382878" y="-278604"/>
+            <a:ext cx="10054645" cy="4295433"/>
+          </a:xfrm>
+          <a:prstGeom prst="rect">
+            <a:avLst/>
+          </a:prstGeom>
+        </p:spPr>
+      </p:pic>
+      <p:pic>
+        <p:nvPicPr>
+          <p:cNvPr id="5" name="그림 4">
+            <a:extLst>
+              <a:ext uri="{FF2B5EF4-FFF2-40B4-BE49-F238E27FC236}">
+                <a16:creationId xmlns:a16="http://schemas.microsoft.com/office/drawing/2014/main" id="{059BF612-ACB7-DF73-2ADC-24C2925FB6E7}"/>
+              </a:ext>
+            </a:extLst>
+          </p:cNvPr>
+          <p:cNvPicPr>
+            <a:picLocks noChangeAspect="1"/>
+          </p:cNvPicPr>
+          <p:nvPr/>
+        </p:nvPicPr>
+        <p:blipFill>
+          <a:blip r:embed="rId3"/>
+          <a:stretch>
+            <a:fillRect/>
+          </a:stretch>
+        </p:blipFill>
+        <p:spPr>
+          <a:xfrm>
+            <a:off x="1268866" y="4902996"/>
+            <a:ext cx="6105525" cy="927326"/>
+          </a:xfrm>
+          <a:prstGeom prst="rect">
+            <a:avLst/>
+          </a:prstGeom>
+        </p:spPr>
+      </p:pic>
+    </p:spTree>
+    <p:extLst>
+      <p:ext uri="{BB962C8B-B14F-4D97-AF65-F5344CB8AC3E}">
+        <p14:creationId xmlns:p14="http://schemas.microsoft.com/office/powerpoint/2010/main" val="1569130227"/>
+      </p:ext>
+    </p:extLst>
+  </p:cSld>
+  <p:clrMapOvr>
+    <a:masterClrMapping/>
+  </p:clrMapOvr>
+</p:sld>
+</file>
+
+<file path=ppt/slides/slide13.xml><?xml version="1.0" encoding="utf-8"?>
+<p:sld xmlns:a="http://schemas.openxmlformats.org/drawingml/2006/main" xmlns:r="http://schemas.openxmlformats.org/officeDocument/2006/relationships" xmlns:p="http://schemas.openxmlformats.org/presentationml/2006/main">
+  <p:cSld>
+    <p:spTree>
+      <p:nvGrpSpPr>
+        <p:cNvPr id="1" name="">
+          <a:extLst>
+            <a:ext uri="{FF2B5EF4-FFF2-40B4-BE49-F238E27FC236}">
+              <a16:creationId xmlns:a16="http://schemas.microsoft.com/office/drawing/2014/main" id="{FCC6B2AC-B202-8B3D-99B1-2C2AAE1EA10B}"/>
+            </a:ext>
+          </a:extLst>
+        </p:cNvPr>
+        <p:cNvGrpSpPr/>
+        <p:nvPr/>
+      </p:nvGrpSpPr>
+      <p:grpSpPr>
+        <a:xfrm>
+          <a:off x="0" y="0"/>
+          <a:ext cx="0" cy="0"/>
+          <a:chOff x="0" y="0"/>
+          <a:chExt cx="0" cy="0"/>
+        </a:xfrm>
+      </p:grpSpPr>
+      <p:pic>
+        <p:nvPicPr>
+          <p:cNvPr id="3" name="그림 2">
+            <a:extLst>
+              <a:ext uri="{FF2B5EF4-FFF2-40B4-BE49-F238E27FC236}">
+                <a16:creationId xmlns:a16="http://schemas.microsoft.com/office/drawing/2014/main" id="{ACD02F9F-44CD-DA31-9DD2-C57265886B60}"/>
+              </a:ext>
+            </a:extLst>
+          </p:cNvPr>
+          <p:cNvPicPr>
+            <a:picLocks noChangeAspect="1"/>
+          </p:cNvPicPr>
+          <p:nvPr/>
+        </p:nvPicPr>
+        <p:blipFill>
+          <a:blip r:embed="rId2"/>
+          <a:stretch>
+            <a:fillRect/>
+          </a:stretch>
+        </p:blipFill>
+        <p:spPr>
+          <a:xfrm>
+            <a:off x="1529057" y="293914"/>
+            <a:ext cx="9133885" cy="5823857"/>
+          </a:xfrm>
+          <a:prstGeom prst="rect">
+            <a:avLst/>
+          </a:prstGeom>
+        </p:spPr>
+      </p:pic>
+    </p:spTree>
+    <p:extLst>
+      <p:ext uri="{BB962C8B-B14F-4D97-AF65-F5344CB8AC3E}">
+        <p14:creationId xmlns:p14="http://schemas.microsoft.com/office/powerpoint/2010/main" val="2941593137"/>
+      </p:ext>
+    </p:extLst>
+  </p:cSld>
+  <p:clrMapOvr>
+    <a:masterClrMapping/>
+  </p:clrMapOvr>
+</p:sld>
+</file>
+
+<file path=ppt/slides/slide14.xml><?xml version="1.0" encoding="utf-8"?>
+<p:sld xmlns:a="http://schemas.openxmlformats.org/drawingml/2006/main" xmlns:r="http://schemas.openxmlformats.org/officeDocument/2006/relationships" xmlns:p="http://schemas.openxmlformats.org/presentationml/2006/main">
+  <p:cSld>
+    <p:spTree>
+      <p:nvGrpSpPr>
+        <p:cNvPr id="1" name="">
+          <a:extLst>
+            <a:ext uri="{FF2B5EF4-FFF2-40B4-BE49-F238E27FC236}">
+              <a16:creationId xmlns:a16="http://schemas.microsoft.com/office/drawing/2014/main" id="{D47EF3A6-3297-4FC3-AB50-F9373221ADCE}"/>
+            </a:ext>
+          </a:extLst>
+        </p:cNvPr>
+        <p:cNvGrpSpPr/>
+        <p:nvPr/>
+      </p:nvGrpSpPr>
+      <p:grpSpPr>
+        <a:xfrm>
+          <a:off x="0" y="0"/>
+          <a:ext cx="0" cy="0"/>
+          <a:chOff x="0" y="0"/>
+          <a:chExt cx="0" cy="0"/>
+        </a:xfrm>
+      </p:grpSpPr>
+      <p:pic>
+        <p:nvPicPr>
+          <p:cNvPr id="3" name="그림 2">
+            <a:extLst>
+              <a:ext uri="{FF2B5EF4-FFF2-40B4-BE49-F238E27FC236}">
+                <a16:creationId xmlns:a16="http://schemas.microsoft.com/office/drawing/2014/main" id="{B9530BC6-DF81-5355-889F-D718A7C96C45}"/>
+              </a:ext>
+            </a:extLst>
+          </p:cNvPr>
+          <p:cNvPicPr>
+            <a:picLocks noChangeAspect="1"/>
+          </p:cNvPicPr>
+          <p:nvPr/>
+        </p:nvPicPr>
+        <p:blipFill>
+          <a:blip r:embed="rId2"/>
+          <a:stretch>
+            <a:fillRect/>
+          </a:stretch>
+        </p:blipFill>
+        <p:spPr>
+          <a:xfrm>
+            <a:off x="400730" y="672192"/>
+            <a:ext cx="4955041" cy="4912179"/>
+          </a:xfrm>
+          <a:prstGeom prst="rect">
+            <a:avLst/>
+          </a:prstGeom>
+        </p:spPr>
+      </p:pic>
+      <p:pic>
+        <p:nvPicPr>
+          <p:cNvPr id="5" name="그림 4">
+            <a:extLst>
+              <a:ext uri="{FF2B5EF4-FFF2-40B4-BE49-F238E27FC236}">
+                <a16:creationId xmlns:a16="http://schemas.microsoft.com/office/drawing/2014/main" id="{9D4F287D-171A-2822-42AF-4AF564868B32}"/>
+              </a:ext>
+            </a:extLst>
+          </p:cNvPr>
+          <p:cNvPicPr>
+            <a:picLocks noChangeAspect="1"/>
+          </p:cNvPicPr>
+          <p:nvPr/>
+        </p:nvPicPr>
+        <p:blipFill>
+          <a:blip r:embed="rId3"/>
+          <a:stretch>
+            <a:fillRect/>
+          </a:stretch>
+        </p:blipFill>
+        <p:spPr>
+          <a:xfrm>
+            <a:off x="6664027" y="530678"/>
+            <a:ext cx="4809518" cy="5796643"/>
+          </a:xfrm>
+          <a:prstGeom prst="rect">
+            <a:avLst/>
+          </a:prstGeom>
+        </p:spPr>
+      </p:pic>
+      <p:sp>
+        <p:nvSpPr>
+          <p:cNvPr id="6" name="TextBox 5">
+            <a:extLst>
+              <a:ext uri="{FF2B5EF4-FFF2-40B4-BE49-F238E27FC236}">
+                <a16:creationId xmlns:a16="http://schemas.microsoft.com/office/drawing/2014/main" id="{1BDC36D0-08E4-59D5-EEE0-4FC429C89491}"/>
+              </a:ext>
+            </a:extLst>
+          </p:cNvPr>
+          <p:cNvSpPr txBox="1"/>
+          <p:nvPr/>
+        </p:nvSpPr>
+        <p:spPr>
+          <a:xfrm>
+            <a:off x="2087293" y="6251121"/>
+            <a:ext cx="9153468" cy="369332"/>
+          </a:xfrm>
+          <a:prstGeom prst="rect">
+            <a:avLst/>
+          </a:prstGeom>
+          <a:noFill/>
+        </p:spPr>
+        <p:txBody>
+          <a:bodyPr wrap="none" rtlCol="0">
+            <a:spAutoFit/>
+          </a:bodyPr>
+          <a:lstStyle/>
+          <a:p>
+            <a:r>
+              <a:rPr lang="ko-KR" altLang="en-US" dirty="0"/>
+              <a:t>현상태에서 생성</a:t>
+            </a:r>
+            <a:r>
+              <a:rPr lang="en-US" altLang="ko-KR" dirty="0"/>
+              <a:t>, </a:t>
+            </a:r>
+            <a:r>
+              <a:rPr lang="ko-KR" altLang="en-US" dirty="0"/>
+              <a:t>수정</a:t>
+            </a:r>
+            <a:r>
+              <a:rPr lang="en-US" altLang="ko-KR" dirty="0"/>
+              <a:t>, </a:t>
+            </a:r>
+            <a:r>
+              <a:rPr lang="ko-KR" altLang="en-US" dirty="0"/>
+              <a:t>삭제 모두가능 업데이트 체크버튼 불필요</a:t>
+            </a:r>
+            <a:r>
+              <a:rPr lang="en-US" altLang="ko-KR" dirty="0"/>
+              <a:t>, </a:t>
+            </a:r>
+            <a:r>
+              <a:rPr lang="ko-KR" altLang="en-US" dirty="0" err="1"/>
+              <a:t>저장후</a:t>
+            </a:r>
+            <a:r>
+              <a:rPr lang="ko-KR" altLang="en-US" dirty="0"/>
+              <a:t> </a:t>
+            </a:r>
+            <a:r>
+              <a:rPr lang="ko-KR" altLang="en-US" dirty="0" err="1"/>
+              <a:t>일괄업데이트</a:t>
+            </a:r>
+            <a:endParaRPr lang="ko-KR" altLang="en-US" dirty="0"/>
+          </a:p>
+        </p:txBody>
+      </p:sp>
+    </p:spTree>
+    <p:extLst>
+      <p:ext uri="{BB962C8B-B14F-4D97-AF65-F5344CB8AC3E}">
+        <p14:creationId xmlns:p14="http://schemas.microsoft.com/office/powerpoint/2010/main" val="658728544"/>
+      </p:ext>
+    </p:extLst>
+  </p:cSld>
+  <p:clrMapOvr>
+    <a:masterClrMapping/>
+  </p:clrMapOvr>
+</p:sld>
+</file>
+
+<file path=ppt/slides/slide15.xml><?xml version="1.0" encoding="utf-8"?>
+<p:sld xmlns:a="http://schemas.openxmlformats.org/drawingml/2006/main" xmlns:r="http://schemas.openxmlformats.org/officeDocument/2006/relationships" xmlns:p="http://schemas.openxmlformats.org/presentationml/2006/main">
+  <p:cSld>
+    <p:spTree>
+      <p:nvGrpSpPr>
+        <p:cNvPr id="1" name="">
+          <a:extLst>
+            <a:ext uri="{FF2B5EF4-FFF2-40B4-BE49-F238E27FC236}">
+              <a16:creationId xmlns:a16="http://schemas.microsoft.com/office/drawing/2014/main" id="{C83991BC-2DCA-EF36-EAD0-E546359DE12A}"/>
+            </a:ext>
+          </a:extLst>
+        </p:cNvPr>
+        <p:cNvGrpSpPr/>
+        <p:nvPr/>
+      </p:nvGrpSpPr>
+      <p:grpSpPr>
+        <a:xfrm>
+          <a:off x="0" y="0"/>
+          <a:ext cx="0" cy="0"/>
+          <a:chOff x="0" y="0"/>
+          <a:chExt cx="0" cy="0"/>
+        </a:xfrm>
+      </p:grpSpPr>
+    </p:spTree>
+    <p:extLst>
+      <p:ext uri="{BB962C8B-B14F-4D97-AF65-F5344CB8AC3E}">
+        <p14:creationId xmlns:p14="http://schemas.microsoft.com/office/powerpoint/2010/main" val="1744166397"/>
+      </p:ext>
+    </p:extLst>
+  </p:cSld>
+  <p:clrMapOvr>
+    <a:masterClrMapping/>
+  </p:clrMapOvr>
+</p:sld>
+</file>
+
 <file path=ppt/slides/slide2.xml><?xml version="1.0" encoding="utf-8"?>
 <p:sld xmlns:a="http://schemas.openxmlformats.org/drawingml/2006/main" xmlns:r="http://schemas.openxmlformats.org/officeDocument/2006/relationships" xmlns:p="http://schemas.openxmlformats.org/presentationml/2006/main">
   <p:cSld>
@@ -8494,6 +8997,3299 @@
     <p:extLst>
       <p:ext uri="{BB962C8B-B14F-4D97-AF65-F5344CB8AC3E}">
         <p14:creationId xmlns:p14="http://schemas.microsoft.com/office/powerpoint/2010/main" val="2181205240"/>
+      </p:ext>
+    </p:extLst>
+  </p:cSld>
+  <p:clrMapOvr>
+    <a:masterClrMapping/>
+  </p:clrMapOvr>
+</p:sld>
+</file>
+
+<file path=ppt/slides/slide7.xml><?xml version="1.0" encoding="utf-8"?>
+<p:sld xmlns:a="http://schemas.openxmlformats.org/drawingml/2006/main" xmlns:r="http://schemas.openxmlformats.org/officeDocument/2006/relationships" xmlns:p="http://schemas.openxmlformats.org/presentationml/2006/main">
+  <p:cSld>
+    <p:spTree>
+      <p:nvGrpSpPr>
+        <p:cNvPr id="1" name="">
+          <a:extLst>
+            <a:ext uri="{FF2B5EF4-FFF2-40B4-BE49-F238E27FC236}">
+              <a16:creationId xmlns:a16="http://schemas.microsoft.com/office/drawing/2014/main" id="{ACCBEA5F-1A97-58B5-7021-979E7DA556AE}"/>
+            </a:ext>
+          </a:extLst>
+        </p:cNvPr>
+        <p:cNvGrpSpPr/>
+        <p:nvPr/>
+      </p:nvGrpSpPr>
+      <p:grpSpPr>
+        <a:xfrm>
+          <a:off x="0" y="0"/>
+          <a:ext cx="0" cy="0"/>
+          <a:chOff x="0" y="0"/>
+          <a:chExt cx="0" cy="0"/>
+        </a:xfrm>
+      </p:grpSpPr>
+      <p:sp>
+        <p:nvSpPr>
+          <p:cNvPr id="2" name="직사각형 1">
+            <a:extLst>
+              <a:ext uri="{FF2B5EF4-FFF2-40B4-BE49-F238E27FC236}">
+                <a16:creationId xmlns:a16="http://schemas.microsoft.com/office/drawing/2014/main" id="{876622B0-9A3F-2518-57B5-C9DC21750CCA}"/>
+              </a:ext>
+            </a:extLst>
+          </p:cNvPr>
+          <p:cNvSpPr/>
+          <p:nvPr/>
+        </p:nvSpPr>
+        <p:spPr>
+          <a:xfrm>
+            <a:off x="1036320" y="833120"/>
+            <a:ext cx="1920240" cy="1168400"/>
+          </a:xfrm>
+          <a:prstGeom prst="rect">
+            <a:avLst/>
+          </a:prstGeom>
+        </p:spPr>
+        <p:style>
+          <a:lnRef idx="2">
+            <a:schemeClr val="accent1">
+              <a:shade val="15000"/>
+            </a:schemeClr>
+          </a:lnRef>
+          <a:fillRef idx="1">
+            <a:schemeClr val="accent1"/>
+          </a:fillRef>
+          <a:effectRef idx="0">
+            <a:schemeClr val="accent1"/>
+          </a:effectRef>
+          <a:fontRef idx="minor">
+            <a:schemeClr val="lt1"/>
+          </a:fontRef>
+        </p:style>
+        <p:txBody>
+          <a:bodyPr rtlCol="0" anchor="ctr"/>
+          <a:lstStyle/>
+          <a:p>
+            <a:pPr algn="ctr"/>
+            <a:r>
+              <a:rPr lang="ko-KR" altLang="en-US" dirty="0"/>
+              <a:t>무료서비스</a:t>
+            </a:r>
+            <a:endParaRPr lang="en-US" altLang="ko-KR" dirty="0"/>
+          </a:p>
+          <a:p>
+            <a:pPr algn="ctr"/>
+            <a:r>
+              <a:rPr lang="ko-KR" altLang="en-US" dirty="0"/>
+              <a:t>기출문제풀이</a:t>
+            </a:r>
+          </a:p>
+        </p:txBody>
+      </p:sp>
+      <p:sp>
+        <p:nvSpPr>
+          <p:cNvPr id="6" name="직사각형 5">
+            <a:extLst>
+              <a:ext uri="{FF2B5EF4-FFF2-40B4-BE49-F238E27FC236}">
+                <a16:creationId xmlns:a16="http://schemas.microsoft.com/office/drawing/2014/main" id="{CCBB3F1B-5BBA-F704-3A2A-7CAD647AFECA}"/>
+              </a:ext>
+            </a:extLst>
+          </p:cNvPr>
+          <p:cNvSpPr/>
+          <p:nvPr/>
+        </p:nvSpPr>
+        <p:spPr>
+          <a:xfrm>
+            <a:off x="4739640" y="853440"/>
+            <a:ext cx="1920240" cy="1168400"/>
+          </a:xfrm>
+          <a:prstGeom prst="rect">
+            <a:avLst/>
+          </a:prstGeom>
+        </p:spPr>
+        <p:style>
+          <a:lnRef idx="2">
+            <a:schemeClr val="accent1">
+              <a:shade val="15000"/>
+            </a:schemeClr>
+          </a:lnRef>
+          <a:fillRef idx="1">
+            <a:schemeClr val="accent1"/>
+          </a:fillRef>
+          <a:effectRef idx="0">
+            <a:schemeClr val="accent1"/>
+          </a:effectRef>
+          <a:fontRef idx="minor">
+            <a:schemeClr val="lt1"/>
+          </a:fontRef>
+        </p:style>
+        <p:txBody>
+          <a:bodyPr rtlCol="0" anchor="ctr"/>
+          <a:lstStyle/>
+          <a:p>
+            <a:pPr algn="ctr"/>
+            <a:r>
+              <a:rPr lang="ko-KR" altLang="en-US" dirty="0"/>
+              <a:t>기본서비스</a:t>
+            </a:r>
+            <a:endParaRPr lang="en-US" altLang="ko-KR" dirty="0"/>
+          </a:p>
+          <a:p>
+            <a:pPr algn="ctr"/>
+            <a:r>
+              <a:rPr lang="ko-KR" altLang="en-US" dirty="0"/>
+              <a:t>과목별 문제풀이</a:t>
+            </a:r>
+          </a:p>
+        </p:txBody>
+      </p:sp>
+      <p:sp>
+        <p:nvSpPr>
+          <p:cNvPr id="8" name="직사각형 7">
+            <a:extLst>
+              <a:ext uri="{FF2B5EF4-FFF2-40B4-BE49-F238E27FC236}">
+                <a16:creationId xmlns:a16="http://schemas.microsoft.com/office/drawing/2014/main" id="{793A6102-7C21-CCF8-E8C3-32CA8A3CE6C0}"/>
+              </a:ext>
+            </a:extLst>
+          </p:cNvPr>
+          <p:cNvSpPr/>
+          <p:nvPr/>
+        </p:nvSpPr>
+        <p:spPr>
+          <a:xfrm>
+            <a:off x="8183880" y="853440"/>
+            <a:ext cx="2230120" cy="1168400"/>
+          </a:xfrm>
+          <a:prstGeom prst="rect">
+            <a:avLst/>
+          </a:prstGeom>
+        </p:spPr>
+        <p:style>
+          <a:lnRef idx="2">
+            <a:schemeClr val="accent1">
+              <a:shade val="15000"/>
+            </a:schemeClr>
+          </a:lnRef>
+          <a:fillRef idx="1">
+            <a:schemeClr val="accent1"/>
+          </a:fillRef>
+          <a:effectRef idx="0">
+            <a:schemeClr val="accent1"/>
+          </a:effectRef>
+          <a:fontRef idx="minor">
+            <a:schemeClr val="lt1"/>
+          </a:fontRef>
+        </p:style>
+        <p:txBody>
+          <a:bodyPr rtlCol="0" anchor="ctr"/>
+          <a:lstStyle/>
+          <a:p>
+            <a:pPr algn="ctr"/>
+            <a:r>
+              <a:rPr lang="ko-KR" altLang="en-US" dirty="0"/>
+              <a:t>고급서비스</a:t>
+            </a:r>
+            <a:endParaRPr lang="en-US" altLang="ko-KR" dirty="0"/>
+          </a:p>
+          <a:p>
+            <a:pPr algn="ctr"/>
+            <a:r>
+              <a:rPr lang="ko-KR" altLang="en-US" dirty="0"/>
+              <a:t>다양한서비스</a:t>
+            </a:r>
+            <a:endParaRPr lang="en-US" altLang="ko-KR" dirty="0"/>
+          </a:p>
+          <a:p>
+            <a:pPr algn="ctr"/>
+            <a:r>
+              <a:rPr lang="ko-KR" altLang="en-US" dirty="0"/>
+              <a:t>진위형</a:t>
+            </a:r>
+            <a:r>
+              <a:rPr lang="en-US" altLang="ko-KR" dirty="0"/>
+              <a:t>,</a:t>
+            </a:r>
+            <a:r>
+              <a:rPr lang="ko-KR" altLang="en-US" dirty="0"/>
+              <a:t>모의고사</a:t>
+            </a:r>
+            <a:endParaRPr lang="en-US" altLang="ko-KR" dirty="0"/>
+          </a:p>
+        </p:txBody>
+      </p:sp>
+      <p:sp>
+        <p:nvSpPr>
+          <p:cNvPr id="9" name="직사각형 8">
+            <a:extLst>
+              <a:ext uri="{FF2B5EF4-FFF2-40B4-BE49-F238E27FC236}">
+                <a16:creationId xmlns:a16="http://schemas.microsoft.com/office/drawing/2014/main" id="{44D74F30-DAA2-EDA7-E0B0-4A8EB7C9C599}"/>
+              </a:ext>
+            </a:extLst>
+          </p:cNvPr>
+          <p:cNvSpPr/>
+          <p:nvPr/>
+        </p:nvSpPr>
+        <p:spPr>
+          <a:xfrm>
+            <a:off x="943834" y="2921000"/>
+            <a:ext cx="792480" cy="492760"/>
+          </a:xfrm>
+          <a:prstGeom prst="rect">
+            <a:avLst/>
+          </a:prstGeom>
+        </p:spPr>
+        <p:style>
+          <a:lnRef idx="2">
+            <a:schemeClr val="accent1">
+              <a:shade val="15000"/>
+            </a:schemeClr>
+          </a:lnRef>
+          <a:fillRef idx="1">
+            <a:schemeClr val="accent1"/>
+          </a:fillRef>
+          <a:effectRef idx="0">
+            <a:schemeClr val="accent1"/>
+          </a:effectRef>
+          <a:fontRef idx="minor">
+            <a:schemeClr val="lt1"/>
+          </a:fontRef>
+        </p:style>
+        <p:txBody>
+          <a:bodyPr rtlCol="0" anchor="ctr"/>
+          <a:lstStyle/>
+          <a:p>
+            <a:pPr algn="ctr"/>
+            <a:r>
+              <a:rPr lang="en-US" altLang="ko-KR" dirty="0"/>
+              <a:t>1</a:t>
+            </a:r>
+            <a:endParaRPr lang="ko-KR" altLang="en-US" dirty="0"/>
+          </a:p>
+        </p:txBody>
+      </p:sp>
+      <p:sp>
+        <p:nvSpPr>
+          <p:cNvPr id="10" name="직사각형 9">
+            <a:extLst>
+              <a:ext uri="{FF2B5EF4-FFF2-40B4-BE49-F238E27FC236}">
+                <a16:creationId xmlns:a16="http://schemas.microsoft.com/office/drawing/2014/main" id="{892D5E9C-0D2C-8562-3142-052B2106A6E4}"/>
+              </a:ext>
+            </a:extLst>
+          </p:cNvPr>
+          <p:cNvSpPr/>
+          <p:nvPr/>
+        </p:nvSpPr>
+        <p:spPr>
+          <a:xfrm>
+            <a:off x="2082800" y="2951480"/>
+            <a:ext cx="792480" cy="492760"/>
+          </a:xfrm>
+          <a:prstGeom prst="rect">
+            <a:avLst/>
+          </a:prstGeom>
+        </p:spPr>
+        <p:style>
+          <a:lnRef idx="2">
+            <a:schemeClr val="accent1">
+              <a:shade val="15000"/>
+            </a:schemeClr>
+          </a:lnRef>
+          <a:fillRef idx="1">
+            <a:schemeClr val="accent1"/>
+          </a:fillRef>
+          <a:effectRef idx="0">
+            <a:schemeClr val="accent1"/>
+          </a:effectRef>
+          <a:fontRef idx="minor">
+            <a:schemeClr val="lt1"/>
+          </a:fontRef>
+        </p:style>
+        <p:txBody>
+          <a:bodyPr rtlCol="0" anchor="ctr"/>
+          <a:lstStyle/>
+          <a:p>
+            <a:pPr algn="ctr"/>
+            <a:r>
+              <a:rPr lang="en-US" altLang="ko-KR" dirty="0"/>
+              <a:t>2</a:t>
+            </a:r>
+            <a:endParaRPr lang="ko-KR" altLang="en-US" dirty="0"/>
+          </a:p>
+        </p:txBody>
+      </p:sp>
+      <p:sp>
+        <p:nvSpPr>
+          <p:cNvPr id="11" name="직사각형 10">
+            <a:extLst>
+              <a:ext uri="{FF2B5EF4-FFF2-40B4-BE49-F238E27FC236}">
+                <a16:creationId xmlns:a16="http://schemas.microsoft.com/office/drawing/2014/main" id="{5B188B93-CA03-30DE-4914-580C7E4D5A4D}"/>
+              </a:ext>
+            </a:extLst>
+          </p:cNvPr>
+          <p:cNvSpPr/>
+          <p:nvPr/>
+        </p:nvSpPr>
+        <p:spPr>
+          <a:xfrm>
+            <a:off x="9712960" y="2936240"/>
+            <a:ext cx="792480" cy="492760"/>
+          </a:xfrm>
+          <a:prstGeom prst="rect">
+            <a:avLst/>
+          </a:prstGeom>
+        </p:spPr>
+        <p:style>
+          <a:lnRef idx="2">
+            <a:schemeClr val="accent1">
+              <a:shade val="15000"/>
+            </a:schemeClr>
+          </a:lnRef>
+          <a:fillRef idx="1">
+            <a:schemeClr val="accent1"/>
+          </a:fillRef>
+          <a:effectRef idx="0">
+            <a:schemeClr val="accent1"/>
+          </a:effectRef>
+          <a:fontRef idx="minor">
+            <a:schemeClr val="lt1"/>
+          </a:fontRef>
+        </p:style>
+        <p:txBody>
+          <a:bodyPr rtlCol="0" anchor="ctr"/>
+          <a:lstStyle/>
+          <a:p>
+            <a:pPr algn="ctr"/>
+            <a:r>
+              <a:rPr lang="en-US" altLang="ko-KR" dirty="0"/>
+              <a:t>20</a:t>
+            </a:r>
+            <a:endParaRPr lang="ko-KR" altLang="en-US" dirty="0"/>
+          </a:p>
+        </p:txBody>
+      </p:sp>
+      <p:sp>
+        <p:nvSpPr>
+          <p:cNvPr id="12" name="직사각형 11">
+            <a:extLst>
+              <a:ext uri="{FF2B5EF4-FFF2-40B4-BE49-F238E27FC236}">
+                <a16:creationId xmlns:a16="http://schemas.microsoft.com/office/drawing/2014/main" id="{FAAC7442-255A-9C1C-EE4E-B084F3F448D8}"/>
+              </a:ext>
+            </a:extLst>
+          </p:cNvPr>
+          <p:cNvSpPr/>
+          <p:nvPr/>
+        </p:nvSpPr>
+        <p:spPr>
+          <a:xfrm>
+            <a:off x="1158240" y="4175760"/>
+            <a:ext cx="9977120" cy="1493520"/>
+          </a:xfrm>
+          <a:prstGeom prst="rect">
+            <a:avLst/>
+          </a:prstGeom>
+          <a:noFill/>
+        </p:spPr>
+        <p:style>
+          <a:lnRef idx="2">
+            <a:schemeClr val="accent1">
+              <a:shade val="15000"/>
+            </a:schemeClr>
+          </a:lnRef>
+          <a:fillRef idx="1">
+            <a:schemeClr val="accent1"/>
+          </a:fillRef>
+          <a:effectRef idx="0">
+            <a:schemeClr val="accent1"/>
+          </a:effectRef>
+          <a:fontRef idx="minor">
+            <a:schemeClr val="lt1"/>
+          </a:fontRef>
+        </p:style>
+        <p:txBody>
+          <a:bodyPr rtlCol="0" anchor="ctr"/>
+          <a:lstStyle/>
+          <a:p>
+            <a:pPr algn="ctr"/>
+            <a:r>
+              <a:rPr lang="ko-KR" altLang="en-US" err="1">
+                <a:solidFill>
+                  <a:srgbClr val="FF0000"/>
+                </a:solidFill>
+              </a:rPr>
+              <a:t>회차별</a:t>
+            </a:r>
+            <a:r>
+              <a:rPr lang="ko-KR" altLang="en-US" dirty="0">
+                <a:solidFill>
+                  <a:srgbClr val="FF0000"/>
+                </a:solidFill>
+              </a:rPr>
+              <a:t> 문제 제공</a:t>
+            </a:r>
+          </a:p>
+        </p:txBody>
+      </p:sp>
+      <p:sp>
+        <p:nvSpPr>
+          <p:cNvPr id="13" name="TextBox 12">
+            <a:extLst>
+              <a:ext uri="{FF2B5EF4-FFF2-40B4-BE49-F238E27FC236}">
+                <a16:creationId xmlns:a16="http://schemas.microsoft.com/office/drawing/2014/main" id="{DF245026-1D0F-FE99-8415-62E5D4654BA9}"/>
+              </a:ext>
+            </a:extLst>
+          </p:cNvPr>
+          <p:cNvSpPr txBox="1"/>
+          <p:nvPr/>
+        </p:nvSpPr>
+        <p:spPr>
+          <a:xfrm>
+            <a:off x="0" y="367824"/>
+            <a:ext cx="2552302" cy="369332"/>
+          </a:xfrm>
+          <a:prstGeom prst="rect">
+            <a:avLst/>
+          </a:prstGeom>
+          <a:noFill/>
+        </p:spPr>
+        <p:txBody>
+          <a:bodyPr wrap="none" rtlCol="0">
+            <a:spAutoFit/>
+          </a:bodyPr>
+          <a:lstStyle/>
+          <a:p>
+            <a:r>
+              <a:rPr lang="en-US" altLang="ko-KR" dirty="0"/>
+              <a:t>1</a:t>
+            </a:r>
+            <a:r>
+              <a:rPr lang="ko-KR" altLang="en-US" dirty="0"/>
+              <a:t>단계 무료서비스 선택</a:t>
+            </a:r>
+          </a:p>
+        </p:txBody>
+      </p:sp>
+      <p:sp>
+        <p:nvSpPr>
+          <p:cNvPr id="14" name="TextBox 13">
+            <a:extLst>
+              <a:ext uri="{FF2B5EF4-FFF2-40B4-BE49-F238E27FC236}">
+                <a16:creationId xmlns:a16="http://schemas.microsoft.com/office/drawing/2014/main" id="{787EDE69-CA21-C0A8-2532-100DD679424C}"/>
+              </a:ext>
+            </a:extLst>
+          </p:cNvPr>
+          <p:cNvSpPr txBox="1"/>
+          <p:nvPr/>
+        </p:nvSpPr>
+        <p:spPr>
+          <a:xfrm>
+            <a:off x="54809" y="2241034"/>
+            <a:ext cx="1778051" cy="369332"/>
+          </a:xfrm>
+          <a:prstGeom prst="rect">
+            <a:avLst/>
+          </a:prstGeom>
+          <a:noFill/>
+        </p:spPr>
+        <p:txBody>
+          <a:bodyPr wrap="none" rtlCol="0">
+            <a:spAutoFit/>
+          </a:bodyPr>
+          <a:lstStyle/>
+          <a:p>
+            <a:r>
+              <a:rPr lang="en-US" altLang="ko-KR" dirty="0"/>
+              <a:t>2</a:t>
+            </a:r>
+            <a:r>
+              <a:rPr lang="ko-KR" altLang="en-US" dirty="0"/>
+              <a:t>단계 </a:t>
+            </a:r>
+            <a:r>
+              <a:rPr lang="ko-KR" altLang="en-US" dirty="0" err="1"/>
+              <a:t>회차선택</a:t>
+            </a:r>
+            <a:endParaRPr lang="ko-KR" altLang="en-US" dirty="0"/>
+          </a:p>
+        </p:txBody>
+      </p:sp>
+      <p:sp>
+        <p:nvSpPr>
+          <p:cNvPr id="15" name="TextBox 14">
+            <a:extLst>
+              <a:ext uri="{FF2B5EF4-FFF2-40B4-BE49-F238E27FC236}">
+                <a16:creationId xmlns:a16="http://schemas.microsoft.com/office/drawing/2014/main" id="{93F6803F-EE27-BFAC-8F8B-2ED263B194D6}"/>
+              </a:ext>
+            </a:extLst>
+          </p:cNvPr>
+          <p:cNvSpPr txBox="1"/>
+          <p:nvPr/>
+        </p:nvSpPr>
+        <p:spPr>
+          <a:xfrm>
+            <a:off x="176729" y="3612634"/>
+            <a:ext cx="2634054" cy="369332"/>
+          </a:xfrm>
+          <a:prstGeom prst="rect">
+            <a:avLst/>
+          </a:prstGeom>
+          <a:noFill/>
+        </p:spPr>
+        <p:txBody>
+          <a:bodyPr wrap="none" rtlCol="0">
+            <a:spAutoFit/>
+          </a:bodyPr>
+          <a:lstStyle/>
+          <a:p>
+            <a:r>
+              <a:rPr lang="en-US" altLang="ko-KR" dirty="0"/>
+              <a:t>3</a:t>
+            </a:r>
+            <a:r>
+              <a:rPr lang="ko-KR" altLang="en-US" dirty="0"/>
+              <a:t>단계 </a:t>
+            </a:r>
+            <a:r>
+              <a:rPr lang="ko-KR" altLang="en-US" dirty="0" err="1"/>
+              <a:t>회차별</a:t>
+            </a:r>
+            <a:r>
+              <a:rPr lang="ko-KR" altLang="en-US" dirty="0"/>
+              <a:t> 문제 제공</a:t>
+            </a:r>
+          </a:p>
+        </p:txBody>
+      </p:sp>
+    </p:spTree>
+    <p:extLst>
+      <p:ext uri="{BB962C8B-B14F-4D97-AF65-F5344CB8AC3E}">
+        <p14:creationId xmlns:p14="http://schemas.microsoft.com/office/powerpoint/2010/main" val="1646381285"/>
+      </p:ext>
+    </p:extLst>
+  </p:cSld>
+  <p:clrMapOvr>
+    <a:masterClrMapping/>
+  </p:clrMapOvr>
+</p:sld>
+</file>
+
+<file path=ppt/slides/slide8.xml><?xml version="1.0" encoding="utf-8"?>
+<p:sld xmlns:a="http://schemas.openxmlformats.org/drawingml/2006/main" xmlns:r="http://schemas.openxmlformats.org/officeDocument/2006/relationships" xmlns:p="http://schemas.openxmlformats.org/presentationml/2006/main">
+  <p:cSld>
+    <p:spTree>
+      <p:nvGrpSpPr>
+        <p:cNvPr id="1" name="">
+          <a:extLst>
+            <a:ext uri="{FF2B5EF4-FFF2-40B4-BE49-F238E27FC236}">
+              <a16:creationId xmlns:a16="http://schemas.microsoft.com/office/drawing/2014/main" id="{DF07395A-86E7-B099-45D4-1CFAF8E4EAE3}"/>
+            </a:ext>
+          </a:extLst>
+        </p:cNvPr>
+        <p:cNvGrpSpPr/>
+        <p:nvPr/>
+      </p:nvGrpSpPr>
+      <p:grpSpPr>
+        <a:xfrm>
+          <a:off x="0" y="0"/>
+          <a:ext cx="0" cy="0"/>
+          <a:chOff x="0" y="0"/>
+          <a:chExt cx="0" cy="0"/>
+        </a:xfrm>
+      </p:grpSpPr>
+      <p:pic>
+        <p:nvPicPr>
+          <p:cNvPr id="4" name="그림 3">
+            <a:extLst>
+              <a:ext uri="{FF2B5EF4-FFF2-40B4-BE49-F238E27FC236}">
+                <a16:creationId xmlns:a16="http://schemas.microsoft.com/office/drawing/2014/main" id="{A6E9E8D0-4DC3-4436-AC78-37857E4700D2}"/>
+              </a:ext>
+            </a:extLst>
+          </p:cNvPr>
+          <p:cNvPicPr>
+            <a:picLocks noChangeAspect="1"/>
+          </p:cNvPicPr>
+          <p:nvPr/>
+        </p:nvPicPr>
+        <p:blipFill>
+          <a:blip r:embed="rId2"/>
+          <a:stretch>
+            <a:fillRect/>
+          </a:stretch>
+        </p:blipFill>
+        <p:spPr>
+          <a:xfrm>
+            <a:off x="609600" y="1068092"/>
+            <a:ext cx="6065520" cy="4905987"/>
+          </a:xfrm>
+          <a:prstGeom prst="rect">
+            <a:avLst/>
+          </a:prstGeom>
+        </p:spPr>
+      </p:pic>
+      <p:cxnSp>
+        <p:nvCxnSpPr>
+          <p:cNvPr id="7" name="직선 화살표 연결선 6">
+            <a:extLst>
+              <a:ext uri="{FF2B5EF4-FFF2-40B4-BE49-F238E27FC236}">
+                <a16:creationId xmlns:a16="http://schemas.microsoft.com/office/drawing/2014/main" id="{15A9F899-CEC0-7D61-5097-A2C0992B72A9}"/>
+              </a:ext>
+            </a:extLst>
+          </p:cNvPr>
+          <p:cNvCxnSpPr/>
+          <p:nvPr/>
+        </p:nvCxnSpPr>
+        <p:spPr>
+          <a:xfrm>
+            <a:off x="304800" y="1158240"/>
+            <a:ext cx="0" cy="4805680"/>
+          </a:xfrm>
+          <a:prstGeom prst="straightConnector1">
+            <a:avLst/>
+          </a:prstGeom>
+          <a:ln>
+            <a:headEnd type="triangle"/>
+            <a:tailEnd type="triangle"/>
+          </a:ln>
+        </p:spPr>
+        <p:style>
+          <a:lnRef idx="2">
+            <a:schemeClr val="accent1"/>
+          </a:lnRef>
+          <a:fillRef idx="0">
+            <a:schemeClr val="accent1"/>
+          </a:fillRef>
+          <a:effectRef idx="1">
+            <a:schemeClr val="accent1"/>
+          </a:effectRef>
+          <a:fontRef idx="minor">
+            <a:schemeClr val="tx1"/>
+          </a:fontRef>
+        </p:style>
+      </p:cxnSp>
+      <p:sp>
+        <p:nvSpPr>
+          <p:cNvPr id="16" name="TextBox 15">
+            <a:extLst>
+              <a:ext uri="{FF2B5EF4-FFF2-40B4-BE49-F238E27FC236}">
+                <a16:creationId xmlns:a16="http://schemas.microsoft.com/office/drawing/2014/main" id="{7E401A64-2A18-47A8-38F2-3C6635DFCF46}"/>
+              </a:ext>
+            </a:extLst>
+          </p:cNvPr>
+          <p:cNvSpPr txBox="1"/>
+          <p:nvPr/>
+        </p:nvSpPr>
+        <p:spPr>
+          <a:xfrm>
+            <a:off x="487680" y="6278880"/>
+            <a:ext cx="5701754" cy="369332"/>
+          </a:xfrm>
+          <a:prstGeom prst="rect">
+            <a:avLst/>
+          </a:prstGeom>
+          <a:noFill/>
+        </p:spPr>
+        <p:txBody>
+          <a:bodyPr wrap="none" rtlCol="0">
+            <a:spAutoFit/>
+          </a:bodyPr>
+          <a:lstStyle/>
+          <a:p>
+            <a:r>
+              <a:rPr lang="ko-KR" altLang="en-US" dirty="0"/>
+              <a:t>기출 문제를 </a:t>
+            </a:r>
+            <a:r>
+              <a:rPr lang="ko-KR" altLang="en-US" dirty="0" err="1"/>
+              <a:t>회차별</a:t>
+            </a:r>
+            <a:r>
+              <a:rPr lang="ko-KR" altLang="en-US" dirty="0"/>
+              <a:t> </a:t>
+            </a:r>
+            <a:r>
+              <a:rPr lang="en-US" altLang="ko-KR" dirty="0"/>
+              <a:t>LAYER</a:t>
+            </a:r>
+            <a:r>
+              <a:rPr lang="ko-KR" altLang="en-US" dirty="0"/>
+              <a:t>별  번호순으로 스크롤한다</a:t>
+            </a:r>
+          </a:p>
+        </p:txBody>
+      </p:sp>
+      <p:sp>
+        <p:nvSpPr>
+          <p:cNvPr id="17" name="직사각형 16">
+            <a:extLst>
+              <a:ext uri="{FF2B5EF4-FFF2-40B4-BE49-F238E27FC236}">
+                <a16:creationId xmlns:a16="http://schemas.microsoft.com/office/drawing/2014/main" id="{1DAC3DD5-7DC8-7585-2535-C0E6D26E54EC}"/>
+              </a:ext>
+            </a:extLst>
+          </p:cNvPr>
+          <p:cNvSpPr/>
+          <p:nvPr/>
+        </p:nvSpPr>
+        <p:spPr>
+          <a:xfrm>
+            <a:off x="6979919" y="2377440"/>
+            <a:ext cx="599440" cy="508000"/>
+          </a:xfrm>
+          <a:prstGeom prst="rect">
+            <a:avLst/>
+          </a:prstGeom>
+        </p:spPr>
+        <p:style>
+          <a:lnRef idx="2">
+            <a:schemeClr val="accent1">
+              <a:shade val="15000"/>
+            </a:schemeClr>
+          </a:lnRef>
+          <a:fillRef idx="1">
+            <a:schemeClr val="accent1"/>
+          </a:fillRef>
+          <a:effectRef idx="0">
+            <a:schemeClr val="accent1"/>
+          </a:effectRef>
+          <a:fontRef idx="minor">
+            <a:schemeClr val="lt1"/>
+          </a:fontRef>
+        </p:style>
+        <p:txBody>
+          <a:bodyPr rtlCol="0" anchor="ctr"/>
+          <a:lstStyle/>
+          <a:p>
+            <a:pPr algn="ctr"/>
+            <a:r>
+              <a:rPr lang="ko-KR" altLang="en-US" sz="1400" dirty="0"/>
+              <a:t>생성</a:t>
+            </a:r>
+          </a:p>
+        </p:txBody>
+      </p:sp>
+      <p:sp>
+        <p:nvSpPr>
+          <p:cNvPr id="18" name="직사각형 17">
+            <a:extLst>
+              <a:ext uri="{FF2B5EF4-FFF2-40B4-BE49-F238E27FC236}">
+                <a16:creationId xmlns:a16="http://schemas.microsoft.com/office/drawing/2014/main" id="{F68C8061-4CF4-EEB5-2822-99536C8D38B3}"/>
+              </a:ext>
+            </a:extLst>
+          </p:cNvPr>
+          <p:cNvSpPr/>
+          <p:nvPr/>
+        </p:nvSpPr>
+        <p:spPr>
+          <a:xfrm>
+            <a:off x="7741920" y="1625600"/>
+            <a:ext cx="2590800" cy="436880"/>
+          </a:xfrm>
+          <a:prstGeom prst="rect">
+            <a:avLst/>
+          </a:prstGeom>
+          <a:noFill/>
+        </p:spPr>
+        <p:style>
+          <a:lnRef idx="2">
+            <a:schemeClr val="accent1">
+              <a:shade val="15000"/>
+            </a:schemeClr>
+          </a:lnRef>
+          <a:fillRef idx="1">
+            <a:schemeClr val="accent1"/>
+          </a:fillRef>
+          <a:effectRef idx="0">
+            <a:schemeClr val="accent1"/>
+          </a:effectRef>
+          <a:fontRef idx="minor">
+            <a:schemeClr val="lt1"/>
+          </a:fontRef>
+        </p:style>
+        <p:txBody>
+          <a:bodyPr rtlCol="0" anchor="ctr"/>
+          <a:lstStyle/>
+          <a:p>
+            <a:r>
+              <a:rPr lang="en-US" altLang="ko-KR" sz="1100" dirty="0">
+                <a:solidFill>
+                  <a:schemeClr val="tx1"/>
+                </a:solidFill>
+              </a:rPr>
+              <a:t>1  </a:t>
+            </a:r>
+            <a:r>
+              <a:rPr lang="ko-KR" altLang="en-US" sz="1100" dirty="0">
+                <a:solidFill>
+                  <a:schemeClr val="tx1"/>
+                </a:solidFill>
+              </a:rPr>
+              <a:t>날씨보험음</a:t>
+            </a:r>
+          </a:p>
+        </p:txBody>
+      </p:sp>
+      <p:sp>
+        <p:nvSpPr>
+          <p:cNvPr id="19" name="직사각형 18">
+            <a:extLst>
+              <a:ext uri="{FF2B5EF4-FFF2-40B4-BE49-F238E27FC236}">
+                <a16:creationId xmlns:a16="http://schemas.microsoft.com/office/drawing/2014/main" id="{1E1153E7-7D8D-2703-513B-B0A99AA433DE}"/>
+              </a:ext>
+            </a:extLst>
+          </p:cNvPr>
+          <p:cNvSpPr/>
+          <p:nvPr/>
+        </p:nvSpPr>
+        <p:spPr>
+          <a:xfrm>
+            <a:off x="7772400" y="2225040"/>
+            <a:ext cx="2590800" cy="436880"/>
+          </a:xfrm>
+          <a:prstGeom prst="rect">
+            <a:avLst/>
+          </a:prstGeom>
+          <a:noFill/>
+        </p:spPr>
+        <p:style>
+          <a:lnRef idx="2">
+            <a:schemeClr val="accent1">
+              <a:shade val="15000"/>
+            </a:schemeClr>
+          </a:lnRef>
+          <a:fillRef idx="1">
+            <a:schemeClr val="accent1"/>
+          </a:fillRef>
+          <a:effectRef idx="0">
+            <a:schemeClr val="accent1"/>
+          </a:effectRef>
+          <a:fontRef idx="minor">
+            <a:schemeClr val="lt1"/>
+          </a:fontRef>
+        </p:style>
+        <p:txBody>
+          <a:bodyPr rtlCol="0" anchor="ctr"/>
+          <a:lstStyle/>
+          <a:p>
+            <a:r>
+              <a:rPr lang="en-US" altLang="ko-KR" sz="1100" dirty="0">
+                <a:solidFill>
+                  <a:schemeClr val="tx1"/>
+                </a:solidFill>
+              </a:rPr>
+              <a:t>2 </a:t>
+            </a:r>
+            <a:r>
+              <a:rPr lang="ko-KR" altLang="en-US" sz="1100" dirty="0">
+                <a:solidFill>
+                  <a:schemeClr val="tx1"/>
+                </a:solidFill>
+              </a:rPr>
+              <a:t>비용보험은 보험이다 정답 </a:t>
+            </a:r>
+            <a:r>
+              <a:rPr lang="en-US" altLang="ko-KR" sz="1100" dirty="0">
+                <a:solidFill>
+                  <a:schemeClr val="tx1"/>
+                </a:solidFill>
+              </a:rPr>
+              <a:t>O</a:t>
+            </a:r>
+            <a:endParaRPr lang="ko-KR" altLang="en-US" sz="1100" dirty="0">
+              <a:solidFill>
+                <a:schemeClr val="tx1"/>
+              </a:solidFill>
+            </a:endParaRPr>
+          </a:p>
+        </p:txBody>
+      </p:sp>
+      <p:sp>
+        <p:nvSpPr>
+          <p:cNvPr id="20" name="직사각형 19">
+            <a:extLst>
+              <a:ext uri="{FF2B5EF4-FFF2-40B4-BE49-F238E27FC236}">
+                <a16:creationId xmlns:a16="http://schemas.microsoft.com/office/drawing/2014/main" id="{E15D020D-BA3A-4666-1C05-DC67AE9DD607}"/>
+              </a:ext>
+            </a:extLst>
+          </p:cNvPr>
+          <p:cNvSpPr/>
+          <p:nvPr/>
+        </p:nvSpPr>
+        <p:spPr>
+          <a:xfrm>
+            <a:off x="7792720" y="2875280"/>
+            <a:ext cx="2590800" cy="436880"/>
+          </a:xfrm>
+          <a:prstGeom prst="rect">
+            <a:avLst/>
+          </a:prstGeom>
+          <a:noFill/>
+        </p:spPr>
+        <p:style>
+          <a:lnRef idx="2">
+            <a:schemeClr val="accent1">
+              <a:shade val="15000"/>
+            </a:schemeClr>
+          </a:lnRef>
+          <a:fillRef idx="1">
+            <a:schemeClr val="accent1"/>
+          </a:fillRef>
+          <a:effectRef idx="0">
+            <a:schemeClr val="accent1"/>
+          </a:effectRef>
+          <a:fontRef idx="minor">
+            <a:schemeClr val="lt1"/>
+          </a:fontRef>
+        </p:style>
+        <p:txBody>
+          <a:bodyPr rtlCol="0" anchor="ctr"/>
+          <a:lstStyle/>
+          <a:p>
+            <a:r>
+              <a:rPr lang="en-US" altLang="ko-KR" sz="1100" dirty="0">
+                <a:solidFill>
+                  <a:schemeClr val="tx1"/>
+                </a:solidFill>
+              </a:rPr>
+              <a:t>3. </a:t>
+            </a:r>
+            <a:r>
+              <a:rPr lang="ko-KR" altLang="en-US" sz="1100" dirty="0" err="1">
+                <a:solidFill>
+                  <a:schemeClr val="tx1"/>
+                </a:solidFill>
+              </a:rPr>
+              <a:t>손배호범을</a:t>
+            </a:r>
+            <a:r>
+              <a:rPr lang="ko-KR" altLang="en-US" sz="1100" dirty="0">
+                <a:solidFill>
+                  <a:schemeClr val="tx1"/>
+                </a:solidFill>
+              </a:rPr>
+              <a:t> 청구한다 정답</a:t>
+            </a:r>
+            <a:r>
+              <a:rPr lang="en-US" altLang="ko-KR" sz="1100" dirty="0">
+                <a:solidFill>
+                  <a:schemeClr val="tx1"/>
+                </a:solidFill>
+              </a:rPr>
+              <a:t>X</a:t>
+            </a:r>
+            <a:endParaRPr lang="ko-KR" altLang="en-US" sz="1100" dirty="0">
+              <a:solidFill>
+                <a:schemeClr val="tx1"/>
+              </a:solidFill>
+            </a:endParaRPr>
+          </a:p>
+        </p:txBody>
+      </p:sp>
+      <p:sp>
+        <p:nvSpPr>
+          <p:cNvPr id="21" name="직사각형 20">
+            <a:extLst>
+              <a:ext uri="{FF2B5EF4-FFF2-40B4-BE49-F238E27FC236}">
+                <a16:creationId xmlns:a16="http://schemas.microsoft.com/office/drawing/2014/main" id="{21E048F5-7343-DA26-2875-8DC546812B42}"/>
+              </a:ext>
+            </a:extLst>
+          </p:cNvPr>
+          <p:cNvSpPr/>
+          <p:nvPr/>
+        </p:nvSpPr>
+        <p:spPr>
+          <a:xfrm>
+            <a:off x="7792720" y="3505200"/>
+            <a:ext cx="2590800" cy="436880"/>
+          </a:xfrm>
+          <a:prstGeom prst="rect">
+            <a:avLst/>
+          </a:prstGeom>
+          <a:noFill/>
+        </p:spPr>
+        <p:style>
+          <a:lnRef idx="2">
+            <a:schemeClr val="accent1">
+              <a:shade val="15000"/>
+            </a:schemeClr>
+          </a:lnRef>
+          <a:fillRef idx="1">
+            <a:schemeClr val="accent1"/>
+          </a:fillRef>
+          <a:effectRef idx="0">
+            <a:schemeClr val="accent1"/>
+          </a:effectRef>
+          <a:fontRef idx="minor">
+            <a:schemeClr val="lt1"/>
+          </a:fontRef>
+        </p:style>
+        <p:txBody>
+          <a:bodyPr rtlCol="0" anchor="ctr"/>
+          <a:lstStyle/>
+          <a:p>
+            <a:r>
+              <a:rPr lang="en-US" altLang="ko-KR" sz="1100" dirty="0">
+                <a:solidFill>
+                  <a:schemeClr val="tx1"/>
+                </a:solidFill>
+              </a:rPr>
+              <a:t>4. </a:t>
+            </a:r>
+            <a:r>
+              <a:rPr lang="ko-KR" altLang="en-US" sz="1100" dirty="0">
+                <a:solidFill>
+                  <a:schemeClr val="tx1"/>
+                </a:solidFill>
+              </a:rPr>
+              <a:t>배상보험은 법률상하자다 정답 </a:t>
+            </a:r>
+            <a:r>
+              <a:rPr lang="en-US" altLang="ko-KR" sz="1100" dirty="0">
+                <a:solidFill>
+                  <a:schemeClr val="tx1"/>
+                </a:solidFill>
+              </a:rPr>
+              <a:t>0</a:t>
+            </a:r>
+            <a:endParaRPr lang="ko-KR" altLang="en-US" sz="1100" dirty="0">
+              <a:solidFill>
+                <a:schemeClr val="tx1"/>
+              </a:solidFill>
+            </a:endParaRPr>
+          </a:p>
+        </p:txBody>
+      </p:sp>
+      <p:sp>
+        <p:nvSpPr>
+          <p:cNvPr id="22" name="직사각형 21">
+            <a:extLst>
+              <a:ext uri="{FF2B5EF4-FFF2-40B4-BE49-F238E27FC236}">
+                <a16:creationId xmlns:a16="http://schemas.microsoft.com/office/drawing/2014/main" id="{572ACD75-374B-58FA-5603-74CFEF67631C}"/>
+              </a:ext>
+            </a:extLst>
+          </p:cNvPr>
+          <p:cNvSpPr/>
+          <p:nvPr/>
+        </p:nvSpPr>
+        <p:spPr>
+          <a:xfrm>
+            <a:off x="7802880" y="4175760"/>
+            <a:ext cx="2590800" cy="436880"/>
+          </a:xfrm>
+          <a:prstGeom prst="rect">
+            <a:avLst/>
+          </a:prstGeom>
+          <a:noFill/>
+        </p:spPr>
+        <p:style>
+          <a:lnRef idx="2">
+            <a:schemeClr val="accent1">
+              <a:shade val="15000"/>
+            </a:schemeClr>
+          </a:lnRef>
+          <a:fillRef idx="1">
+            <a:schemeClr val="accent1"/>
+          </a:fillRef>
+          <a:effectRef idx="0">
+            <a:schemeClr val="accent1"/>
+          </a:effectRef>
+          <a:fontRef idx="minor">
+            <a:schemeClr val="lt1"/>
+          </a:fontRef>
+        </p:style>
+        <p:txBody>
+          <a:bodyPr rtlCol="0" anchor="ctr"/>
+          <a:lstStyle/>
+          <a:p>
+            <a:r>
+              <a:rPr lang="en-US" altLang="ko-KR" sz="1100" dirty="0">
+                <a:solidFill>
+                  <a:schemeClr val="tx1"/>
+                </a:solidFill>
+              </a:rPr>
+              <a:t>5 </a:t>
+            </a:r>
+            <a:r>
+              <a:rPr lang="ko-KR" altLang="en-US" sz="1100" dirty="0">
+                <a:solidFill>
+                  <a:schemeClr val="tx1"/>
+                </a:solidFill>
+              </a:rPr>
+              <a:t>해상보험은 로이드다  정답 </a:t>
+            </a:r>
+            <a:r>
+              <a:rPr lang="en-US" altLang="ko-KR" sz="1100" dirty="0">
+                <a:solidFill>
+                  <a:schemeClr val="tx1"/>
+                </a:solidFill>
+              </a:rPr>
+              <a:t>X</a:t>
+            </a:r>
+            <a:endParaRPr lang="ko-KR" altLang="en-US" sz="1100" dirty="0">
+              <a:solidFill>
+                <a:schemeClr val="tx1"/>
+              </a:solidFill>
+            </a:endParaRPr>
+          </a:p>
+        </p:txBody>
+      </p:sp>
+      <p:sp>
+        <p:nvSpPr>
+          <p:cNvPr id="23" name="직사각형 22">
+            <a:extLst>
+              <a:ext uri="{FF2B5EF4-FFF2-40B4-BE49-F238E27FC236}">
+                <a16:creationId xmlns:a16="http://schemas.microsoft.com/office/drawing/2014/main" id="{4D77BD9B-3CAA-870B-3A98-08E4D64E20F0}"/>
+              </a:ext>
+            </a:extLst>
+          </p:cNvPr>
+          <p:cNvSpPr/>
+          <p:nvPr/>
+        </p:nvSpPr>
+        <p:spPr>
+          <a:xfrm>
+            <a:off x="7802880" y="4795520"/>
+            <a:ext cx="2590800" cy="436880"/>
+          </a:xfrm>
+          <a:prstGeom prst="rect">
+            <a:avLst/>
+          </a:prstGeom>
+          <a:noFill/>
+        </p:spPr>
+        <p:style>
+          <a:lnRef idx="2">
+            <a:schemeClr val="accent1">
+              <a:shade val="15000"/>
+            </a:schemeClr>
+          </a:lnRef>
+          <a:fillRef idx="1">
+            <a:schemeClr val="accent1"/>
+          </a:fillRef>
+          <a:effectRef idx="0">
+            <a:schemeClr val="accent1"/>
+          </a:effectRef>
+          <a:fontRef idx="minor">
+            <a:schemeClr val="lt1"/>
+          </a:fontRef>
+        </p:style>
+        <p:txBody>
+          <a:bodyPr rtlCol="0" anchor="ctr"/>
+          <a:lstStyle/>
+          <a:p>
+            <a:endParaRPr lang="ko-KR" altLang="en-US" sz="1100">
+              <a:solidFill>
+                <a:schemeClr val="tx1"/>
+              </a:solidFill>
+            </a:endParaRPr>
+          </a:p>
+        </p:txBody>
+      </p:sp>
+      <p:sp>
+        <p:nvSpPr>
+          <p:cNvPr id="24" name="직사각형 23">
+            <a:extLst>
+              <a:ext uri="{FF2B5EF4-FFF2-40B4-BE49-F238E27FC236}">
+                <a16:creationId xmlns:a16="http://schemas.microsoft.com/office/drawing/2014/main" id="{EAEAFD09-7F5E-2835-EB4E-9A70C2EAF7E7}"/>
+              </a:ext>
+            </a:extLst>
+          </p:cNvPr>
+          <p:cNvSpPr/>
+          <p:nvPr/>
+        </p:nvSpPr>
+        <p:spPr>
+          <a:xfrm>
+            <a:off x="7782560" y="5384800"/>
+            <a:ext cx="2590800" cy="436880"/>
+          </a:xfrm>
+          <a:prstGeom prst="rect">
+            <a:avLst/>
+          </a:prstGeom>
+          <a:noFill/>
+        </p:spPr>
+        <p:style>
+          <a:lnRef idx="2">
+            <a:schemeClr val="accent1">
+              <a:shade val="15000"/>
+            </a:schemeClr>
+          </a:lnRef>
+          <a:fillRef idx="1">
+            <a:schemeClr val="accent1"/>
+          </a:fillRef>
+          <a:effectRef idx="0">
+            <a:schemeClr val="accent1"/>
+          </a:effectRef>
+          <a:fontRef idx="minor">
+            <a:schemeClr val="lt1"/>
+          </a:fontRef>
+        </p:style>
+        <p:txBody>
+          <a:bodyPr rtlCol="0" anchor="ctr"/>
+          <a:lstStyle/>
+          <a:p>
+            <a:endParaRPr lang="ko-KR" altLang="en-US" sz="1100">
+              <a:solidFill>
+                <a:schemeClr val="tx1"/>
+              </a:solidFill>
+            </a:endParaRPr>
+          </a:p>
+        </p:txBody>
+      </p:sp>
+      <p:sp>
+        <p:nvSpPr>
+          <p:cNvPr id="25" name="직사각형 24">
+            <a:extLst>
+              <a:ext uri="{FF2B5EF4-FFF2-40B4-BE49-F238E27FC236}">
+                <a16:creationId xmlns:a16="http://schemas.microsoft.com/office/drawing/2014/main" id="{3EC37478-4E34-2721-FD89-260E7A4A3FF6}"/>
+              </a:ext>
+            </a:extLst>
+          </p:cNvPr>
+          <p:cNvSpPr/>
+          <p:nvPr/>
+        </p:nvSpPr>
+        <p:spPr>
+          <a:xfrm>
+            <a:off x="7782560" y="6004560"/>
+            <a:ext cx="2590800" cy="436880"/>
+          </a:xfrm>
+          <a:prstGeom prst="rect">
+            <a:avLst/>
+          </a:prstGeom>
+          <a:noFill/>
+        </p:spPr>
+        <p:style>
+          <a:lnRef idx="2">
+            <a:schemeClr val="accent1">
+              <a:shade val="15000"/>
+            </a:schemeClr>
+          </a:lnRef>
+          <a:fillRef idx="1">
+            <a:schemeClr val="accent1"/>
+          </a:fillRef>
+          <a:effectRef idx="0">
+            <a:schemeClr val="accent1"/>
+          </a:effectRef>
+          <a:fontRef idx="minor">
+            <a:schemeClr val="lt1"/>
+          </a:fontRef>
+        </p:style>
+        <p:txBody>
+          <a:bodyPr rtlCol="0" anchor="ctr"/>
+          <a:lstStyle/>
+          <a:p>
+            <a:endParaRPr lang="ko-KR" altLang="en-US" sz="1100">
+              <a:solidFill>
+                <a:schemeClr val="tx1"/>
+              </a:solidFill>
+            </a:endParaRPr>
+          </a:p>
+        </p:txBody>
+      </p:sp>
+      <p:sp>
+        <p:nvSpPr>
+          <p:cNvPr id="26" name="사각형: 둥근 모서리 25">
+            <a:extLst>
+              <a:ext uri="{FF2B5EF4-FFF2-40B4-BE49-F238E27FC236}">
+                <a16:creationId xmlns:a16="http://schemas.microsoft.com/office/drawing/2014/main" id="{A09C9777-CB28-02FA-502E-DF37D5E84674}"/>
+              </a:ext>
+            </a:extLst>
+          </p:cNvPr>
+          <p:cNvSpPr/>
+          <p:nvPr/>
+        </p:nvSpPr>
+        <p:spPr>
+          <a:xfrm>
+            <a:off x="10607040" y="1625600"/>
+            <a:ext cx="345440" cy="335280"/>
+          </a:xfrm>
+          <a:prstGeom prst="roundRect">
+            <a:avLst/>
+          </a:prstGeom>
+          <a:noFill/>
+        </p:spPr>
+        <p:style>
+          <a:lnRef idx="2">
+            <a:schemeClr val="accent1">
+              <a:shade val="15000"/>
+            </a:schemeClr>
+          </a:lnRef>
+          <a:fillRef idx="1">
+            <a:schemeClr val="accent1"/>
+          </a:fillRef>
+          <a:effectRef idx="0">
+            <a:schemeClr val="accent1"/>
+          </a:effectRef>
+          <a:fontRef idx="minor">
+            <a:schemeClr val="lt1"/>
+          </a:fontRef>
+        </p:style>
+        <p:txBody>
+          <a:bodyPr rtlCol="0" anchor="ctr"/>
+          <a:lstStyle/>
+          <a:p>
+            <a:pPr algn="ctr"/>
+            <a:r>
+              <a:rPr lang="en-US" altLang="ko-KR" dirty="0">
+                <a:solidFill>
+                  <a:srgbClr val="FF0000"/>
+                </a:solidFill>
+              </a:rPr>
+              <a:t>V</a:t>
+            </a:r>
+            <a:endParaRPr lang="ko-KR" altLang="en-US" dirty="0">
+              <a:solidFill>
+                <a:srgbClr val="FF0000"/>
+              </a:solidFill>
+            </a:endParaRPr>
+          </a:p>
+        </p:txBody>
+      </p:sp>
+      <p:sp>
+        <p:nvSpPr>
+          <p:cNvPr id="27" name="직사각형 26">
+            <a:extLst>
+              <a:ext uri="{FF2B5EF4-FFF2-40B4-BE49-F238E27FC236}">
+                <a16:creationId xmlns:a16="http://schemas.microsoft.com/office/drawing/2014/main" id="{4E3E0446-A340-7D3B-2878-CE68A48B02DA}"/>
+              </a:ext>
+            </a:extLst>
+          </p:cNvPr>
+          <p:cNvSpPr/>
+          <p:nvPr/>
+        </p:nvSpPr>
+        <p:spPr>
+          <a:xfrm>
+            <a:off x="0" y="1960880"/>
+            <a:ext cx="6766558" cy="1468120"/>
+          </a:xfrm>
+          <a:prstGeom prst="rect">
+            <a:avLst/>
+          </a:prstGeom>
+          <a:noFill/>
+        </p:spPr>
+        <p:style>
+          <a:lnRef idx="2">
+            <a:schemeClr val="accent1">
+              <a:shade val="15000"/>
+            </a:schemeClr>
+          </a:lnRef>
+          <a:fillRef idx="1">
+            <a:schemeClr val="accent1"/>
+          </a:fillRef>
+          <a:effectRef idx="0">
+            <a:schemeClr val="accent1"/>
+          </a:effectRef>
+          <a:fontRef idx="minor">
+            <a:schemeClr val="lt1"/>
+          </a:fontRef>
+        </p:style>
+        <p:txBody>
+          <a:bodyPr rtlCol="0" anchor="ctr"/>
+          <a:lstStyle/>
+          <a:p>
+            <a:pPr algn="ctr"/>
+            <a:endParaRPr lang="ko-KR" altLang="en-US"/>
+          </a:p>
+        </p:txBody>
+      </p:sp>
+      <p:sp>
+        <p:nvSpPr>
+          <p:cNvPr id="28" name="화살표: 오른쪽 27">
+            <a:extLst>
+              <a:ext uri="{FF2B5EF4-FFF2-40B4-BE49-F238E27FC236}">
+                <a16:creationId xmlns:a16="http://schemas.microsoft.com/office/drawing/2014/main" id="{62F98F1D-E71E-53DC-D799-4294A7888FAD}"/>
+              </a:ext>
+            </a:extLst>
+          </p:cNvPr>
+          <p:cNvSpPr/>
+          <p:nvPr/>
+        </p:nvSpPr>
+        <p:spPr>
+          <a:xfrm>
+            <a:off x="6766558" y="2448560"/>
+            <a:ext cx="213361" cy="345440"/>
+          </a:xfrm>
+          <a:prstGeom prst="rightArrow">
+            <a:avLst/>
+          </a:prstGeom>
+        </p:spPr>
+        <p:style>
+          <a:lnRef idx="2">
+            <a:schemeClr val="accent1">
+              <a:shade val="15000"/>
+            </a:schemeClr>
+          </a:lnRef>
+          <a:fillRef idx="1">
+            <a:schemeClr val="accent1"/>
+          </a:fillRef>
+          <a:effectRef idx="0">
+            <a:schemeClr val="accent1"/>
+          </a:effectRef>
+          <a:fontRef idx="minor">
+            <a:schemeClr val="lt1"/>
+          </a:fontRef>
+        </p:style>
+        <p:txBody>
+          <a:bodyPr rtlCol="0" anchor="ctr"/>
+          <a:lstStyle/>
+          <a:p>
+            <a:pPr algn="ctr"/>
+            <a:endParaRPr lang="ko-KR" altLang="en-US"/>
+          </a:p>
+        </p:txBody>
+      </p:sp>
+      <p:sp>
+        <p:nvSpPr>
+          <p:cNvPr id="29" name="사각형: 둥근 모서리 28">
+            <a:extLst>
+              <a:ext uri="{FF2B5EF4-FFF2-40B4-BE49-F238E27FC236}">
+                <a16:creationId xmlns:a16="http://schemas.microsoft.com/office/drawing/2014/main" id="{EFF1149D-3BA5-524E-54F8-1859621511D5}"/>
+              </a:ext>
+            </a:extLst>
+          </p:cNvPr>
+          <p:cNvSpPr/>
+          <p:nvPr/>
+        </p:nvSpPr>
+        <p:spPr>
+          <a:xfrm>
+            <a:off x="10718800" y="2306320"/>
+            <a:ext cx="345440" cy="335280"/>
+          </a:xfrm>
+          <a:prstGeom prst="roundRect">
+            <a:avLst/>
+          </a:prstGeom>
+          <a:noFill/>
+        </p:spPr>
+        <p:style>
+          <a:lnRef idx="2">
+            <a:schemeClr val="accent1">
+              <a:shade val="15000"/>
+            </a:schemeClr>
+          </a:lnRef>
+          <a:fillRef idx="1">
+            <a:schemeClr val="accent1"/>
+          </a:fillRef>
+          <a:effectRef idx="0">
+            <a:schemeClr val="accent1"/>
+          </a:effectRef>
+          <a:fontRef idx="minor">
+            <a:schemeClr val="lt1"/>
+          </a:fontRef>
+        </p:style>
+        <p:txBody>
+          <a:bodyPr rtlCol="0" anchor="ctr"/>
+          <a:lstStyle/>
+          <a:p>
+            <a:pPr algn="ctr"/>
+            <a:r>
+              <a:rPr lang="en-US" altLang="ko-KR" dirty="0">
+                <a:solidFill>
+                  <a:srgbClr val="FF0000"/>
+                </a:solidFill>
+              </a:rPr>
+              <a:t>V</a:t>
+            </a:r>
+            <a:endParaRPr lang="ko-KR" altLang="en-US" dirty="0">
+              <a:solidFill>
+                <a:srgbClr val="FF0000"/>
+              </a:solidFill>
+            </a:endParaRPr>
+          </a:p>
+        </p:txBody>
+      </p:sp>
+      <p:sp>
+        <p:nvSpPr>
+          <p:cNvPr id="30" name="사각형: 둥근 모서리 29">
+            <a:extLst>
+              <a:ext uri="{FF2B5EF4-FFF2-40B4-BE49-F238E27FC236}">
+                <a16:creationId xmlns:a16="http://schemas.microsoft.com/office/drawing/2014/main" id="{EE464215-9D84-4691-0158-6B3232D129F6}"/>
+              </a:ext>
+            </a:extLst>
+          </p:cNvPr>
+          <p:cNvSpPr/>
+          <p:nvPr/>
+        </p:nvSpPr>
+        <p:spPr>
+          <a:xfrm>
+            <a:off x="10718800" y="2936240"/>
+            <a:ext cx="345440" cy="335280"/>
+          </a:xfrm>
+          <a:prstGeom prst="roundRect">
+            <a:avLst/>
+          </a:prstGeom>
+          <a:noFill/>
+        </p:spPr>
+        <p:style>
+          <a:lnRef idx="2">
+            <a:schemeClr val="accent1">
+              <a:shade val="15000"/>
+            </a:schemeClr>
+          </a:lnRef>
+          <a:fillRef idx="1">
+            <a:schemeClr val="accent1"/>
+          </a:fillRef>
+          <a:effectRef idx="0">
+            <a:schemeClr val="accent1"/>
+          </a:effectRef>
+          <a:fontRef idx="minor">
+            <a:schemeClr val="lt1"/>
+          </a:fontRef>
+        </p:style>
+        <p:txBody>
+          <a:bodyPr rtlCol="0" anchor="ctr"/>
+          <a:lstStyle/>
+          <a:p>
+            <a:pPr algn="ctr"/>
+            <a:r>
+              <a:rPr lang="en-US" altLang="ko-KR" dirty="0">
+                <a:solidFill>
+                  <a:srgbClr val="FF0000"/>
+                </a:solidFill>
+              </a:rPr>
+              <a:t>V</a:t>
+            </a:r>
+            <a:endParaRPr lang="ko-KR" altLang="en-US" dirty="0">
+              <a:solidFill>
+                <a:srgbClr val="FF0000"/>
+              </a:solidFill>
+            </a:endParaRPr>
+          </a:p>
+        </p:txBody>
+      </p:sp>
+      <p:sp>
+        <p:nvSpPr>
+          <p:cNvPr id="31" name="사각형: 둥근 모서리 30">
+            <a:extLst>
+              <a:ext uri="{FF2B5EF4-FFF2-40B4-BE49-F238E27FC236}">
+                <a16:creationId xmlns:a16="http://schemas.microsoft.com/office/drawing/2014/main" id="{79527009-DA8D-BE74-9774-056C93BF972B}"/>
+              </a:ext>
+            </a:extLst>
+          </p:cNvPr>
+          <p:cNvSpPr/>
+          <p:nvPr/>
+        </p:nvSpPr>
+        <p:spPr>
+          <a:xfrm>
+            <a:off x="10739120" y="3586480"/>
+            <a:ext cx="345440" cy="335280"/>
+          </a:xfrm>
+          <a:prstGeom prst="roundRect">
+            <a:avLst/>
+          </a:prstGeom>
+          <a:noFill/>
+        </p:spPr>
+        <p:style>
+          <a:lnRef idx="2">
+            <a:schemeClr val="accent1">
+              <a:shade val="15000"/>
+            </a:schemeClr>
+          </a:lnRef>
+          <a:fillRef idx="1">
+            <a:schemeClr val="accent1"/>
+          </a:fillRef>
+          <a:effectRef idx="0">
+            <a:schemeClr val="accent1"/>
+          </a:effectRef>
+          <a:fontRef idx="minor">
+            <a:schemeClr val="lt1"/>
+          </a:fontRef>
+        </p:style>
+        <p:txBody>
+          <a:bodyPr rtlCol="0" anchor="ctr"/>
+          <a:lstStyle/>
+          <a:p>
+            <a:pPr algn="ctr"/>
+            <a:r>
+              <a:rPr lang="en-US" altLang="ko-KR" dirty="0">
+                <a:solidFill>
+                  <a:srgbClr val="FF0000"/>
+                </a:solidFill>
+              </a:rPr>
+              <a:t>V</a:t>
+            </a:r>
+            <a:endParaRPr lang="ko-KR" altLang="en-US" dirty="0">
+              <a:solidFill>
+                <a:srgbClr val="FF0000"/>
+              </a:solidFill>
+            </a:endParaRPr>
+          </a:p>
+        </p:txBody>
+      </p:sp>
+      <p:sp>
+        <p:nvSpPr>
+          <p:cNvPr id="32" name="사각형: 둥근 모서리 31">
+            <a:extLst>
+              <a:ext uri="{FF2B5EF4-FFF2-40B4-BE49-F238E27FC236}">
+                <a16:creationId xmlns:a16="http://schemas.microsoft.com/office/drawing/2014/main" id="{16CD4F98-C2ED-91B1-A5E1-7E051CA2F3ED}"/>
+              </a:ext>
+            </a:extLst>
+          </p:cNvPr>
+          <p:cNvSpPr/>
+          <p:nvPr/>
+        </p:nvSpPr>
+        <p:spPr>
+          <a:xfrm>
+            <a:off x="10739120" y="4226560"/>
+            <a:ext cx="345440" cy="335280"/>
+          </a:xfrm>
+          <a:prstGeom prst="roundRect">
+            <a:avLst/>
+          </a:prstGeom>
+          <a:noFill/>
+        </p:spPr>
+        <p:style>
+          <a:lnRef idx="2">
+            <a:schemeClr val="accent1">
+              <a:shade val="15000"/>
+            </a:schemeClr>
+          </a:lnRef>
+          <a:fillRef idx="1">
+            <a:schemeClr val="accent1"/>
+          </a:fillRef>
+          <a:effectRef idx="0">
+            <a:schemeClr val="accent1"/>
+          </a:effectRef>
+          <a:fontRef idx="minor">
+            <a:schemeClr val="lt1"/>
+          </a:fontRef>
+        </p:style>
+        <p:txBody>
+          <a:bodyPr rtlCol="0" anchor="ctr"/>
+          <a:lstStyle/>
+          <a:p>
+            <a:pPr algn="ctr"/>
+            <a:r>
+              <a:rPr lang="en-US" altLang="ko-KR" dirty="0">
+                <a:solidFill>
+                  <a:srgbClr val="FF0000"/>
+                </a:solidFill>
+              </a:rPr>
+              <a:t>V</a:t>
+            </a:r>
+            <a:endParaRPr lang="ko-KR" altLang="en-US" dirty="0">
+              <a:solidFill>
+                <a:srgbClr val="FF0000"/>
+              </a:solidFill>
+            </a:endParaRPr>
+          </a:p>
+        </p:txBody>
+      </p:sp>
+      <p:sp>
+        <p:nvSpPr>
+          <p:cNvPr id="33" name="사각형: 둥근 모서리 32">
+            <a:extLst>
+              <a:ext uri="{FF2B5EF4-FFF2-40B4-BE49-F238E27FC236}">
+                <a16:creationId xmlns:a16="http://schemas.microsoft.com/office/drawing/2014/main" id="{A074E87A-37C1-8A99-26FC-9593027D9655}"/>
+              </a:ext>
+            </a:extLst>
+          </p:cNvPr>
+          <p:cNvSpPr/>
+          <p:nvPr/>
+        </p:nvSpPr>
+        <p:spPr>
+          <a:xfrm>
+            <a:off x="10739120" y="4805680"/>
+            <a:ext cx="345440" cy="335280"/>
+          </a:xfrm>
+          <a:prstGeom prst="roundRect">
+            <a:avLst/>
+          </a:prstGeom>
+          <a:noFill/>
+        </p:spPr>
+        <p:style>
+          <a:lnRef idx="2">
+            <a:schemeClr val="accent1">
+              <a:shade val="15000"/>
+            </a:schemeClr>
+          </a:lnRef>
+          <a:fillRef idx="1">
+            <a:schemeClr val="accent1"/>
+          </a:fillRef>
+          <a:effectRef idx="0">
+            <a:schemeClr val="accent1"/>
+          </a:effectRef>
+          <a:fontRef idx="minor">
+            <a:schemeClr val="lt1"/>
+          </a:fontRef>
+        </p:style>
+        <p:txBody>
+          <a:bodyPr rtlCol="0" anchor="ctr"/>
+          <a:lstStyle/>
+          <a:p>
+            <a:pPr algn="ctr"/>
+            <a:endParaRPr lang="ko-KR" altLang="en-US" dirty="0">
+              <a:solidFill>
+                <a:srgbClr val="FF0000"/>
+              </a:solidFill>
+            </a:endParaRPr>
+          </a:p>
+        </p:txBody>
+      </p:sp>
+      <p:sp>
+        <p:nvSpPr>
+          <p:cNvPr id="34" name="사각형: 둥근 모서리 33">
+            <a:extLst>
+              <a:ext uri="{FF2B5EF4-FFF2-40B4-BE49-F238E27FC236}">
+                <a16:creationId xmlns:a16="http://schemas.microsoft.com/office/drawing/2014/main" id="{BC057A5A-FE89-6441-C65C-9F91F098460D}"/>
+              </a:ext>
+            </a:extLst>
+          </p:cNvPr>
+          <p:cNvSpPr/>
+          <p:nvPr/>
+        </p:nvSpPr>
+        <p:spPr>
+          <a:xfrm>
+            <a:off x="10759440" y="5455920"/>
+            <a:ext cx="345440" cy="335280"/>
+          </a:xfrm>
+          <a:prstGeom prst="roundRect">
+            <a:avLst/>
+          </a:prstGeom>
+          <a:noFill/>
+        </p:spPr>
+        <p:style>
+          <a:lnRef idx="2">
+            <a:schemeClr val="accent1">
+              <a:shade val="15000"/>
+            </a:schemeClr>
+          </a:lnRef>
+          <a:fillRef idx="1">
+            <a:schemeClr val="accent1"/>
+          </a:fillRef>
+          <a:effectRef idx="0">
+            <a:schemeClr val="accent1"/>
+          </a:effectRef>
+          <a:fontRef idx="minor">
+            <a:schemeClr val="lt1"/>
+          </a:fontRef>
+        </p:style>
+        <p:txBody>
+          <a:bodyPr rtlCol="0" anchor="ctr"/>
+          <a:lstStyle/>
+          <a:p>
+            <a:pPr algn="ctr"/>
+            <a:endParaRPr lang="ko-KR" altLang="en-US" dirty="0">
+              <a:solidFill>
+                <a:srgbClr val="FF0000"/>
+              </a:solidFill>
+            </a:endParaRPr>
+          </a:p>
+        </p:txBody>
+      </p:sp>
+      <p:sp>
+        <p:nvSpPr>
+          <p:cNvPr id="35" name="사각형: 둥근 모서리 34">
+            <a:extLst>
+              <a:ext uri="{FF2B5EF4-FFF2-40B4-BE49-F238E27FC236}">
+                <a16:creationId xmlns:a16="http://schemas.microsoft.com/office/drawing/2014/main" id="{F04537CA-4A23-73BA-26FA-BD309E99E181}"/>
+              </a:ext>
+            </a:extLst>
+          </p:cNvPr>
+          <p:cNvSpPr/>
+          <p:nvPr/>
+        </p:nvSpPr>
+        <p:spPr>
+          <a:xfrm>
+            <a:off x="10759440" y="6096000"/>
+            <a:ext cx="345440" cy="335280"/>
+          </a:xfrm>
+          <a:prstGeom prst="roundRect">
+            <a:avLst/>
+          </a:prstGeom>
+          <a:noFill/>
+        </p:spPr>
+        <p:style>
+          <a:lnRef idx="2">
+            <a:schemeClr val="accent1">
+              <a:shade val="15000"/>
+            </a:schemeClr>
+          </a:lnRef>
+          <a:fillRef idx="1">
+            <a:schemeClr val="accent1"/>
+          </a:fillRef>
+          <a:effectRef idx="0">
+            <a:schemeClr val="accent1"/>
+          </a:effectRef>
+          <a:fontRef idx="minor">
+            <a:schemeClr val="lt1"/>
+          </a:fontRef>
+        </p:style>
+        <p:txBody>
+          <a:bodyPr rtlCol="0" anchor="ctr"/>
+          <a:lstStyle/>
+          <a:p>
+            <a:pPr algn="ctr"/>
+            <a:endParaRPr lang="ko-KR" altLang="en-US" dirty="0">
+              <a:solidFill>
+                <a:srgbClr val="FF0000"/>
+              </a:solidFill>
+            </a:endParaRPr>
+          </a:p>
+        </p:txBody>
+      </p:sp>
+      <p:sp>
+        <p:nvSpPr>
+          <p:cNvPr id="36" name="TextBox 35">
+            <a:extLst>
+              <a:ext uri="{FF2B5EF4-FFF2-40B4-BE49-F238E27FC236}">
+                <a16:creationId xmlns:a16="http://schemas.microsoft.com/office/drawing/2014/main" id="{E38C0044-BF76-7A1D-0DA8-34E2BAA0E418}"/>
+              </a:ext>
+            </a:extLst>
+          </p:cNvPr>
+          <p:cNvSpPr txBox="1"/>
+          <p:nvPr/>
+        </p:nvSpPr>
+        <p:spPr>
+          <a:xfrm>
+            <a:off x="5130800" y="386080"/>
+            <a:ext cx="1420582" cy="369332"/>
+          </a:xfrm>
+          <a:prstGeom prst="rect">
+            <a:avLst/>
+          </a:prstGeom>
+          <a:noFill/>
+        </p:spPr>
+        <p:txBody>
+          <a:bodyPr wrap="none" rtlCol="0">
+            <a:spAutoFit/>
+          </a:bodyPr>
+          <a:lstStyle/>
+          <a:p>
+            <a:r>
+              <a:rPr lang="ko-KR" altLang="en-US"/>
+              <a:t>문제생성 앱</a:t>
+            </a:r>
+          </a:p>
+        </p:txBody>
+      </p:sp>
+    </p:spTree>
+    <p:extLst>
+      <p:ext uri="{BB962C8B-B14F-4D97-AF65-F5344CB8AC3E}">
+        <p14:creationId xmlns:p14="http://schemas.microsoft.com/office/powerpoint/2010/main" val="94063212"/>
+      </p:ext>
+    </p:extLst>
+  </p:cSld>
+  <p:clrMapOvr>
+    <a:masterClrMapping/>
+  </p:clrMapOvr>
+</p:sld>
+</file>
+
+<file path=ppt/slides/slide9.xml><?xml version="1.0" encoding="utf-8"?>
+<p:sld xmlns:a="http://schemas.openxmlformats.org/drawingml/2006/main" xmlns:r="http://schemas.openxmlformats.org/officeDocument/2006/relationships" xmlns:p="http://schemas.openxmlformats.org/presentationml/2006/main">
+  <p:cSld>
+    <p:spTree>
+      <p:nvGrpSpPr>
+        <p:cNvPr id="1" name="">
+          <a:extLst>
+            <a:ext uri="{FF2B5EF4-FFF2-40B4-BE49-F238E27FC236}">
+              <a16:creationId xmlns:a16="http://schemas.microsoft.com/office/drawing/2014/main" id="{2AFB9A4F-B764-8007-5798-68063D9BAAC6}"/>
+            </a:ext>
+          </a:extLst>
+        </p:cNvPr>
+        <p:cNvGrpSpPr/>
+        <p:nvPr/>
+      </p:nvGrpSpPr>
+      <p:grpSpPr>
+        <a:xfrm>
+          <a:off x="0" y="0"/>
+          <a:ext cx="0" cy="0"/>
+          <a:chOff x="0" y="0"/>
+          <a:chExt cx="0" cy="0"/>
+        </a:xfrm>
+      </p:grpSpPr>
+      <p:sp>
+        <p:nvSpPr>
+          <p:cNvPr id="36" name="TextBox 35">
+            <a:extLst>
+              <a:ext uri="{FF2B5EF4-FFF2-40B4-BE49-F238E27FC236}">
+                <a16:creationId xmlns:a16="http://schemas.microsoft.com/office/drawing/2014/main" id="{1FDBE1DA-889D-C08D-741A-E517C22BB99D}"/>
+              </a:ext>
+            </a:extLst>
+          </p:cNvPr>
+          <p:cNvSpPr txBox="1"/>
+          <p:nvPr/>
+        </p:nvSpPr>
+        <p:spPr>
+          <a:xfrm>
+            <a:off x="1036320" y="213727"/>
+            <a:ext cx="10319719" cy="1200329"/>
+          </a:xfrm>
+          <a:prstGeom prst="rect">
+            <a:avLst/>
+          </a:prstGeom>
+          <a:noFill/>
+        </p:spPr>
+        <p:txBody>
+          <a:bodyPr wrap="square" rtlCol="0">
+            <a:spAutoFit/>
+          </a:bodyPr>
+          <a:lstStyle/>
+          <a:p>
+            <a:pPr algn="ctr"/>
+            <a:r>
+              <a:rPr lang="ko-KR" altLang="en-US" dirty="0"/>
+              <a:t>객관식 문제 열람 및 수정 생성 앱 개념도</a:t>
+            </a:r>
+            <a:endParaRPr lang="en-US" altLang="ko-KR" dirty="0"/>
+          </a:p>
+          <a:p>
+            <a:pPr algn="ctr"/>
+            <a:r>
+              <a:rPr lang="ko-KR" altLang="en-US" dirty="0"/>
+              <a:t>설명  우측박스에서 원본문제가 스크롤 하고 스크롤하던 원본문제를</a:t>
+            </a:r>
+            <a:endParaRPr lang="en-US" altLang="ko-KR" dirty="0"/>
+          </a:p>
+          <a:p>
+            <a:pPr algn="ctr"/>
+            <a:r>
+              <a:rPr lang="ko-KR" altLang="en-US" dirty="0"/>
+              <a:t>클릭하면 해당 원본문제에서 파생된 객관식 문제가 보인다 빈칸에 새로 문제를 생성하거나</a:t>
+            </a:r>
+            <a:endParaRPr lang="en-US" altLang="ko-KR" dirty="0"/>
+          </a:p>
+          <a:p>
+            <a:pPr algn="ctr"/>
+            <a:r>
+              <a:rPr lang="ko-KR" altLang="en-US" dirty="0"/>
+              <a:t>불필요하다고 생각되는 객관식 문제는 체크를 해제 한 후 업데이트를 누르면 반영된다</a:t>
+            </a:r>
+          </a:p>
+        </p:txBody>
+      </p:sp>
+      <p:sp>
+        <p:nvSpPr>
+          <p:cNvPr id="2" name="사각형: 둥근 모서리 1">
+            <a:extLst>
+              <a:ext uri="{FF2B5EF4-FFF2-40B4-BE49-F238E27FC236}">
+                <a16:creationId xmlns:a16="http://schemas.microsoft.com/office/drawing/2014/main" id="{2A672252-4731-5FEE-DC35-E361588BF368}"/>
+              </a:ext>
+            </a:extLst>
+          </p:cNvPr>
+          <p:cNvSpPr/>
+          <p:nvPr/>
+        </p:nvSpPr>
+        <p:spPr>
+          <a:xfrm>
+            <a:off x="772160" y="1452880"/>
+            <a:ext cx="3616960" cy="4582160"/>
+          </a:xfrm>
+          <a:prstGeom prst="roundRect">
+            <a:avLst/>
+          </a:prstGeom>
+          <a:noFill/>
+        </p:spPr>
+        <p:style>
+          <a:lnRef idx="2">
+            <a:schemeClr val="accent1">
+              <a:shade val="15000"/>
+            </a:schemeClr>
+          </a:lnRef>
+          <a:fillRef idx="1">
+            <a:schemeClr val="accent1"/>
+          </a:fillRef>
+          <a:effectRef idx="0">
+            <a:schemeClr val="accent1"/>
+          </a:effectRef>
+          <a:fontRef idx="minor">
+            <a:schemeClr val="lt1"/>
+          </a:fontRef>
+        </p:style>
+        <p:txBody>
+          <a:bodyPr rtlCol="0" anchor="ctr"/>
+          <a:lstStyle/>
+          <a:p>
+            <a:pPr algn="ctr"/>
+            <a:r>
+              <a:rPr lang="ko-KR" altLang="en-US" sz="1400" dirty="0">
+                <a:solidFill>
+                  <a:schemeClr val="tx1"/>
+                </a:solidFill>
+              </a:rPr>
+              <a:t>기출문제 객관식 스크롤</a:t>
+            </a:r>
+            <a:endParaRPr lang="en-US" altLang="ko-KR" sz="1400" dirty="0">
+              <a:solidFill>
+                <a:schemeClr val="tx1"/>
+              </a:solidFill>
+            </a:endParaRPr>
+          </a:p>
+          <a:p>
+            <a:pPr algn="ctr"/>
+            <a:endParaRPr lang="en-US" altLang="ko-KR" sz="1400" dirty="0">
+              <a:solidFill>
+                <a:schemeClr val="tx1"/>
+              </a:solidFill>
+            </a:endParaRPr>
+          </a:p>
+          <a:p>
+            <a:pPr algn="ctr"/>
+            <a:endParaRPr lang="en-US" altLang="ko-KR" sz="1400" dirty="0">
+              <a:solidFill>
+                <a:schemeClr val="tx1"/>
+              </a:solidFill>
+            </a:endParaRPr>
+          </a:p>
+          <a:p>
+            <a:pPr algn="ctr"/>
+            <a:endParaRPr lang="en-US" altLang="ko-KR" sz="1400" dirty="0">
+              <a:solidFill>
+                <a:schemeClr val="tx1"/>
+              </a:solidFill>
+            </a:endParaRPr>
+          </a:p>
+          <a:p>
+            <a:pPr algn="ctr"/>
+            <a:endParaRPr lang="en-US" altLang="ko-KR" sz="1400" dirty="0">
+              <a:solidFill>
+                <a:schemeClr val="tx1"/>
+              </a:solidFill>
+            </a:endParaRPr>
+          </a:p>
+          <a:p>
+            <a:pPr algn="ctr"/>
+            <a:endParaRPr lang="en-US" altLang="ko-KR" sz="1400" dirty="0">
+              <a:solidFill>
+                <a:schemeClr val="tx1"/>
+              </a:solidFill>
+            </a:endParaRPr>
+          </a:p>
+          <a:p>
+            <a:pPr algn="ctr"/>
+            <a:r>
+              <a:rPr lang="ko-KR" altLang="en-US" sz="1400" dirty="0">
+                <a:solidFill>
+                  <a:schemeClr val="tx1"/>
+                </a:solidFill>
+              </a:rPr>
+              <a:t>제</a:t>
+            </a:r>
+            <a:r>
+              <a:rPr lang="en-US" altLang="ko-KR" sz="1400" dirty="0">
+                <a:solidFill>
+                  <a:schemeClr val="tx1"/>
+                </a:solidFill>
+              </a:rPr>
+              <a:t>22</a:t>
+            </a:r>
+            <a:r>
+              <a:rPr lang="ko-KR" altLang="en-US" sz="1400" dirty="0">
+                <a:solidFill>
+                  <a:schemeClr val="tx1"/>
+                </a:solidFill>
+              </a:rPr>
+              <a:t>회 공통 </a:t>
+            </a:r>
+            <a:r>
+              <a:rPr lang="en-US" altLang="ko-KR" sz="1400" dirty="0">
+                <a:solidFill>
+                  <a:schemeClr val="tx1"/>
+                </a:solidFill>
+              </a:rPr>
+              <a:t>13</a:t>
+            </a:r>
+            <a:r>
+              <a:rPr lang="ko-KR" altLang="en-US" sz="1400" dirty="0" err="1">
+                <a:solidFill>
+                  <a:schemeClr val="tx1"/>
+                </a:solidFill>
+              </a:rPr>
+              <a:t>번문제</a:t>
+            </a:r>
+            <a:r>
+              <a:rPr lang="ko-KR" altLang="en-US" sz="1400" dirty="0">
+                <a:solidFill>
+                  <a:schemeClr val="tx1"/>
+                </a:solidFill>
+              </a:rPr>
+              <a:t>  클릭</a:t>
+            </a:r>
+          </a:p>
+        </p:txBody>
+      </p:sp>
+      <p:cxnSp>
+        <p:nvCxnSpPr>
+          <p:cNvPr id="5" name="직선 화살표 연결선 4">
+            <a:extLst>
+              <a:ext uri="{FF2B5EF4-FFF2-40B4-BE49-F238E27FC236}">
+                <a16:creationId xmlns:a16="http://schemas.microsoft.com/office/drawing/2014/main" id="{BB4E8A2C-2D23-2276-55E8-6DC8D5DA96DC}"/>
+              </a:ext>
+            </a:extLst>
+          </p:cNvPr>
+          <p:cNvCxnSpPr/>
+          <p:nvPr/>
+        </p:nvCxnSpPr>
+        <p:spPr>
+          <a:xfrm>
+            <a:off x="1270000" y="2377440"/>
+            <a:ext cx="0" cy="2519680"/>
+          </a:xfrm>
+          <a:prstGeom prst="straightConnector1">
+            <a:avLst/>
+          </a:prstGeom>
+          <a:ln>
+            <a:headEnd type="triangle"/>
+            <a:tailEnd type="triangle"/>
+          </a:ln>
+        </p:spPr>
+        <p:style>
+          <a:lnRef idx="2">
+            <a:schemeClr val="accent1"/>
+          </a:lnRef>
+          <a:fillRef idx="0">
+            <a:schemeClr val="accent1"/>
+          </a:fillRef>
+          <a:effectRef idx="1">
+            <a:schemeClr val="accent1"/>
+          </a:effectRef>
+          <a:fontRef idx="minor">
+            <a:schemeClr val="tx1"/>
+          </a:fontRef>
+        </p:style>
+      </p:cxnSp>
+      <p:sp>
+        <p:nvSpPr>
+          <p:cNvPr id="6" name="사각형: 둥근 모서리 5">
+            <a:extLst>
+              <a:ext uri="{FF2B5EF4-FFF2-40B4-BE49-F238E27FC236}">
+                <a16:creationId xmlns:a16="http://schemas.microsoft.com/office/drawing/2014/main" id="{AFA42449-CE5D-AA3B-E451-A40F96F3C647}"/>
+              </a:ext>
+            </a:extLst>
+          </p:cNvPr>
+          <p:cNvSpPr/>
+          <p:nvPr/>
+        </p:nvSpPr>
+        <p:spPr>
+          <a:xfrm>
+            <a:off x="1351280" y="4267200"/>
+            <a:ext cx="233675" cy="243840"/>
+          </a:xfrm>
+          <a:prstGeom prst="roundRect">
+            <a:avLst/>
+          </a:prstGeom>
+        </p:spPr>
+        <p:style>
+          <a:lnRef idx="2">
+            <a:schemeClr val="accent1">
+              <a:shade val="15000"/>
+            </a:schemeClr>
+          </a:lnRef>
+          <a:fillRef idx="1">
+            <a:schemeClr val="accent1"/>
+          </a:fillRef>
+          <a:effectRef idx="0">
+            <a:schemeClr val="accent1"/>
+          </a:effectRef>
+          <a:fontRef idx="minor">
+            <a:schemeClr val="lt1"/>
+          </a:fontRef>
+        </p:style>
+        <p:txBody>
+          <a:bodyPr rtlCol="0" anchor="ctr"/>
+          <a:lstStyle/>
+          <a:p>
+            <a:pPr algn="ctr"/>
+            <a:endParaRPr lang="ko-KR" altLang="en-US"/>
+          </a:p>
+        </p:txBody>
+      </p:sp>
+      <p:sp>
+        <p:nvSpPr>
+          <p:cNvPr id="8" name="직사각형 7">
+            <a:extLst>
+              <a:ext uri="{FF2B5EF4-FFF2-40B4-BE49-F238E27FC236}">
+                <a16:creationId xmlns:a16="http://schemas.microsoft.com/office/drawing/2014/main" id="{E9B3494A-E4A6-07DB-BCB7-2C67E3F32762}"/>
+              </a:ext>
+            </a:extLst>
+          </p:cNvPr>
+          <p:cNvSpPr/>
+          <p:nvPr/>
+        </p:nvSpPr>
+        <p:spPr>
+          <a:xfrm>
+            <a:off x="5496560" y="1452880"/>
+            <a:ext cx="4104640" cy="4368800"/>
+          </a:xfrm>
+          <a:prstGeom prst="rect">
+            <a:avLst/>
+          </a:prstGeom>
+          <a:noFill/>
+        </p:spPr>
+        <p:style>
+          <a:lnRef idx="2">
+            <a:schemeClr val="accent1">
+              <a:shade val="15000"/>
+            </a:schemeClr>
+          </a:lnRef>
+          <a:fillRef idx="1">
+            <a:schemeClr val="accent1"/>
+          </a:fillRef>
+          <a:effectRef idx="0">
+            <a:schemeClr val="accent1"/>
+          </a:effectRef>
+          <a:fontRef idx="minor">
+            <a:schemeClr val="lt1"/>
+          </a:fontRef>
+        </p:style>
+        <p:txBody>
+          <a:bodyPr rtlCol="0" anchor="ctr"/>
+          <a:lstStyle/>
+          <a:p>
+            <a:pPr algn="ctr"/>
+            <a:endParaRPr lang="ko-KR" altLang="en-US"/>
+          </a:p>
+        </p:txBody>
+      </p:sp>
+      <p:sp>
+        <p:nvSpPr>
+          <p:cNvPr id="9" name="직사각형 8">
+            <a:extLst>
+              <a:ext uri="{FF2B5EF4-FFF2-40B4-BE49-F238E27FC236}">
+                <a16:creationId xmlns:a16="http://schemas.microsoft.com/office/drawing/2014/main" id="{3D5C5A62-C85D-4F43-F9BE-7692A32BA9B8}"/>
+              </a:ext>
+            </a:extLst>
+          </p:cNvPr>
+          <p:cNvSpPr/>
+          <p:nvPr/>
+        </p:nvSpPr>
+        <p:spPr>
+          <a:xfrm>
+            <a:off x="6045200" y="1564640"/>
+            <a:ext cx="2590800" cy="436880"/>
+          </a:xfrm>
+          <a:prstGeom prst="rect">
+            <a:avLst/>
+          </a:prstGeom>
+          <a:noFill/>
+        </p:spPr>
+        <p:style>
+          <a:lnRef idx="2">
+            <a:schemeClr val="accent1">
+              <a:shade val="15000"/>
+            </a:schemeClr>
+          </a:lnRef>
+          <a:fillRef idx="1">
+            <a:schemeClr val="accent1"/>
+          </a:fillRef>
+          <a:effectRef idx="0">
+            <a:schemeClr val="accent1"/>
+          </a:effectRef>
+          <a:fontRef idx="minor">
+            <a:schemeClr val="lt1"/>
+          </a:fontRef>
+        </p:style>
+        <p:txBody>
+          <a:bodyPr rtlCol="0" anchor="ctr"/>
+          <a:lstStyle/>
+          <a:p>
+            <a:r>
+              <a:rPr lang="en-US" altLang="ko-KR" sz="1100" dirty="0">
+                <a:solidFill>
+                  <a:schemeClr val="tx1"/>
+                </a:solidFill>
+              </a:rPr>
+              <a:t>1  </a:t>
+            </a:r>
+            <a:r>
+              <a:rPr lang="ko-KR" altLang="en-US" sz="1100" dirty="0">
+                <a:solidFill>
+                  <a:schemeClr val="tx1"/>
+                </a:solidFill>
+              </a:rPr>
+              <a:t>날씨보험음</a:t>
+            </a:r>
+          </a:p>
+        </p:txBody>
+      </p:sp>
+      <p:sp>
+        <p:nvSpPr>
+          <p:cNvPr id="10" name="직사각형 9">
+            <a:extLst>
+              <a:ext uri="{FF2B5EF4-FFF2-40B4-BE49-F238E27FC236}">
+                <a16:creationId xmlns:a16="http://schemas.microsoft.com/office/drawing/2014/main" id="{2B7A79EA-E10D-193C-49EF-DA3B0B87865D}"/>
+              </a:ext>
+            </a:extLst>
+          </p:cNvPr>
+          <p:cNvSpPr/>
+          <p:nvPr/>
+        </p:nvSpPr>
+        <p:spPr>
+          <a:xfrm>
+            <a:off x="6075680" y="2164080"/>
+            <a:ext cx="2590800" cy="436880"/>
+          </a:xfrm>
+          <a:prstGeom prst="rect">
+            <a:avLst/>
+          </a:prstGeom>
+          <a:noFill/>
+        </p:spPr>
+        <p:style>
+          <a:lnRef idx="2">
+            <a:schemeClr val="accent1">
+              <a:shade val="15000"/>
+            </a:schemeClr>
+          </a:lnRef>
+          <a:fillRef idx="1">
+            <a:schemeClr val="accent1"/>
+          </a:fillRef>
+          <a:effectRef idx="0">
+            <a:schemeClr val="accent1"/>
+          </a:effectRef>
+          <a:fontRef idx="minor">
+            <a:schemeClr val="lt1"/>
+          </a:fontRef>
+        </p:style>
+        <p:txBody>
+          <a:bodyPr rtlCol="0" anchor="ctr"/>
+          <a:lstStyle/>
+          <a:p>
+            <a:r>
+              <a:rPr lang="en-US" altLang="ko-KR" sz="1100" dirty="0">
+                <a:solidFill>
+                  <a:schemeClr val="tx1"/>
+                </a:solidFill>
+              </a:rPr>
+              <a:t>2 </a:t>
+            </a:r>
+            <a:r>
+              <a:rPr lang="ko-KR" altLang="en-US" sz="1100" dirty="0">
+                <a:solidFill>
+                  <a:schemeClr val="tx1"/>
+                </a:solidFill>
+              </a:rPr>
+              <a:t>비용보험은 보험이다 정답 </a:t>
+            </a:r>
+            <a:r>
+              <a:rPr lang="en-US" altLang="ko-KR" sz="1100" dirty="0">
+                <a:solidFill>
+                  <a:schemeClr val="tx1"/>
+                </a:solidFill>
+              </a:rPr>
+              <a:t>O</a:t>
+            </a:r>
+            <a:endParaRPr lang="ko-KR" altLang="en-US" sz="1100" dirty="0">
+              <a:solidFill>
+                <a:schemeClr val="tx1"/>
+              </a:solidFill>
+            </a:endParaRPr>
+          </a:p>
+        </p:txBody>
+      </p:sp>
+      <p:sp>
+        <p:nvSpPr>
+          <p:cNvPr id="11" name="직사각형 10">
+            <a:extLst>
+              <a:ext uri="{FF2B5EF4-FFF2-40B4-BE49-F238E27FC236}">
+                <a16:creationId xmlns:a16="http://schemas.microsoft.com/office/drawing/2014/main" id="{35009906-6F10-5FC8-E93E-125D616BCBB0}"/>
+              </a:ext>
+            </a:extLst>
+          </p:cNvPr>
+          <p:cNvSpPr/>
+          <p:nvPr/>
+        </p:nvSpPr>
+        <p:spPr>
+          <a:xfrm>
+            <a:off x="6075680" y="2682240"/>
+            <a:ext cx="2590800" cy="436880"/>
+          </a:xfrm>
+          <a:prstGeom prst="rect">
+            <a:avLst/>
+          </a:prstGeom>
+          <a:noFill/>
+        </p:spPr>
+        <p:style>
+          <a:lnRef idx="2">
+            <a:schemeClr val="accent1">
+              <a:shade val="15000"/>
+            </a:schemeClr>
+          </a:lnRef>
+          <a:fillRef idx="1">
+            <a:schemeClr val="accent1"/>
+          </a:fillRef>
+          <a:effectRef idx="0">
+            <a:schemeClr val="accent1"/>
+          </a:effectRef>
+          <a:fontRef idx="minor">
+            <a:schemeClr val="lt1"/>
+          </a:fontRef>
+        </p:style>
+        <p:txBody>
+          <a:bodyPr rtlCol="0" anchor="ctr"/>
+          <a:lstStyle/>
+          <a:p>
+            <a:r>
+              <a:rPr lang="en-US" altLang="ko-KR" sz="1100" dirty="0">
+                <a:solidFill>
+                  <a:schemeClr val="tx1"/>
+                </a:solidFill>
+              </a:rPr>
+              <a:t>3. </a:t>
+            </a:r>
+            <a:r>
+              <a:rPr lang="ko-KR" altLang="en-US" sz="1100" dirty="0" err="1">
+                <a:solidFill>
+                  <a:schemeClr val="tx1"/>
+                </a:solidFill>
+              </a:rPr>
+              <a:t>손배호범을</a:t>
+            </a:r>
+            <a:r>
+              <a:rPr lang="ko-KR" altLang="en-US" sz="1100" dirty="0">
+                <a:solidFill>
+                  <a:schemeClr val="tx1"/>
+                </a:solidFill>
+              </a:rPr>
+              <a:t> 청구한다 정답</a:t>
+            </a:r>
+            <a:r>
+              <a:rPr lang="en-US" altLang="ko-KR" sz="1100" dirty="0">
+                <a:solidFill>
+                  <a:schemeClr val="tx1"/>
+                </a:solidFill>
+              </a:rPr>
+              <a:t>X</a:t>
+            </a:r>
+            <a:endParaRPr lang="ko-KR" altLang="en-US" sz="1100" dirty="0">
+              <a:solidFill>
+                <a:schemeClr val="tx1"/>
+              </a:solidFill>
+            </a:endParaRPr>
+          </a:p>
+        </p:txBody>
+      </p:sp>
+      <p:sp>
+        <p:nvSpPr>
+          <p:cNvPr id="12" name="직사각형 11">
+            <a:extLst>
+              <a:ext uri="{FF2B5EF4-FFF2-40B4-BE49-F238E27FC236}">
+                <a16:creationId xmlns:a16="http://schemas.microsoft.com/office/drawing/2014/main" id="{EF0E61FE-4E5C-369F-BCBF-7AEBD317A0E2}"/>
+              </a:ext>
+            </a:extLst>
+          </p:cNvPr>
+          <p:cNvSpPr/>
+          <p:nvPr/>
+        </p:nvSpPr>
+        <p:spPr>
+          <a:xfrm>
+            <a:off x="6106160" y="3225800"/>
+            <a:ext cx="2590800" cy="436880"/>
+          </a:xfrm>
+          <a:prstGeom prst="rect">
+            <a:avLst/>
+          </a:prstGeom>
+          <a:noFill/>
+        </p:spPr>
+        <p:style>
+          <a:lnRef idx="2">
+            <a:schemeClr val="accent1">
+              <a:shade val="15000"/>
+            </a:schemeClr>
+          </a:lnRef>
+          <a:fillRef idx="1">
+            <a:schemeClr val="accent1"/>
+          </a:fillRef>
+          <a:effectRef idx="0">
+            <a:schemeClr val="accent1"/>
+          </a:effectRef>
+          <a:fontRef idx="minor">
+            <a:schemeClr val="lt1"/>
+          </a:fontRef>
+        </p:style>
+        <p:txBody>
+          <a:bodyPr rtlCol="0" anchor="ctr"/>
+          <a:lstStyle/>
+          <a:p>
+            <a:r>
+              <a:rPr lang="en-US" altLang="ko-KR" sz="1100" dirty="0">
+                <a:solidFill>
+                  <a:schemeClr val="tx1"/>
+                </a:solidFill>
+              </a:rPr>
+              <a:t>4. </a:t>
+            </a:r>
+            <a:r>
+              <a:rPr lang="ko-KR" altLang="en-US" sz="1100" dirty="0">
+                <a:solidFill>
+                  <a:schemeClr val="tx1"/>
+                </a:solidFill>
+              </a:rPr>
+              <a:t>배상보험은 법률상하자다 정답 </a:t>
+            </a:r>
+            <a:r>
+              <a:rPr lang="en-US" altLang="ko-KR" sz="1100" dirty="0">
+                <a:solidFill>
+                  <a:schemeClr val="tx1"/>
+                </a:solidFill>
+              </a:rPr>
+              <a:t>0</a:t>
+            </a:r>
+            <a:endParaRPr lang="ko-KR" altLang="en-US" sz="1100" dirty="0">
+              <a:solidFill>
+                <a:schemeClr val="tx1"/>
+              </a:solidFill>
+            </a:endParaRPr>
+          </a:p>
+        </p:txBody>
+      </p:sp>
+      <p:sp>
+        <p:nvSpPr>
+          <p:cNvPr id="13" name="직사각형 12">
+            <a:extLst>
+              <a:ext uri="{FF2B5EF4-FFF2-40B4-BE49-F238E27FC236}">
+                <a16:creationId xmlns:a16="http://schemas.microsoft.com/office/drawing/2014/main" id="{82684A30-B175-C322-D5C6-A8896B330327}"/>
+              </a:ext>
+            </a:extLst>
+          </p:cNvPr>
+          <p:cNvSpPr/>
+          <p:nvPr/>
+        </p:nvSpPr>
+        <p:spPr>
+          <a:xfrm>
+            <a:off x="6106160" y="3799840"/>
+            <a:ext cx="2590800" cy="436880"/>
+          </a:xfrm>
+          <a:prstGeom prst="rect">
+            <a:avLst/>
+          </a:prstGeom>
+          <a:noFill/>
+        </p:spPr>
+        <p:style>
+          <a:lnRef idx="2">
+            <a:schemeClr val="accent1">
+              <a:shade val="15000"/>
+            </a:schemeClr>
+          </a:lnRef>
+          <a:fillRef idx="1">
+            <a:schemeClr val="accent1"/>
+          </a:fillRef>
+          <a:effectRef idx="0">
+            <a:schemeClr val="accent1"/>
+          </a:effectRef>
+          <a:fontRef idx="minor">
+            <a:schemeClr val="lt1"/>
+          </a:fontRef>
+        </p:style>
+        <p:txBody>
+          <a:bodyPr rtlCol="0" anchor="ctr"/>
+          <a:lstStyle/>
+          <a:p>
+            <a:r>
+              <a:rPr lang="en-US" altLang="ko-KR" sz="1100" dirty="0">
+                <a:solidFill>
+                  <a:schemeClr val="tx1"/>
+                </a:solidFill>
+              </a:rPr>
+              <a:t>5 </a:t>
+            </a:r>
+            <a:r>
+              <a:rPr lang="ko-KR" altLang="en-US" sz="1100" dirty="0">
+                <a:solidFill>
+                  <a:schemeClr val="tx1"/>
+                </a:solidFill>
+              </a:rPr>
+              <a:t>해상보험은 로이드다  정답 </a:t>
+            </a:r>
+            <a:r>
+              <a:rPr lang="en-US" altLang="ko-KR" sz="1100" dirty="0">
+                <a:solidFill>
+                  <a:schemeClr val="tx1"/>
+                </a:solidFill>
+              </a:rPr>
+              <a:t>X</a:t>
+            </a:r>
+            <a:endParaRPr lang="ko-KR" altLang="en-US" sz="1100" dirty="0">
+              <a:solidFill>
+                <a:schemeClr val="tx1"/>
+              </a:solidFill>
+            </a:endParaRPr>
+          </a:p>
+        </p:txBody>
+      </p:sp>
+      <p:sp>
+        <p:nvSpPr>
+          <p:cNvPr id="14" name="직사각형 13">
+            <a:extLst>
+              <a:ext uri="{FF2B5EF4-FFF2-40B4-BE49-F238E27FC236}">
+                <a16:creationId xmlns:a16="http://schemas.microsoft.com/office/drawing/2014/main" id="{C4C91ABE-344C-F476-6483-3AFB883D742F}"/>
+              </a:ext>
+            </a:extLst>
+          </p:cNvPr>
+          <p:cNvSpPr/>
+          <p:nvPr/>
+        </p:nvSpPr>
+        <p:spPr>
+          <a:xfrm>
+            <a:off x="6096000" y="4348480"/>
+            <a:ext cx="2590800" cy="436880"/>
+          </a:xfrm>
+          <a:prstGeom prst="rect">
+            <a:avLst/>
+          </a:prstGeom>
+          <a:noFill/>
+        </p:spPr>
+        <p:style>
+          <a:lnRef idx="2">
+            <a:schemeClr val="accent1">
+              <a:shade val="15000"/>
+            </a:schemeClr>
+          </a:lnRef>
+          <a:fillRef idx="1">
+            <a:schemeClr val="accent1"/>
+          </a:fillRef>
+          <a:effectRef idx="0">
+            <a:schemeClr val="accent1"/>
+          </a:effectRef>
+          <a:fontRef idx="minor">
+            <a:schemeClr val="lt1"/>
+          </a:fontRef>
+        </p:style>
+        <p:txBody>
+          <a:bodyPr rtlCol="0" anchor="ctr"/>
+          <a:lstStyle/>
+          <a:p>
+            <a:endParaRPr lang="ko-KR" altLang="en-US" sz="1100">
+              <a:solidFill>
+                <a:schemeClr val="tx1"/>
+              </a:solidFill>
+            </a:endParaRPr>
+          </a:p>
+        </p:txBody>
+      </p:sp>
+      <p:sp>
+        <p:nvSpPr>
+          <p:cNvPr id="15" name="직사각형 14">
+            <a:extLst>
+              <a:ext uri="{FF2B5EF4-FFF2-40B4-BE49-F238E27FC236}">
+                <a16:creationId xmlns:a16="http://schemas.microsoft.com/office/drawing/2014/main" id="{6DB2A214-953A-53E6-4049-12CC1389FB41}"/>
+              </a:ext>
+            </a:extLst>
+          </p:cNvPr>
+          <p:cNvSpPr/>
+          <p:nvPr/>
+        </p:nvSpPr>
+        <p:spPr>
+          <a:xfrm>
+            <a:off x="6106160" y="4907280"/>
+            <a:ext cx="2590800" cy="436880"/>
+          </a:xfrm>
+          <a:prstGeom prst="rect">
+            <a:avLst/>
+          </a:prstGeom>
+          <a:noFill/>
+        </p:spPr>
+        <p:style>
+          <a:lnRef idx="2">
+            <a:schemeClr val="accent1">
+              <a:shade val="15000"/>
+            </a:schemeClr>
+          </a:lnRef>
+          <a:fillRef idx="1">
+            <a:schemeClr val="accent1"/>
+          </a:fillRef>
+          <a:effectRef idx="0">
+            <a:schemeClr val="accent1"/>
+          </a:effectRef>
+          <a:fontRef idx="minor">
+            <a:schemeClr val="lt1"/>
+          </a:fontRef>
+        </p:style>
+        <p:txBody>
+          <a:bodyPr rtlCol="0" anchor="ctr"/>
+          <a:lstStyle/>
+          <a:p>
+            <a:endParaRPr lang="ko-KR" altLang="en-US" sz="1100">
+              <a:solidFill>
+                <a:schemeClr val="tx1"/>
+              </a:solidFill>
+            </a:endParaRPr>
+          </a:p>
+        </p:txBody>
+      </p:sp>
+      <p:sp>
+        <p:nvSpPr>
+          <p:cNvPr id="37" name="직사각형 36">
+            <a:extLst>
+              <a:ext uri="{FF2B5EF4-FFF2-40B4-BE49-F238E27FC236}">
+                <a16:creationId xmlns:a16="http://schemas.microsoft.com/office/drawing/2014/main" id="{A505A51E-5822-969E-EB23-6DA259AC48F8}"/>
+              </a:ext>
+            </a:extLst>
+          </p:cNvPr>
+          <p:cNvSpPr/>
+          <p:nvPr/>
+        </p:nvSpPr>
+        <p:spPr>
+          <a:xfrm>
+            <a:off x="6106160" y="5405120"/>
+            <a:ext cx="2590800" cy="436880"/>
+          </a:xfrm>
+          <a:prstGeom prst="rect">
+            <a:avLst/>
+          </a:prstGeom>
+          <a:noFill/>
+        </p:spPr>
+        <p:style>
+          <a:lnRef idx="2">
+            <a:schemeClr val="accent1">
+              <a:shade val="15000"/>
+            </a:schemeClr>
+          </a:lnRef>
+          <a:fillRef idx="1">
+            <a:schemeClr val="accent1"/>
+          </a:fillRef>
+          <a:effectRef idx="0">
+            <a:schemeClr val="accent1"/>
+          </a:effectRef>
+          <a:fontRef idx="minor">
+            <a:schemeClr val="lt1"/>
+          </a:fontRef>
+        </p:style>
+        <p:txBody>
+          <a:bodyPr rtlCol="0" anchor="ctr"/>
+          <a:lstStyle/>
+          <a:p>
+            <a:endParaRPr lang="ko-KR" altLang="en-US" sz="1100">
+              <a:solidFill>
+                <a:schemeClr val="tx1"/>
+              </a:solidFill>
+            </a:endParaRPr>
+          </a:p>
+        </p:txBody>
+      </p:sp>
+      <p:sp>
+        <p:nvSpPr>
+          <p:cNvPr id="38" name="사각형: 둥근 모서리 37">
+            <a:extLst>
+              <a:ext uri="{FF2B5EF4-FFF2-40B4-BE49-F238E27FC236}">
+                <a16:creationId xmlns:a16="http://schemas.microsoft.com/office/drawing/2014/main" id="{A67227CD-3A00-1395-9B7B-E89308C3B7CB}"/>
+              </a:ext>
+            </a:extLst>
+          </p:cNvPr>
+          <p:cNvSpPr/>
+          <p:nvPr/>
+        </p:nvSpPr>
+        <p:spPr>
+          <a:xfrm>
+            <a:off x="8910320" y="1564640"/>
+            <a:ext cx="345440" cy="335280"/>
+          </a:xfrm>
+          <a:prstGeom prst="roundRect">
+            <a:avLst/>
+          </a:prstGeom>
+          <a:noFill/>
+        </p:spPr>
+        <p:style>
+          <a:lnRef idx="2">
+            <a:schemeClr val="accent1">
+              <a:shade val="15000"/>
+            </a:schemeClr>
+          </a:lnRef>
+          <a:fillRef idx="1">
+            <a:schemeClr val="accent1"/>
+          </a:fillRef>
+          <a:effectRef idx="0">
+            <a:schemeClr val="accent1"/>
+          </a:effectRef>
+          <a:fontRef idx="minor">
+            <a:schemeClr val="lt1"/>
+          </a:fontRef>
+        </p:style>
+        <p:txBody>
+          <a:bodyPr rtlCol="0" anchor="ctr"/>
+          <a:lstStyle/>
+          <a:p>
+            <a:pPr algn="ctr"/>
+            <a:r>
+              <a:rPr lang="en-US" altLang="ko-KR" dirty="0">
+                <a:solidFill>
+                  <a:srgbClr val="FF0000"/>
+                </a:solidFill>
+              </a:rPr>
+              <a:t>V</a:t>
+            </a:r>
+            <a:endParaRPr lang="ko-KR" altLang="en-US" dirty="0">
+              <a:solidFill>
+                <a:srgbClr val="FF0000"/>
+              </a:solidFill>
+            </a:endParaRPr>
+          </a:p>
+        </p:txBody>
+      </p:sp>
+      <p:sp>
+        <p:nvSpPr>
+          <p:cNvPr id="39" name="사각형: 둥근 모서리 38">
+            <a:extLst>
+              <a:ext uri="{FF2B5EF4-FFF2-40B4-BE49-F238E27FC236}">
+                <a16:creationId xmlns:a16="http://schemas.microsoft.com/office/drawing/2014/main" id="{3E5B7E27-E9C4-2810-3604-42B0939D81BE}"/>
+              </a:ext>
+            </a:extLst>
+          </p:cNvPr>
+          <p:cNvSpPr/>
+          <p:nvPr/>
+        </p:nvSpPr>
+        <p:spPr>
+          <a:xfrm>
+            <a:off x="9022080" y="2245360"/>
+            <a:ext cx="345440" cy="335280"/>
+          </a:xfrm>
+          <a:prstGeom prst="roundRect">
+            <a:avLst/>
+          </a:prstGeom>
+          <a:noFill/>
+        </p:spPr>
+        <p:style>
+          <a:lnRef idx="2">
+            <a:schemeClr val="accent1">
+              <a:shade val="15000"/>
+            </a:schemeClr>
+          </a:lnRef>
+          <a:fillRef idx="1">
+            <a:schemeClr val="accent1"/>
+          </a:fillRef>
+          <a:effectRef idx="0">
+            <a:schemeClr val="accent1"/>
+          </a:effectRef>
+          <a:fontRef idx="minor">
+            <a:schemeClr val="lt1"/>
+          </a:fontRef>
+        </p:style>
+        <p:txBody>
+          <a:bodyPr rtlCol="0" anchor="ctr"/>
+          <a:lstStyle/>
+          <a:p>
+            <a:pPr algn="ctr"/>
+            <a:r>
+              <a:rPr lang="en-US" altLang="ko-KR" dirty="0">
+                <a:solidFill>
+                  <a:srgbClr val="FF0000"/>
+                </a:solidFill>
+              </a:rPr>
+              <a:t>V</a:t>
+            </a:r>
+            <a:endParaRPr lang="ko-KR" altLang="en-US" dirty="0">
+              <a:solidFill>
+                <a:srgbClr val="FF0000"/>
+              </a:solidFill>
+            </a:endParaRPr>
+          </a:p>
+        </p:txBody>
+      </p:sp>
+      <p:sp>
+        <p:nvSpPr>
+          <p:cNvPr id="40" name="사각형: 둥근 모서리 39">
+            <a:extLst>
+              <a:ext uri="{FF2B5EF4-FFF2-40B4-BE49-F238E27FC236}">
+                <a16:creationId xmlns:a16="http://schemas.microsoft.com/office/drawing/2014/main" id="{03E760C3-9B16-CD15-5BE7-837CA05AACD6}"/>
+              </a:ext>
+            </a:extLst>
+          </p:cNvPr>
+          <p:cNvSpPr/>
+          <p:nvPr/>
+        </p:nvSpPr>
+        <p:spPr>
+          <a:xfrm>
+            <a:off x="8961120" y="2773680"/>
+            <a:ext cx="345440" cy="335280"/>
+          </a:xfrm>
+          <a:prstGeom prst="roundRect">
+            <a:avLst/>
+          </a:prstGeom>
+          <a:noFill/>
+        </p:spPr>
+        <p:style>
+          <a:lnRef idx="2">
+            <a:schemeClr val="accent1">
+              <a:shade val="15000"/>
+            </a:schemeClr>
+          </a:lnRef>
+          <a:fillRef idx="1">
+            <a:schemeClr val="accent1"/>
+          </a:fillRef>
+          <a:effectRef idx="0">
+            <a:schemeClr val="accent1"/>
+          </a:effectRef>
+          <a:fontRef idx="minor">
+            <a:schemeClr val="lt1"/>
+          </a:fontRef>
+        </p:style>
+        <p:txBody>
+          <a:bodyPr rtlCol="0" anchor="ctr"/>
+          <a:lstStyle/>
+          <a:p>
+            <a:pPr algn="ctr"/>
+            <a:r>
+              <a:rPr lang="en-US" altLang="ko-KR" dirty="0">
+                <a:solidFill>
+                  <a:srgbClr val="FF0000"/>
+                </a:solidFill>
+              </a:rPr>
+              <a:t>V</a:t>
+            </a:r>
+            <a:endParaRPr lang="ko-KR" altLang="en-US" dirty="0">
+              <a:solidFill>
+                <a:srgbClr val="FF0000"/>
+              </a:solidFill>
+            </a:endParaRPr>
+          </a:p>
+        </p:txBody>
+      </p:sp>
+      <p:sp>
+        <p:nvSpPr>
+          <p:cNvPr id="41" name="사각형: 둥근 모서리 40">
+            <a:extLst>
+              <a:ext uri="{FF2B5EF4-FFF2-40B4-BE49-F238E27FC236}">
+                <a16:creationId xmlns:a16="http://schemas.microsoft.com/office/drawing/2014/main" id="{0D7928DF-3003-409D-EB3B-8558E44534A9}"/>
+              </a:ext>
+            </a:extLst>
+          </p:cNvPr>
+          <p:cNvSpPr/>
+          <p:nvPr/>
+        </p:nvSpPr>
+        <p:spPr>
+          <a:xfrm>
+            <a:off x="9022080" y="3337560"/>
+            <a:ext cx="345440" cy="335280"/>
+          </a:xfrm>
+          <a:prstGeom prst="roundRect">
+            <a:avLst/>
+          </a:prstGeom>
+          <a:noFill/>
+        </p:spPr>
+        <p:style>
+          <a:lnRef idx="2">
+            <a:schemeClr val="accent1">
+              <a:shade val="15000"/>
+            </a:schemeClr>
+          </a:lnRef>
+          <a:fillRef idx="1">
+            <a:schemeClr val="accent1"/>
+          </a:fillRef>
+          <a:effectRef idx="0">
+            <a:schemeClr val="accent1"/>
+          </a:effectRef>
+          <a:fontRef idx="minor">
+            <a:schemeClr val="lt1"/>
+          </a:fontRef>
+        </p:style>
+        <p:txBody>
+          <a:bodyPr rtlCol="0" anchor="ctr"/>
+          <a:lstStyle/>
+          <a:p>
+            <a:pPr algn="ctr"/>
+            <a:r>
+              <a:rPr lang="en-US" altLang="ko-KR" dirty="0">
+                <a:solidFill>
+                  <a:srgbClr val="FF0000"/>
+                </a:solidFill>
+              </a:rPr>
+              <a:t>V</a:t>
+            </a:r>
+            <a:endParaRPr lang="ko-KR" altLang="en-US" dirty="0">
+              <a:solidFill>
+                <a:srgbClr val="FF0000"/>
+              </a:solidFill>
+            </a:endParaRPr>
+          </a:p>
+        </p:txBody>
+      </p:sp>
+      <p:sp>
+        <p:nvSpPr>
+          <p:cNvPr id="42" name="사각형: 둥근 모서리 41">
+            <a:extLst>
+              <a:ext uri="{FF2B5EF4-FFF2-40B4-BE49-F238E27FC236}">
+                <a16:creationId xmlns:a16="http://schemas.microsoft.com/office/drawing/2014/main" id="{1F8E259B-D6DF-161F-D9CA-72ABD387C4F6}"/>
+              </a:ext>
+            </a:extLst>
+          </p:cNvPr>
+          <p:cNvSpPr/>
+          <p:nvPr/>
+        </p:nvSpPr>
+        <p:spPr>
+          <a:xfrm>
+            <a:off x="9022080" y="3848100"/>
+            <a:ext cx="345440" cy="335280"/>
+          </a:xfrm>
+          <a:prstGeom prst="roundRect">
+            <a:avLst/>
+          </a:prstGeom>
+          <a:noFill/>
+        </p:spPr>
+        <p:style>
+          <a:lnRef idx="2">
+            <a:schemeClr val="accent1">
+              <a:shade val="15000"/>
+            </a:schemeClr>
+          </a:lnRef>
+          <a:fillRef idx="1">
+            <a:schemeClr val="accent1"/>
+          </a:fillRef>
+          <a:effectRef idx="0">
+            <a:schemeClr val="accent1"/>
+          </a:effectRef>
+          <a:fontRef idx="minor">
+            <a:schemeClr val="lt1"/>
+          </a:fontRef>
+        </p:style>
+        <p:txBody>
+          <a:bodyPr rtlCol="0" anchor="ctr"/>
+          <a:lstStyle/>
+          <a:p>
+            <a:pPr algn="ctr"/>
+            <a:r>
+              <a:rPr lang="en-US" altLang="ko-KR" dirty="0">
+                <a:solidFill>
+                  <a:srgbClr val="FF0000"/>
+                </a:solidFill>
+              </a:rPr>
+              <a:t>V</a:t>
+            </a:r>
+            <a:endParaRPr lang="ko-KR" altLang="en-US" dirty="0">
+              <a:solidFill>
+                <a:srgbClr val="FF0000"/>
+              </a:solidFill>
+            </a:endParaRPr>
+          </a:p>
+        </p:txBody>
+      </p:sp>
+      <p:sp>
+        <p:nvSpPr>
+          <p:cNvPr id="43" name="사각형: 둥근 모서리 42">
+            <a:extLst>
+              <a:ext uri="{FF2B5EF4-FFF2-40B4-BE49-F238E27FC236}">
+                <a16:creationId xmlns:a16="http://schemas.microsoft.com/office/drawing/2014/main" id="{3D6DC267-A846-C9A6-33C1-92BB0BA0A61B}"/>
+              </a:ext>
+            </a:extLst>
+          </p:cNvPr>
+          <p:cNvSpPr/>
+          <p:nvPr/>
+        </p:nvSpPr>
+        <p:spPr>
+          <a:xfrm>
+            <a:off x="9022080" y="4419600"/>
+            <a:ext cx="345440" cy="335280"/>
+          </a:xfrm>
+          <a:prstGeom prst="roundRect">
+            <a:avLst/>
+          </a:prstGeom>
+          <a:noFill/>
+        </p:spPr>
+        <p:style>
+          <a:lnRef idx="2">
+            <a:schemeClr val="accent1">
+              <a:shade val="15000"/>
+            </a:schemeClr>
+          </a:lnRef>
+          <a:fillRef idx="1">
+            <a:schemeClr val="accent1"/>
+          </a:fillRef>
+          <a:effectRef idx="0">
+            <a:schemeClr val="accent1"/>
+          </a:effectRef>
+          <a:fontRef idx="minor">
+            <a:schemeClr val="lt1"/>
+          </a:fontRef>
+        </p:style>
+        <p:txBody>
+          <a:bodyPr rtlCol="0" anchor="ctr"/>
+          <a:lstStyle/>
+          <a:p>
+            <a:pPr algn="ctr"/>
+            <a:endParaRPr lang="ko-KR" altLang="en-US" dirty="0">
+              <a:solidFill>
+                <a:srgbClr val="FF0000"/>
+              </a:solidFill>
+            </a:endParaRPr>
+          </a:p>
+        </p:txBody>
+      </p:sp>
+      <p:sp>
+        <p:nvSpPr>
+          <p:cNvPr id="44" name="사각형: 둥근 모서리 43">
+            <a:extLst>
+              <a:ext uri="{FF2B5EF4-FFF2-40B4-BE49-F238E27FC236}">
+                <a16:creationId xmlns:a16="http://schemas.microsoft.com/office/drawing/2014/main" id="{DF98016B-0323-3DC7-0778-C0C86EF7DEA5}"/>
+              </a:ext>
+            </a:extLst>
+          </p:cNvPr>
+          <p:cNvSpPr/>
+          <p:nvPr/>
+        </p:nvSpPr>
+        <p:spPr>
+          <a:xfrm>
+            <a:off x="9022080" y="4958080"/>
+            <a:ext cx="345440" cy="335280"/>
+          </a:xfrm>
+          <a:prstGeom prst="roundRect">
+            <a:avLst/>
+          </a:prstGeom>
+          <a:noFill/>
+        </p:spPr>
+        <p:style>
+          <a:lnRef idx="2">
+            <a:schemeClr val="accent1">
+              <a:shade val="15000"/>
+            </a:schemeClr>
+          </a:lnRef>
+          <a:fillRef idx="1">
+            <a:schemeClr val="accent1"/>
+          </a:fillRef>
+          <a:effectRef idx="0">
+            <a:schemeClr val="accent1"/>
+          </a:effectRef>
+          <a:fontRef idx="minor">
+            <a:schemeClr val="lt1"/>
+          </a:fontRef>
+        </p:style>
+        <p:txBody>
+          <a:bodyPr rtlCol="0" anchor="ctr"/>
+          <a:lstStyle/>
+          <a:p>
+            <a:pPr algn="ctr"/>
+            <a:endParaRPr lang="ko-KR" altLang="en-US" dirty="0">
+              <a:solidFill>
+                <a:srgbClr val="FF0000"/>
+              </a:solidFill>
+            </a:endParaRPr>
+          </a:p>
+        </p:txBody>
+      </p:sp>
+      <p:sp>
+        <p:nvSpPr>
+          <p:cNvPr id="45" name="사각형: 둥근 모서리 44">
+            <a:extLst>
+              <a:ext uri="{FF2B5EF4-FFF2-40B4-BE49-F238E27FC236}">
+                <a16:creationId xmlns:a16="http://schemas.microsoft.com/office/drawing/2014/main" id="{F96F71A8-A885-B9EF-B6FF-3115F122142C}"/>
+              </a:ext>
+            </a:extLst>
+          </p:cNvPr>
+          <p:cNvSpPr/>
+          <p:nvPr/>
+        </p:nvSpPr>
+        <p:spPr>
+          <a:xfrm>
+            <a:off x="9062720" y="5486400"/>
+            <a:ext cx="345440" cy="335280"/>
+          </a:xfrm>
+          <a:prstGeom prst="roundRect">
+            <a:avLst/>
+          </a:prstGeom>
+          <a:noFill/>
+        </p:spPr>
+        <p:style>
+          <a:lnRef idx="2">
+            <a:schemeClr val="accent1">
+              <a:shade val="15000"/>
+            </a:schemeClr>
+          </a:lnRef>
+          <a:fillRef idx="1">
+            <a:schemeClr val="accent1"/>
+          </a:fillRef>
+          <a:effectRef idx="0">
+            <a:schemeClr val="accent1"/>
+          </a:effectRef>
+          <a:fontRef idx="minor">
+            <a:schemeClr val="lt1"/>
+          </a:fontRef>
+        </p:style>
+        <p:txBody>
+          <a:bodyPr rtlCol="0" anchor="ctr"/>
+          <a:lstStyle/>
+          <a:p>
+            <a:pPr algn="ctr"/>
+            <a:endParaRPr lang="ko-KR" altLang="en-US" dirty="0">
+              <a:solidFill>
+                <a:srgbClr val="FF0000"/>
+              </a:solidFill>
+            </a:endParaRPr>
+          </a:p>
+        </p:txBody>
+      </p:sp>
+      <p:cxnSp>
+        <p:nvCxnSpPr>
+          <p:cNvPr id="47" name="직선 화살표 연결선 46">
+            <a:extLst>
+              <a:ext uri="{FF2B5EF4-FFF2-40B4-BE49-F238E27FC236}">
+                <a16:creationId xmlns:a16="http://schemas.microsoft.com/office/drawing/2014/main" id="{9779D632-F244-1390-B5CC-BC4AE432C1AC}"/>
+              </a:ext>
+            </a:extLst>
+          </p:cNvPr>
+          <p:cNvCxnSpPr/>
+          <p:nvPr/>
+        </p:nvCxnSpPr>
+        <p:spPr>
+          <a:xfrm flipV="1">
+            <a:off x="3779520" y="3505200"/>
+            <a:ext cx="1635760" cy="762000"/>
+          </a:xfrm>
+          <a:prstGeom prst="straightConnector1">
+            <a:avLst/>
+          </a:prstGeom>
+          <a:ln>
+            <a:tailEnd type="triangle"/>
+          </a:ln>
+        </p:spPr>
+        <p:style>
+          <a:lnRef idx="2">
+            <a:schemeClr val="accent1"/>
+          </a:lnRef>
+          <a:fillRef idx="0">
+            <a:schemeClr val="accent1"/>
+          </a:fillRef>
+          <a:effectRef idx="1">
+            <a:schemeClr val="accent1"/>
+          </a:effectRef>
+          <a:fontRef idx="minor">
+            <a:schemeClr val="tx1"/>
+          </a:fontRef>
+        </p:style>
+      </p:cxnSp>
+      <p:sp>
+        <p:nvSpPr>
+          <p:cNvPr id="48" name="직사각형 47">
+            <a:extLst>
+              <a:ext uri="{FF2B5EF4-FFF2-40B4-BE49-F238E27FC236}">
+                <a16:creationId xmlns:a16="http://schemas.microsoft.com/office/drawing/2014/main" id="{07CFAFFC-9FD6-A54C-CD67-2509B525D5A5}"/>
+              </a:ext>
+            </a:extLst>
+          </p:cNvPr>
+          <p:cNvSpPr/>
+          <p:nvPr/>
+        </p:nvSpPr>
+        <p:spPr>
+          <a:xfrm>
+            <a:off x="6319520" y="6004560"/>
+            <a:ext cx="2164080" cy="386080"/>
+          </a:xfrm>
+          <a:prstGeom prst="rect">
+            <a:avLst/>
+          </a:prstGeom>
+        </p:spPr>
+        <p:style>
+          <a:lnRef idx="2">
+            <a:schemeClr val="accent1">
+              <a:shade val="15000"/>
+            </a:schemeClr>
+          </a:lnRef>
+          <a:fillRef idx="1">
+            <a:schemeClr val="accent1"/>
+          </a:fillRef>
+          <a:effectRef idx="0">
+            <a:schemeClr val="accent1"/>
+          </a:effectRef>
+          <a:fontRef idx="minor">
+            <a:schemeClr val="lt1"/>
+          </a:fontRef>
+        </p:style>
+        <p:txBody>
+          <a:bodyPr rtlCol="0" anchor="ctr"/>
+          <a:lstStyle/>
+          <a:p>
+            <a:pPr algn="ctr"/>
+            <a:r>
+              <a:rPr lang="ko-KR" altLang="en-US" dirty="0"/>
+              <a:t>업데이트</a:t>
+            </a:r>
+          </a:p>
+        </p:txBody>
+      </p:sp>
+    </p:spTree>
+    <p:extLst>
+      <p:ext uri="{BB962C8B-B14F-4D97-AF65-F5344CB8AC3E}">
+        <p14:creationId xmlns:p14="http://schemas.microsoft.com/office/powerpoint/2010/main" val="1970934104"/>
       </p:ext>
     </p:extLst>
   </p:cSld>
